--- a/数据库简单介绍.pptx
+++ b/数据库简单介绍.pptx
@@ -4,6 +4,9 @@
   <p:sldMasterIdLst>
     <p:sldMasterId id="2147483648" r:id="rId1"/>
   </p:sldMasterIdLst>
+  <p:notesMasterIdLst>
+    <p:notesMasterId r:id="rId39"/>
+  </p:notesMasterIdLst>
   <p:sldIdLst>
     <p:sldId id="256" r:id="rId2"/>
     <p:sldId id="257" r:id="rId3"/>
@@ -19,8 +22,8 @@
     <p:sldId id="263" r:id="rId13"/>
     <p:sldId id="269" r:id="rId14"/>
     <p:sldId id="268" r:id="rId15"/>
-    <p:sldId id="270" r:id="rId16"/>
-    <p:sldId id="272" r:id="rId17"/>
+    <p:sldId id="272" r:id="rId16"/>
+    <p:sldId id="270" r:id="rId17"/>
     <p:sldId id="271" r:id="rId18"/>
     <p:sldId id="273" r:id="rId19"/>
     <p:sldId id="274" r:id="rId20"/>
@@ -33,11 +36,15 @@
     <p:sldId id="281" r:id="rId27"/>
     <p:sldId id="282" r:id="rId28"/>
     <p:sldId id="284" r:id="rId29"/>
-    <p:sldId id="285" r:id="rId30"/>
-    <p:sldId id="286" r:id="rId31"/>
-    <p:sldId id="287" r:id="rId32"/>
-    <p:sldId id="288" r:id="rId33"/>
-    <p:sldId id="289" r:id="rId34"/>
+    <p:sldId id="290" r:id="rId30"/>
+    <p:sldId id="285" r:id="rId31"/>
+    <p:sldId id="291" r:id="rId32"/>
+    <p:sldId id="292" r:id="rId33"/>
+    <p:sldId id="293" r:id="rId34"/>
+    <p:sldId id="286" r:id="rId35"/>
+    <p:sldId id="287" r:id="rId36"/>
+    <p:sldId id="288" r:id="rId37"/>
+    <p:sldId id="289" r:id="rId38"/>
   </p:sldIdLst>
   <p:sldSz cx="9144000" cy="6858000" type="screen4x3"/>
   <p:notesSz cx="6858000" cy="9144000"/>
@@ -139,6 +146,560 @@
 </p:presentation>
 </file>
 
+<file path=ppt/notesMasters/notesMaster1.xml><?xml version="1.0" encoding="utf-8"?>
+<p:notesMaster xmlns:a="http://schemas.openxmlformats.org/drawingml/2006/main" xmlns:r="http://schemas.openxmlformats.org/officeDocument/2006/relationships" xmlns:p="http://schemas.openxmlformats.org/presentationml/2006/main">
+  <p:cSld>
+    <p:bg>
+      <p:bgRef idx="1001">
+        <a:schemeClr val="bg1"/>
+      </p:bgRef>
+    </p:bg>
+    <p:spTree>
+      <p:nvGrpSpPr>
+        <p:cNvPr id="1" name=""/>
+        <p:cNvGrpSpPr/>
+        <p:nvPr/>
+      </p:nvGrpSpPr>
+      <p:grpSpPr>
+        <a:xfrm>
+          <a:off x="0" y="0"/>
+          <a:ext cx="0" cy="0"/>
+          <a:chOff x="0" y="0"/>
+          <a:chExt cx="0" cy="0"/>
+        </a:xfrm>
+      </p:grpSpPr>
+      <p:sp>
+        <p:nvSpPr>
+          <p:cNvPr id="2" name="页眉占位符 1"/>
+          <p:cNvSpPr>
+            <a:spLocks noGrp="1"/>
+          </p:cNvSpPr>
+          <p:nvPr>
+            <p:ph type="hdr" sz="quarter"/>
+          </p:nvPr>
+        </p:nvSpPr>
+        <p:spPr>
+          <a:xfrm>
+            <a:off x="0" y="0"/>
+            <a:ext cx="2971800" cy="457200"/>
+          </a:xfrm>
+          <a:prstGeom prst="rect">
+            <a:avLst/>
+          </a:prstGeom>
+        </p:spPr>
+        <p:txBody>
+          <a:bodyPr vert="horz" lIns="91440" tIns="45720" rIns="91440" bIns="45720" rtlCol="0"/>
+          <a:lstStyle>
+            <a:lvl1pPr algn="l">
+              <a:defRPr sz="1200"/>
+            </a:lvl1pPr>
+          </a:lstStyle>
+          <a:p>
+            <a:endParaRPr lang="zh-CN" altLang="en-US"/>
+          </a:p>
+        </p:txBody>
+      </p:sp>
+      <p:sp>
+        <p:nvSpPr>
+          <p:cNvPr id="3" name="日期占位符 2"/>
+          <p:cNvSpPr>
+            <a:spLocks noGrp="1"/>
+          </p:cNvSpPr>
+          <p:nvPr>
+            <p:ph type="dt" idx="1"/>
+          </p:nvPr>
+        </p:nvSpPr>
+        <p:spPr>
+          <a:xfrm>
+            <a:off x="3884613" y="0"/>
+            <a:ext cx="2971800" cy="457200"/>
+          </a:xfrm>
+          <a:prstGeom prst="rect">
+            <a:avLst/>
+          </a:prstGeom>
+        </p:spPr>
+        <p:txBody>
+          <a:bodyPr vert="horz" lIns="91440" tIns="45720" rIns="91440" bIns="45720" rtlCol="0"/>
+          <a:lstStyle>
+            <a:lvl1pPr algn="r">
+              <a:defRPr sz="1200"/>
+            </a:lvl1pPr>
+          </a:lstStyle>
+          <a:p>
+            <a:fld id="{3C4D30F2-5191-4898-8A4B-7018A8AF9474}" type="datetimeFigureOut">
+              <a:rPr lang="zh-CN" altLang="en-US" smtClean="0"/>
+              <a:t>2016/4/19</a:t>
+            </a:fld>
+            <a:endParaRPr lang="zh-CN" altLang="en-US"/>
+          </a:p>
+        </p:txBody>
+      </p:sp>
+      <p:sp>
+        <p:nvSpPr>
+          <p:cNvPr id="4" name="幻灯片图像占位符 3"/>
+          <p:cNvSpPr>
+            <a:spLocks noGrp="1" noRot="1" noChangeAspect="1"/>
+          </p:cNvSpPr>
+          <p:nvPr>
+            <p:ph type="sldImg" idx="2"/>
+          </p:nvPr>
+        </p:nvSpPr>
+        <p:spPr>
+          <a:xfrm>
+            <a:off x="1143000" y="685800"/>
+            <a:ext cx="4572000" cy="3429000"/>
+          </a:xfrm>
+          <a:prstGeom prst="rect">
+            <a:avLst/>
+          </a:prstGeom>
+          <a:noFill/>
+          <a:ln w="12700">
+            <a:solidFill>
+              <a:prstClr val="black"/>
+            </a:solidFill>
+          </a:ln>
+        </p:spPr>
+        <p:txBody>
+          <a:bodyPr vert="horz" lIns="91440" tIns="45720" rIns="91440" bIns="45720" rtlCol="0" anchor="ctr"/>
+          <a:lstStyle/>
+          <a:p>
+            <a:endParaRPr lang="zh-CN" altLang="en-US"/>
+          </a:p>
+        </p:txBody>
+      </p:sp>
+      <p:sp>
+        <p:nvSpPr>
+          <p:cNvPr id="5" name="备注占位符 4"/>
+          <p:cNvSpPr>
+            <a:spLocks noGrp="1"/>
+          </p:cNvSpPr>
+          <p:nvPr>
+            <p:ph type="body" sz="quarter" idx="3"/>
+          </p:nvPr>
+        </p:nvSpPr>
+        <p:spPr>
+          <a:xfrm>
+            <a:off x="685800" y="4343400"/>
+            <a:ext cx="5486400" cy="4114800"/>
+          </a:xfrm>
+          <a:prstGeom prst="rect">
+            <a:avLst/>
+          </a:prstGeom>
+        </p:spPr>
+        <p:txBody>
+          <a:bodyPr vert="horz" lIns="91440" tIns="45720" rIns="91440" bIns="45720" rtlCol="0"/>
+          <a:lstStyle/>
+          <a:p>
+            <a:pPr lvl="0"/>
+            <a:r>
+              <a:rPr lang="zh-CN" altLang="en-US" smtClean="0"/>
+              <a:t>单击此处编辑母版文本样式</a:t>
+            </a:r>
+          </a:p>
+          <a:p>
+            <a:pPr lvl="1"/>
+            <a:r>
+              <a:rPr lang="zh-CN" altLang="en-US" smtClean="0"/>
+              <a:t>第二级</a:t>
+            </a:r>
+          </a:p>
+          <a:p>
+            <a:pPr lvl="2"/>
+            <a:r>
+              <a:rPr lang="zh-CN" altLang="en-US" smtClean="0"/>
+              <a:t>第三级</a:t>
+            </a:r>
+          </a:p>
+          <a:p>
+            <a:pPr lvl="3"/>
+            <a:r>
+              <a:rPr lang="zh-CN" altLang="en-US" smtClean="0"/>
+              <a:t>第四级</a:t>
+            </a:r>
+          </a:p>
+          <a:p>
+            <a:pPr lvl="4"/>
+            <a:r>
+              <a:rPr lang="zh-CN" altLang="en-US" smtClean="0"/>
+              <a:t>第五级</a:t>
+            </a:r>
+            <a:endParaRPr lang="zh-CN" altLang="en-US"/>
+          </a:p>
+        </p:txBody>
+      </p:sp>
+      <p:sp>
+        <p:nvSpPr>
+          <p:cNvPr id="6" name="页脚占位符 5"/>
+          <p:cNvSpPr>
+            <a:spLocks noGrp="1"/>
+          </p:cNvSpPr>
+          <p:nvPr>
+            <p:ph type="ftr" sz="quarter" idx="4"/>
+          </p:nvPr>
+        </p:nvSpPr>
+        <p:spPr>
+          <a:xfrm>
+            <a:off x="0" y="8685213"/>
+            <a:ext cx="2971800" cy="457200"/>
+          </a:xfrm>
+          <a:prstGeom prst="rect">
+            <a:avLst/>
+          </a:prstGeom>
+        </p:spPr>
+        <p:txBody>
+          <a:bodyPr vert="horz" lIns="91440" tIns="45720" rIns="91440" bIns="45720" rtlCol="0" anchor="b"/>
+          <a:lstStyle>
+            <a:lvl1pPr algn="l">
+              <a:defRPr sz="1200"/>
+            </a:lvl1pPr>
+          </a:lstStyle>
+          <a:p>
+            <a:endParaRPr lang="zh-CN" altLang="en-US"/>
+          </a:p>
+        </p:txBody>
+      </p:sp>
+      <p:sp>
+        <p:nvSpPr>
+          <p:cNvPr id="7" name="灯片编号占位符 6"/>
+          <p:cNvSpPr>
+            <a:spLocks noGrp="1"/>
+          </p:cNvSpPr>
+          <p:nvPr>
+            <p:ph type="sldNum" sz="quarter" idx="5"/>
+          </p:nvPr>
+        </p:nvSpPr>
+        <p:spPr>
+          <a:xfrm>
+            <a:off x="3884613" y="8685213"/>
+            <a:ext cx="2971800" cy="457200"/>
+          </a:xfrm>
+          <a:prstGeom prst="rect">
+            <a:avLst/>
+          </a:prstGeom>
+        </p:spPr>
+        <p:txBody>
+          <a:bodyPr vert="horz" lIns="91440" tIns="45720" rIns="91440" bIns="45720" rtlCol="0" anchor="b"/>
+          <a:lstStyle>
+            <a:lvl1pPr algn="r">
+              <a:defRPr sz="1200"/>
+            </a:lvl1pPr>
+          </a:lstStyle>
+          <a:p>
+            <a:fld id="{558BA4F1-1856-4B54-8903-E73296BD7E2B}" type="slidenum">
+              <a:rPr lang="zh-CN" altLang="en-US" smtClean="0"/>
+              <a:t>‹#›</a:t>
+            </a:fld>
+            <a:endParaRPr lang="zh-CN" altLang="en-US"/>
+          </a:p>
+        </p:txBody>
+      </p:sp>
+    </p:spTree>
+    <p:extLst>
+      <p:ext uri="{BB962C8B-B14F-4D97-AF65-F5344CB8AC3E}">
+        <p14:creationId xmlns:p14="http://schemas.microsoft.com/office/powerpoint/2010/main" val="1207895625"/>
+      </p:ext>
+    </p:extLst>
+  </p:cSld>
+  <p:clrMap bg1="lt1" tx1="dk1" bg2="lt2" tx2="dk2" accent1="accent1" accent2="accent2" accent3="accent3" accent4="accent4" accent5="accent5" accent6="accent6" hlink="hlink" folHlink="folHlink"/>
+  <p:notesStyle>
+    <a:lvl1pPr marL="0" algn="l" defTabSz="914400" rtl="0" eaLnBrk="1" latinLnBrk="0" hangingPunct="1">
+      <a:defRPr sz="1200" kern="1200">
+        <a:solidFill>
+          <a:schemeClr val="tx1"/>
+        </a:solidFill>
+        <a:latin typeface="+mn-lt"/>
+        <a:ea typeface="+mn-ea"/>
+        <a:cs typeface="+mn-cs"/>
+      </a:defRPr>
+    </a:lvl1pPr>
+    <a:lvl2pPr marL="457200" algn="l" defTabSz="914400" rtl="0" eaLnBrk="1" latinLnBrk="0" hangingPunct="1">
+      <a:defRPr sz="1200" kern="1200">
+        <a:solidFill>
+          <a:schemeClr val="tx1"/>
+        </a:solidFill>
+        <a:latin typeface="+mn-lt"/>
+        <a:ea typeface="+mn-ea"/>
+        <a:cs typeface="+mn-cs"/>
+      </a:defRPr>
+    </a:lvl2pPr>
+    <a:lvl3pPr marL="914400" algn="l" defTabSz="914400" rtl="0" eaLnBrk="1" latinLnBrk="0" hangingPunct="1">
+      <a:defRPr sz="1200" kern="1200">
+        <a:solidFill>
+          <a:schemeClr val="tx1"/>
+        </a:solidFill>
+        <a:latin typeface="+mn-lt"/>
+        <a:ea typeface="+mn-ea"/>
+        <a:cs typeface="+mn-cs"/>
+      </a:defRPr>
+    </a:lvl3pPr>
+    <a:lvl4pPr marL="1371600" algn="l" defTabSz="914400" rtl="0" eaLnBrk="1" latinLnBrk="0" hangingPunct="1">
+      <a:defRPr sz="1200" kern="1200">
+        <a:solidFill>
+          <a:schemeClr val="tx1"/>
+        </a:solidFill>
+        <a:latin typeface="+mn-lt"/>
+        <a:ea typeface="+mn-ea"/>
+        <a:cs typeface="+mn-cs"/>
+      </a:defRPr>
+    </a:lvl4pPr>
+    <a:lvl5pPr marL="1828800" algn="l" defTabSz="914400" rtl="0" eaLnBrk="1" latinLnBrk="0" hangingPunct="1">
+      <a:defRPr sz="1200" kern="1200">
+        <a:solidFill>
+          <a:schemeClr val="tx1"/>
+        </a:solidFill>
+        <a:latin typeface="+mn-lt"/>
+        <a:ea typeface="+mn-ea"/>
+        <a:cs typeface="+mn-cs"/>
+      </a:defRPr>
+    </a:lvl5pPr>
+    <a:lvl6pPr marL="2286000" algn="l" defTabSz="914400" rtl="0" eaLnBrk="1" latinLnBrk="0" hangingPunct="1">
+      <a:defRPr sz="1200" kern="1200">
+        <a:solidFill>
+          <a:schemeClr val="tx1"/>
+        </a:solidFill>
+        <a:latin typeface="+mn-lt"/>
+        <a:ea typeface="+mn-ea"/>
+        <a:cs typeface="+mn-cs"/>
+      </a:defRPr>
+    </a:lvl6pPr>
+    <a:lvl7pPr marL="2743200" algn="l" defTabSz="914400" rtl="0" eaLnBrk="1" latinLnBrk="0" hangingPunct="1">
+      <a:defRPr sz="1200" kern="1200">
+        <a:solidFill>
+          <a:schemeClr val="tx1"/>
+        </a:solidFill>
+        <a:latin typeface="+mn-lt"/>
+        <a:ea typeface="+mn-ea"/>
+        <a:cs typeface="+mn-cs"/>
+      </a:defRPr>
+    </a:lvl7pPr>
+    <a:lvl8pPr marL="3200400" algn="l" defTabSz="914400" rtl="0" eaLnBrk="1" latinLnBrk="0" hangingPunct="1">
+      <a:defRPr sz="1200" kern="1200">
+        <a:solidFill>
+          <a:schemeClr val="tx1"/>
+        </a:solidFill>
+        <a:latin typeface="+mn-lt"/>
+        <a:ea typeface="+mn-ea"/>
+        <a:cs typeface="+mn-cs"/>
+      </a:defRPr>
+    </a:lvl8pPr>
+    <a:lvl9pPr marL="3657600" algn="l" defTabSz="914400" rtl="0" eaLnBrk="1" latinLnBrk="0" hangingPunct="1">
+      <a:defRPr sz="1200" kern="1200">
+        <a:solidFill>
+          <a:schemeClr val="tx1"/>
+        </a:solidFill>
+        <a:latin typeface="+mn-lt"/>
+        <a:ea typeface="+mn-ea"/>
+        <a:cs typeface="+mn-cs"/>
+      </a:defRPr>
+    </a:lvl9pPr>
+  </p:notesStyle>
+</p:notesMaster>
+</file>
+
+<file path=ppt/notesSlides/notesSlide1.xml><?xml version="1.0" encoding="utf-8"?>
+<p:notes xmlns:a="http://schemas.openxmlformats.org/drawingml/2006/main" xmlns:r="http://schemas.openxmlformats.org/officeDocument/2006/relationships" xmlns:p="http://schemas.openxmlformats.org/presentationml/2006/main">
+  <p:cSld>
+    <p:spTree>
+      <p:nvGrpSpPr>
+        <p:cNvPr id="1" name=""/>
+        <p:cNvGrpSpPr/>
+        <p:nvPr/>
+      </p:nvGrpSpPr>
+      <p:grpSpPr>
+        <a:xfrm>
+          <a:off x="0" y="0"/>
+          <a:ext cx="0" cy="0"/>
+          <a:chOff x="0" y="0"/>
+          <a:chExt cx="0" cy="0"/>
+        </a:xfrm>
+      </p:grpSpPr>
+      <p:sp>
+        <p:nvSpPr>
+          <p:cNvPr id="2" name="幻灯片图像占位符 1"/>
+          <p:cNvSpPr>
+            <a:spLocks noGrp="1" noRot="1" noChangeAspect="1"/>
+          </p:cNvSpPr>
+          <p:nvPr>
+            <p:ph type="sldImg"/>
+          </p:nvPr>
+        </p:nvSpPr>
+        <p:spPr/>
+      </p:sp>
+      <p:sp>
+        <p:nvSpPr>
+          <p:cNvPr id="3" name="备注占位符 2"/>
+          <p:cNvSpPr>
+            <a:spLocks noGrp="1"/>
+          </p:cNvSpPr>
+          <p:nvPr>
+            <p:ph type="body" idx="1"/>
+          </p:nvPr>
+        </p:nvSpPr>
+        <p:spPr/>
+        <p:txBody>
+          <a:bodyPr/>
+          <a:lstStyle/>
+          <a:p>
+            <a:r>
+              <a:rPr lang="en-US" altLang="zh-CN" dirty="0" err="1" smtClean="0"/>
+              <a:t>EpollEx</a:t>
+            </a:r>
+            <a:r>
+              <a:rPr lang="en-US" altLang="zh-CN" dirty="0" smtClean="0"/>
+              <a:t>:</a:t>
+            </a:r>
+            <a:r>
+              <a:rPr lang="zh-CN" altLang="en-US" dirty="0" smtClean="0"/>
+              <a:t>基于腾讯的</a:t>
+            </a:r>
+            <a:r>
+              <a:rPr lang="en-US" altLang="zh-CN" dirty="0" err="1" smtClean="0"/>
+              <a:t>libco</a:t>
+            </a:r>
+            <a:r>
+              <a:rPr lang="zh-CN" altLang="en-US" dirty="0" smtClean="0"/>
+              <a:t>实现</a:t>
+            </a:r>
+            <a:r>
+              <a:rPr lang="en-US" altLang="zh-CN" dirty="0" smtClean="0"/>
+              <a:t>.</a:t>
+            </a:r>
+            <a:r>
+              <a:rPr lang="zh-CN" altLang="en-US" dirty="0" smtClean="0"/>
+              <a:t>为解决当</a:t>
+            </a:r>
+            <a:r>
+              <a:rPr lang="en-US" altLang="zh-CN" dirty="0" err="1" smtClean="0"/>
+              <a:t>epoll</a:t>
+            </a:r>
+            <a:r>
+              <a:rPr lang="zh-CN" altLang="en-US" dirty="0" smtClean="0"/>
+              <a:t>每次进行</a:t>
+            </a:r>
+            <a:r>
+              <a:rPr lang="en-US" altLang="zh-CN" dirty="0" smtClean="0"/>
+              <a:t>IO</a:t>
+            </a:r>
+            <a:r>
+              <a:rPr lang="zh-CN" altLang="en-US" dirty="0" smtClean="0"/>
+              <a:t>访问的时候会让</a:t>
+            </a:r>
+            <a:r>
+              <a:rPr lang="en-US" altLang="zh-CN" dirty="0" smtClean="0"/>
+              <a:t>CPU</a:t>
+            </a:r>
+            <a:r>
+              <a:rPr lang="zh-CN" altLang="en-US" dirty="0" smtClean="0"/>
+              <a:t>处于</a:t>
+            </a:r>
+            <a:r>
+              <a:rPr lang="en-US" altLang="zh-CN" dirty="0" err="1" smtClean="0"/>
+              <a:t>Iowait</a:t>
+            </a:r>
+            <a:r>
+              <a:rPr lang="zh-CN" altLang="en-US" dirty="0" smtClean="0"/>
+              <a:t>状态</a:t>
+            </a:r>
+            <a:r>
+              <a:rPr lang="en-US" altLang="zh-CN" dirty="0" smtClean="0"/>
+              <a:t>.</a:t>
+            </a:r>
+            <a:r>
+              <a:rPr lang="zh-CN" altLang="en-US" dirty="0" smtClean="0"/>
+              <a:t>为了利用这点</a:t>
+            </a:r>
+            <a:r>
+              <a:rPr lang="en-US" altLang="zh-CN" dirty="0" smtClean="0"/>
+              <a:t>CPU.</a:t>
+            </a:r>
+            <a:r>
+              <a:rPr lang="zh-CN" altLang="en-US" dirty="0" smtClean="0"/>
+              <a:t>所以采用了协程库实现</a:t>
+            </a:r>
+            <a:r>
+              <a:rPr lang="en-US" altLang="zh-CN" dirty="0" smtClean="0"/>
+              <a:t>.</a:t>
+            </a:r>
+            <a:r>
+              <a:rPr lang="zh-CN" altLang="en-US" dirty="0" smtClean="0"/>
+              <a:t>用钩子</a:t>
+            </a:r>
+            <a:r>
+              <a:rPr lang="en-US" altLang="zh-CN" dirty="0" smtClean="0"/>
+              <a:t>hook</a:t>
+            </a:r>
+            <a:r>
+              <a:rPr lang="zh-CN" altLang="en-US" dirty="0" smtClean="0"/>
+              <a:t>底层的网络函数</a:t>
+            </a:r>
+            <a:r>
+              <a:rPr lang="en-US" altLang="zh-CN" dirty="0" smtClean="0"/>
+              <a:t>.</a:t>
+            </a:r>
+            <a:r>
+              <a:rPr lang="zh-CN" altLang="en-US" dirty="0" smtClean="0"/>
+              <a:t>然后当处理完</a:t>
+            </a:r>
+            <a:r>
+              <a:rPr lang="en-US" altLang="zh-CN" dirty="0" smtClean="0"/>
+              <a:t>IO</a:t>
+            </a:r>
+            <a:r>
+              <a:rPr lang="zh-CN" altLang="en-US" dirty="0" smtClean="0"/>
+              <a:t>的时候再回调回来</a:t>
+            </a:r>
+            <a:r>
+              <a:rPr lang="en-US" altLang="zh-CN" dirty="0" smtClean="0"/>
+              <a:t>.</a:t>
+            </a:r>
+            <a:r>
+              <a:rPr lang="zh-CN" altLang="en-US" dirty="0" smtClean="0"/>
+              <a:t>进行接下来的处理</a:t>
+            </a:r>
+            <a:r>
+              <a:rPr lang="en-US" altLang="zh-CN" dirty="0" smtClean="0"/>
+              <a:t>.</a:t>
+            </a:r>
+            <a:endParaRPr lang="zh-CN" altLang="en-US" dirty="0"/>
+          </a:p>
+        </p:txBody>
+      </p:sp>
+      <p:sp>
+        <p:nvSpPr>
+          <p:cNvPr id="4" name="灯片编号占位符 3"/>
+          <p:cNvSpPr>
+            <a:spLocks noGrp="1"/>
+          </p:cNvSpPr>
+          <p:nvPr>
+            <p:ph type="sldNum" sz="quarter" idx="10"/>
+          </p:nvPr>
+        </p:nvSpPr>
+        <p:spPr/>
+        <p:txBody>
+          <a:bodyPr/>
+          <a:lstStyle/>
+          <a:p>
+            <a:fld id="{558BA4F1-1856-4B54-8903-E73296BD7E2B}" type="slidenum">
+              <a:rPr lang="zh-CN" altLang="en-US" smtClean="0"/>
+              <a:t>28</a:t>
+            </a:fld>
+            <a:endParaRPr lang="zh-CN" altLang="en-US"/>
+          </a:p>
+        </p:txBody>
+      </p:sp>
+    </p:spTree>
+    <p:extLst>
+      <p:ext uri="{BB962C8B-B14F-4D97-AF65-F5344CB8AC3E}">
+        <p14:creationId xmlns:p14="http://schemas.microsoft.com/office/powerpoint/2010/main" val="1718878793"/>
+      </p:ext>
+    </p:extLst>
+  </p:cSld>
+  <p:clrMapOvr>
+    <a:masterClrMapping/>
+  </p:clrMapOvr>
+</p:notes>
+</file>
+
 <file path=ppt/slideLayouts/slideLayout1.xml><?xml version="1.0" encoding="utf-8"?>
 <p:sldLayout xmlns:a="http://schemas.openxmlformats.org/drawingml/2006/main" xmlns:r="http://schemas.openxmlformats.org/officeDocument/2006/relationships" xmlns:p="http://schemas.openxmlformats.org/presentationml/2006/main" type="title" preserve="1">
   <p:cSld name="标题幻灯片">
@@ -320,7 +881,7 @@
           <a:p>
             <a:fld id="{FE69E5B9-0512-457E-BE34-BA3076973628}" type="datetimeFigureOut">
               <a:rPr lang="zh-CN" altLang="en-US" smtClean="0"/>
-              <a:t>2016/4/18</a:t>
+              <a:t>2016/4/19</a:t>
             </a:fld>
             <a:endParaRPr lang="zh-CN" altLang="en-US"/>
           </a:p>
@@ -490,7 +1051,7 @@
           <a:p>
             <a:fld id="{FE69E5B9-0512-457E-BE34-BA3076973628}" type="datetimeFigureOut">
               <a:rPr lang="zh-CN" altLang="en-US" smtClean="0"/>
-              <a:t>2016/4/18</a:t>
+              <a:t>2016/4/19</a:t>
             </a:fld>
             <a:endParaRPr lang="zh-CN" altLang="en-US"/>
           </a:p>
@@ -670,7 +1231,7 @@
           <a:p>
             <a:fld id="{FE69E5B9-0512-457E-BE34-BA3076973628}" type="datetimeFigureOut">
               <a:rPr lang="zh-CN" altLang="en-US" smtClean="0"/>
-              <a:t>2016/4/18</a:t>
+              <a:t>2016/4/19</a:t>
             </a:fld>
             <a:endParaRPr lang="zh-CN" altLang="en-US"/>
           </a:p>
@@ -840,7 +1401,7 @@
           <a:p>
             <a:fld id="{FE69E5B9-0512-457E-BE34-BA3076973628}" type="datetimeFigureOut">
               <a:rPr lang="zh-CN" altLang="en-US" smtClean="0"/>
-              <a:t>2016/4/18</a:t>
+              <a:t>2016/4/19</a:t>
             </a:fld>
             <a:endParaRPr lang="zh-CN" altLang="en-US"/>
           </a:p>
@@ -1086,7 +1647,7 @@
           <a:p>
             <a:fld id="{FE69E5B9-0512-457E-BE34-BA3076973628}" type="datetimeFigureOut">
               <a:rPr lang="zh-CN" altLang="en-US" smtClean="0"/>
-              <a:t>2016/4/18</a:t>
+              <a:t>2016/4/19</a:t>
             </a:fld>
             <a:endParaRPr lang="zh-CN" altLang="en-US"/>
           </a:p>
@@ -1374,7 +1935,7 @@
           <a:p>
             <a:fld id="{FE69E5B9-0512-457E-BE34-BA3076973628}" type="datetimeFigureOut">
               <a:rPr lang="zh-CN" altLang="en-US" smtClean="0"/>
-              <a:t>2016/4/18</a:t>
+              <a:t>2016/4/19</a:t>
             </a:fld>
             <a:endParaRPr lang="zh-CN" altLang="en-US"/>
           </a:p>
@@ -1796,7 +2357,7 @@
           <a:p>
             <a:fld id="{FE69E5B9-0512-457E-BE34-BA3076973628}" type="datetimeFigureOut">
               <a:rPr lang="zh-CN" altLang="en-US" smtClean="0"/>
-              <a:t>2016/4/18</a:t>
+              <a:t>2016/4/19</a:t>
             </a:fld>
             <a:endParaRPr lang="zh-CN" altLang="en-US"/>
           </a:p>
@@ -1914,7 +2475,7 @@
           <a:p>
             <a:fld id="{FE69E5B9-0512-457E-BE34-BA3076973628}" type="datetimeFigureOut">
               <a:rPr lang="zh-CN" altLang="en-US" smtClean="0"/>
-              <a:t>2016/4/18</a:t>
+              <a:t>2016/4/19</a:t>
             </a:fld>
             <a:endParaRPr lang="zh-CN" altLang="en-US"/>
           </a:p>
@@ -2009,7 +2570,7 @@
           <a:p>
             <a:fld id="{FE69E5B9-0512-457E-BE34-BA3076973628}" type="datetimeFigureOut">
               <a:rPr lang="zh-CN" altLang="en-US" smtClean="0"/>
-              <a:t>2016/4/18</a:t>
+              <a:t>2016/4/19</a:t>
             </a:fld>
             <a:endParaRPr lang="zh-CN" altLang="en-US"/>
           </a:p>
@@ -2286,7 +2847,7 @@
           <a:p>
             <a:fld id="{FE69E5B9-0512-457E-BE34-BA3076973628}" type="datetimeFigureOut">
               <a:rPr lang="zh-CN" altLang="en-US" smtClean="0"/>
-              <a:t>2016/4/18</a:t>
+              <a:t>2016/4/19</a:t>
             </a:fld>
             <a:endParaRPr lang="zh-CN" altLang="en-US"/>
           </a:p>
@@ -2539,7 +3100,7 @@
           <a:p>
             <a:fld id="{FE69E5B9-0512-457E-BE34-BA3076973628}" type="datetimeFigureOut">
               <a:rPr lang="zh-CN" altLang="en-US" smtClean="0"/>
-              <a:t>2016/4/18</a:t>
+              <a:t>2016/4/19</a:t>
             </a:fld>
             <a:endParaRPr lang="zh-CN" altLang="en-US"/>
           </a:p>
@@ -2752,7 +3313,7 @@
           <a:p>
             <a:fld id="{FE69E5B9-0512-457E-BE34-BA3076973628}" type="datetimeFigureOut">
               <a:rPr lang="zh-CN" altLang="en-US" smtClean="0"/>
-              <a:t>2016/4/18</a:t>
+              <a:t>2016/4/19</a:t>
             </a:fld>
             <a:endParaRPr lang="zh-CN" altLang="en-US"/>
           </a:p>
@@ -3383,6 +3944,13 @@
   <p:clrMapOvr>
     <a:masterClrMapping/>
   </p:clrMapOvr>
+  <p:timing>
+    <p:tnLst>
+      <p:par>
+        <p:cTn id="1" dur="indefinite" restart="never" nodeType="tmRoot"/>
+      </p:par>
+    </p:tnLst>
+  </p:timing>
 </p:sld>
 </file>
 
@@ -3650,6 +4218,13 @@
   <p:clrMapOvr>
     <a:masterClrMapping/>
   </p:clrMapOvr>
+  <p:timing>
+    <p:tnLst>
+      <p:par>
+        <p:cTn id="1" dur="indefinite" restart="never" nodeType="tmRoot"/>
+      </p:par>
+    </p:tnLst>
+  </p:timing>
 </p:sld>
 </file>
 
@@ -3837,6 +4412,13 @@
   <p:clrMapOvr>
     <a:masterClrMapping/>
   </p:clrMapOvr>
+  <p:timing>
+    <p:tnLst>
+      <p:par>
+        <p:cTn id="1" dur="indefinite" restart="never" nodeType="tmRoot"/>
+      </p:par>
+    </p:tnLst>
+  </p:timing>
 </p:sld>
 </file>
 
@@ -3912,36 +4494,53 @@
           </a:p>
           <a:p>
             <a:r>
+              <a:rPr lang="zh-CN" altLang="en-US" dirty="0" smtClean="0"/>
+              <a:t>大体</a:t>
+            </a:r>
+            <a:r>
               <a:rPr lang="zh-CN" altLang="en-US" dirty="0"/>
-              <a:t>大体</a:t>
+              <a:t>流程</a:t>
             </a:r>
             <a:r>
               <a:rPr lang="zh-CN" altLang="en-US" dirty="0" smtClean="0"/>
-              <a:t>框架如下图：</a:t>
+              <a:t>如下</a:t>
+            </a:r>
+            <a:r>
+              <a:rPr lang="zh-CN" altLang="en-US" dirty="0" smtClean="0"/>
+              <a:t>图</a:t>
+            </a:r>
+            <a:r>
+              <a:rPr lang="zh-CN" altLang="en-US" dirty="0" smtClean="0"/>
+              <a:t>：</a:t>
             </a:r>
             <a:endParaRPr lang="en-US" altLang="zh-CN" dirty="0" smtClean="0"/>
           </a:p>
           <a:p>
+            <a:endParaRPr lang="en-US" altLang="zh-CN" dirty="0"/>
+          </a:p>
+          <a:p>
             <a:endParaRPr lang="en-US" altLang="zh-CN" dirty="0" smtClean="0"/>
           </a:p>
           <a:p>
+            <a:endParaRPr lang="en-US" altLang="zh-CN" dirty="0" smtClean="0"/>
+          </a:p>
+          <a:p>
+            <a:endParaRPr lang="en-US" altLang="zh-CN" dirty="0" smtClean="0"/>
+          </a:p>
+          <a:p>
+            <a:endParaRPr lang="en-US" altLang="zh-CN" dirty="0" smtClean="0"/>
+          </a:p>
+          <a:p>
             <a:endParaRPr lang="en-US" altLang="zh-CN" dirty="0"/>
           </a:p>
           <a:p>
             <a:endParaRPr lang="en-US" altLang="zh-CN" dirty="0" smtClean="0"/>
-          </a:p>
-          <a:p>
-            <a:r>
-              <a:rPr lang="en-US" altLang="zh-CN" dirty="0" smtClean="0"/>
-              <a:t> </a:t>
-            </a:r>
-            <a:endParaRPr lang="en-US" altLang="zh-CN" dirty="0"/>
           </a:p>
         </p:txBody>
       </p:sp>
       <p:pic>
         <p:nvPicPr>
-          <p:cNvPr id="5122" name="Picture 2"/>
+          <p:cNvPr id="1027" name="Picture 3"/>
           <p:cNvPicPr>
             <a:picLocks noChangeAspect="1" noChangeArrowheads="1"/>
           </p:cNvPicPr>
@@ -3962,8 +4561,8 @@
         </p:blipFill>
         <p:spPr bwMode="auto">
           <a:xfrm>
-            <a:off x="899592" y="2924944"/>
-            <a:ext cx="5286375" cy="1685925"/>
+            <a:off x="1115616" y="4221088"/>
+            <a:ext cx="6686550" cy="561975"/>
           </a:xfrm>
           <a:prstGeom prst="rect">
             <a:avLst/>
@@ -4013,6 +4612,13 @@
   <p:clrMapOvr>
     <a:masterClrMapping/>
   </p:clrMapOvr>
+  <p:timing>
+    <p:tnLst>
+      <p:par>
+        <p:cTn id="1" dur="indefinite" restart="never" nodeType="tmRoot"/>
+      </p:par>
+    </p:tnLst>
+  </p:timing>
 </p:sld>
 </file>
 
@@ -4467,10 +5073,369 @@
   <p:clrMapOvr>
     <a:masterClrMapping/>
   </p:clrMapOvr>
+  <p:timing>
+    <p:tnLst>
+      <p:par>
+        <p:cTn id="1" dur="indefinite" restart="never" nodeType="tmRoot"/>
+      </p:par>
+    </p:tnLst>
+  </p:timing>
 </p:sld>
 </file>
 
 <file path=ppt/slides/slide15.xml><?xml version="1.0" encoding="utf-8"?>
+<p:sld xmlns:a="http://schemas.openxmlformats.org/drawingml/2006/main" xmlns:r="http://schemas.openxmlformats.org/officeDocument/2006/relationships" xmlns:p="http://schemas.openxmlformats.org/presentationml/2006/main">
+  <p:cSld>
+    <p:spTree>
+      <p:nvGrpSpPr>
+        <p:cNvPr id="1" name=""/>
+        <p:cNvGrpSpPr/>
+        <p:nvPr/>
+      </p:nvGrpSpPr>
+      <p:grpSpPr>
+        <a:xfrm>
+          <a:off x="0" y="0"/>
+          <a:ext cx="0" cy="0"/>
+          <a:chOff x="0" y="0"/>
+          <a:chExt cx="0" cy="0"/>
+        </a:xfrm>
+      </p:grpSpPr>
+      <p:sp>
+        <p:nvSpPr>
+          <p:cNvPr id="2" name="标题 1"/>
+          <p:cNvSpPr>
+            <a:spLocks noGrp="1"/>
+          </p:cNvSpPr>
+          <p:nvPr>
+            <p:ph type="title"/>
+          </p:nvPr>
+        </p:nvSpPr>
+        <p:spPr/>
+        <p:txBody>
+          <a:bodyPr>
+            <a:normAutofit/>
+          </a:bodyPr>
+          <a:lstStyle/>
+          <a:p>
+            <a:pPr lvl="0"/>
+            <a:r>
+              <a:rPr lang="en-US" altLang="zh-CN" dirty="0" err="1" smtClean="0"/>
+              <a:t>LevelDB</a:t>
+            </a:r>
+            <a:r>
+              <a:rPr lang="zh-CN" altLang="en-US" dirty="0" smtClean="0"/>
+              <a:t>写入流程</a:t>
+            </a:r>
+            <a:endParaRPr lang="zh-CN" altLang="zh-CN" dirty="0"/>
+          </a:p>
+        </p:txBody>
+      </p:sp>
+      <p:sp>
+        <p:nvSpPr>
+          <p:cNvPr id="3" name="内容占位符 2"/>
+          <p:cNvSpPr>
+            <a:spLocks noGrp="1"/>
+          </p:cNvSpPr>
+          <p:nvPr>
+            <p:ph idx="1"/>
+          </p:nvPr>
+        </p:nvSpPr>
+        <p:spPr/>
+        <p:txBody>
+          <a:bodyPr>
+            <a:normAutofit/>
+          </a:bodyPr>
+          <a:lstStyle/>
+          <a:p>
+            <a:pPr marL="342900" lvl="1" indent="-342900">
+              <a:buFont typeface="Arial" pitchFamily="34" charset="0"/>
+              <a:buChar char="•"/>
+            </a:pPr>
+            <a:r>
+              <a:rPr lang="zh-CN" altLang="en-US" dirty="0" smtClean="0"/>
+              <a:t>数据库写入分如下几个步骤：</a:t>
+            </a:r>
+            <a:endParaRPr lang="en-US" altLang="zh-CN" dirty="0" smtClean="0"/>
+          </a:p>
+          <a:p>
+            <a:pPr marL="742950" lvl="2" indent="-342900"/>
+            <a:r>
+              <a:rPr lang="zh-CN" altLang="en-US" dirty="0" smtClean="0"/>
+              <a:t>写入</a:t>
+            </a:r>
+            <a:r>
+              <a:rPr lang="en-US" altLang="zh-CN" dirty="0" err="1" smtClean="0"/>
+              <a:t>writebatch</a:t>
+            </a:r>
+            <a:endParaRPr lang="en-US" altLang="zh-CN" dirty="0" smtClean="0"/>
+          </a:p>
+          <a:p>
+            <a:pPr marL="742950" lvl="2" indent="-342900"/>
+            <a:r>
+              <a:rPr lang="zh-CN" altLang="en-US" dirty="0" smtClean="0"/>
+              <a:t>写入</a:t>
+            </a:r>
+            <a:r>
+              <a:rPr lang="en-US" altLang="zh-CN" dirty="0" smtClean="0"/>
+              <a:t>log</a:t>
+            </a:r>
+          </a:p>
+          <a:p>
+            <a:pPr marL="742950" lvl="2" indent="-342900"/>
+            <a:r>
+              <a:rPr lang="zh-CN" altLang="en-US" dirty="0" smtClean="0"/>
+              <a:t>写入</a:t>
+            </a:r>
+            <a:r>
+              <a:rPr lang="en-US" altLang="zh-CN" dirty="0" err="1" smtClean="0"/>
+              <a:t>memtable</a:t>
+            </a:r>
+            <a:endParaRPr lang="en-US" altLang="zh-CN" dirty="0" smtClean="0"/>
+          </a:p>
+          <a:p>
+            <a:pPr marL="742950" lvl="2" indent="-342900"/>
+            <a:r>
+              <a:rPr lang="zh-CN" altLang="en-US" dirty="0" smtClean="0"/>
+              <a:t>将</a:t>
+            </a:r>
+            <a:r>
+              <a:rPr lang="en-US" altLang="zh-CN" dirty="0" err="1" smtClean="0"/>
+              <a:t>memtable</a:t>
+            </a:r>
+            <a:r>
+              <a:rPr lang="zh-CN" altLang="en-US" dirty="0" smtClean="0"/>
+              <a:t>转换为</a:t>
+            </a:r>
+            <a:r>
+              <a:rPr lang="en-US" altLang="zh-CN" dirty="0" err="1" smtClean="0"/>
+              <a:t>immemtable</a:t>
+            </a:r>
+            <a:endParaRPr lang="en-US" altLang="zh-CN" dirty="0" smtClean="0"/>
+          </a:p>
+          <a:p>
+            <a:pPr marL="742950" lvl="2" indent="-342900"/>
+            <a:r>
+              <a:rPr lang="zh-CN" altLang="en-US" dirty="0" smtClean="0"/>
+              <a:t>将</a:t>
+            </a:r>
+            <a:r>
+              <a:rPr lang="en-US" altLang="zh-CN" dirty="0" err="1" smtClean="0"/>
+              <a:t>immemtable</a:t>
+            </a:r>
+            <a:r>
+              <a:rPr lang="zh-CN" altLang="en-US" dirty="0" smtClean="0"/>
+              <a:t>写入</a:t>
+            </a:r>
+            <a:r>
+              <a:rPr lang="en-US" altLang="zh-CN" dirty="0" smtClean="0"/>
+              <a:t>L0</a:t>
+            </a:r>
+          </a:p>
+          <a:p>
+            <a:pPr marL="742950" lvl="2" indent="-342900"/>
+            <a:r>
+              <a:rPr lang="zh-CN" altLang="en-US" dirty="0" smtClean="0"/>
+              <a:t>然后合并</a:t>
+            </a:r>
+            <a:r>
+              <a:rPr lang="en-US" altLang="zh-CN" dirty="0" smtClean="0"/>
+              <a:t>L0</a:t>
+            </a:r>
+            <a:r>
+              <a:rPr lang="zh-CN" altLang="en-US" dirty="0" smtClean="0"/>
+              <a:t>或者后续的。</a:t>
+            </a:r>
+            <a:endParaRPr lang="zh-CN" altLang="zh-CN" dirty="0" smtClean="0"/>
+          </a:p>
+        </p:txBody>
+      </p:sp>
+      <p:sp>
+        <p:nvSpPr>
+          <p:cNvPr id="5" name="内容占位符 2"/>
+          <p:cNvSpPr txBox="1">
+            <a:spLocks/>
+          </p:cNvSpPr>
+          <p:nvPr/>
+        </p:nvSpPr>
+        <p:spPr>
+          <a:xfrm>
+            <a:off x="609600" y="1752600"/>
+            <a:ext cx="8229600" cy="4525963"/>
+          </a:xfrm>
+          <a:prstGeom prst="rect">
+            <a:avLst/>
+          </a:prstGeom>
+        </p:spPr>
+        <p:txBody>
+          <a:bodyPr vert="horz" lIns="91440" tIns="45720" rIns="91440" bIns="45720" rtlCol="0">
+            <a:normAutofit/>
+          </a:bodyPr>
+          <a:lstStyle>
+            <a:lvl1pPr marL="342900" indent="-342900" algn="l" defTabSz="914400" rtl="0" eaLnBrk="1" latinLnBrk="0" hangingPunct="1">
+              <a:spcBef>
+                <a:spcPct val="20000"/>
+              </a:spcBef>
+              <a:buFont typeface="Arial" pitchFamily="34" charset="0"/>
+              <a:buChar char="•"/>
+              <a:defRPr sz="3200" kern="1200">
+                <a:solidFill>
+                  <a:schemeClr val="tx1"/>
+                </a:solidFill>
+                <a:latin typeface="+mn-lt"/>
+                <a:ea typeface="+mn-ea"/>
+                <a:cs typeface="+mn-cs"/>
+              </a:defRPr>
+            </a:lvl1pPr>
+            <a:lvl2pPr marL="742950" indent="-285750" algn="l" defTabSz="914400" rtl="0" eaLnBrk="1" latinLnBrk="0" hangingPunct="1">
+              <a:spcBef>
+                <a:spcPct val="20000"/>
+              </a:spcBef>
+              <a:buFont typeface="Arial" pitchFamily="34" charset="0"/>
+              <a:buChar char="–"/>
+              <a:defRPr sz="2800" kern="1200">
+                <a:solidFill>
+                  <a:schemeClr val="tx1"/>
+                </a:solidFill>
+                <a:latin typeface="+mn-lt"/>
+                <a:ea typeface="+mn-ea"/>
+                <a:cs typeface="+mn-cs"/>
+              </a:defRPr>
+            </a:lvl2pPr>
+            <a:lvl3pPr marL="1143000" indent="-228600" algn="l" defTabSz="914400" rtl="0" eaLnBrk="1" latinLnBrk="0" hangingPunct="1">
+              <a:spcBef>
+                <a:spcPct val="20000"/>
+              </a:spcBef>
+              <a:buFont typeface="Arial" pitchFamily="34" charset="0"/>
+              <a:buChar char="•"/>
+              <a:defRPr sz="2400" kern="1200">
+                <a:solidFill>
+                  <a:schemeClr val="tx1"/>
+                </a:solidFill>
+                <a:latin typeface="+mn-lt"/>
+                <a:ea typeface="+mn-ea"/>
+                <a:cs typeface="+mn-cs"/>
+              </a:defRPr>
+            </a:lvl3pPr>
+            <a:lvl4pPr marL="1600200" indent="-228600" algn="l" defTabSz="914400" rtl="0" eaLnBrk="1" latinLnBrk="0" hangingPunct="1">
+              <a:spcBef>
+                <a:spcPct val="20000"/>
+              </a:spcBef>
+              <a:buFont typeface="Arial" pitchFamily="34" charset="0"/>
+              <a:buChar char="–"/>
+              <a:defRPr sz="2000" kern="1200">
+                <a:solidFill>
+                  <a:schemeClr val="tx1"/>
+                </a:solidFill>
+                <a:latin typeface="+mn-lt"/>
+                <a:ea typeface="+mn-ea"/>
+                <a:cs typeface="+mn-cs"/>
+              </a:defRPr>
+            </a:lvl4pPr>
+            <a:lvl5pPr marL="2057400" indent="-228600" algn="l" defTabSz="914400" rtl="0" eaLnBrk="1" latinLnBrk="0" hangingPunct="1">
+              <a:spcBef>
+                <a:spcPct val="20000"/>
+              </a:spcBef>
+              <a:buFont typeface="Arial" pitchFamily="34" charset="0"/>
+              <a:buChar char="»"/>
+              <a:defRPr sz="2000" kern="1200">
+                <a:solidFill>
+                  <a:schemeClr val="tx1"/>
+                </a:solidFill>
+                <a:latin typeface="+mn-lt"/>
+                <a:ea typeface="+mn-ea"/>
+                <a:cs typeface="+mn-cs"/>
+              </a:defRPr>
+            </a:lvl5pPr>
+            <a:lvl6pPr marL="2514600" indent="-228600" algn="l" defTabSz="914400" rtl="0" eaLnBrk="1" latinLnBrk="0" hangingPunct="1">
+              <a:spcBef>
+                <a:spcPct val="20000"/>
+              </a:spcBef>
+              <a:buFont typeface="Arial" pitchFamily="34" charset="0"/>
+              <a:buChar char="•"/>
+              <a:defRPr sz="2000" kern="1200">
+                <a:solidFill>
+                  <a:schemeClr val="tx1"/>
+                </a:solidFill>
+                <a:latin typeface="+mn-lt"/>
+                <a:ea typeface="+mn-ea"/>
+                <a:cs typeface="+mn-cs"/>
+              </a:defRPr>
+            </a:lvl6pPr>
+            <a:lvl7pPr marL="2971800" indent="-228600" algn="l" defTabSz="914400" rtl="0" eaLnBrk="1" latinLnBrk="0" hangingPunct="1">
+              <a:spcBef>
+                <a:spcPct val="20000"/>
+              </a:spcBef>
+              <a:buFont typeface="Arial" pitchFamily="34" charset="0"/>
+              <a:buChar char="•"/>
+              <a:defRPr sz="2000" kern="1200">
+                <a:solidFill>
+                  <a:schemeClr val="tx1"/>
+                </a:solidFill>
+                <a:latin typeface="+mn-lt"/>
+                <a:ea typeface="+mn-ea"/>
+                <a:cs typeface="+mn-cs"/>
+              </a:defRPr>
+            </a:lvl7pPr>
+            <a:lvl8pPr marL="3429000" indent="-228600" algn="l" defTabSz="914400" rtl="0" eaLnBrk="1" latinLnBrk="0" hangingPunct="1">
+              <a:spcBef>
+                <a:spcPct val="20000"/>
+              </a:spcBef>
+              <a:buFont typeface="Arial" pitchFamily="34" charset="0"/>
+              <a:buChar char="•"/>
+              <a:defRPr sz="2000" kern="1200">
+                <a:solidFill>
+                  <a:schemeClr val="tx1"/>
+                </a:solidFill>
+                <a:latin typeface="+mn-lt"/>
+                <a:ea typeface="+mn-ea"/>
+                <a:cs typeface="+mn-cs"/>
+              </a:defRPr>
+            </a:lvl8pPr>
+            <a:lvl9pPr marL="3886200" indent="-228600" algn="l" defTabSz="914400" rtl="0" eaLnBrk="1" latinLnBrk="0" hangingPunct="1">
+              <a:spcBef>
+                <a:spcPct val="20000"/>
+              </a:spcBef>
+              <a:buFont typeface="Arial" pitchFamily="34" charset="0"/>
+              <a:buChar char="•"/>
+              <a:defRPr sz="2000" kern="1200">
+                <a:solidFill>
+                  <a:schemeClr val="tx1"/>
+                </a:solidFill>
+                <a:latin typeface="+mn-lt"/>
+                <a:ea typeface="+mn-ea"/>
+                <a:cs typeface="+mn-cs"/>
+              </a:defRPr>
+            </a:lvl9pPr>
+          </a:lstStyle>
+          <a:p>
+            <a:endParaRPr lang="zh-CN" altLang="zh-CN" dirty="0" smtClean="0"/>
+          </a:p>
+          <a:p>
+            <a:endParaRPr lang="en-US" altLang="zh-CN" dirty="0" smtClean="0"/>
+          </a:p>
+        </p:txBody>
+      </p:sp>
+    </p:spTree>
+    <p:extLst>
+      <p:ext uri="{BB962C8B-B14F-4D97-AF65-F5344CB8AC3E}">
+        <p14:creationId xmlns:p14="http://schemas.microsoft.com/office/powerpoint/2010/main" val="2507675134"/>
+      </p:ext>
+    </p:extLst>
+  </p:cSld>
+  <p:clrMapOvr>
+    <a:masterClrMapping/>
+  </p:clrMapOvr>
+  <p:timing>
+    <p:tnLst>
+      <p:par>
+        <p:cTn id="1" dur="indefinite" restart="never" nodeType="tmRoot"/>
+      </p:par>
+    </p:tnLst>
+  </p:timing>
+</p:sld>
+</file>
+
+<file path=ppt/slides/slide16.xml><?xml version="1.0" encoding="utf-8"?>
 <p:sld xmlns:a="http://schemas.openxmlformats.org/drawingml/2006/main" xmlns:r="http://schemas.openxmlformats.org/officeDocument/2006/relationships" xmlns:p="http://schemas.openxmlformats.org/presentationml/2006/main">
   <p:cSld>
     <p:spTree>
@@ -4747,351 +5712,13 @@
   <p:clrMapOvr>
     <a:masterClrMapping/>
   </p:clrMapOvr>
-</p:sld>
-</file>
-
-<file path=ppt/slides/slide16.xml><?xml version="1.0" encoding="utf-8"?>
-<p:sld xmlns:a="http://schemas.openxmlformats.org/drawingml/2006/main" xmlns:r="http://schemas.openxmlformats.org/officeDocument/2006/relationships" xmlns:p="http://schemas.openxmlformats.org/presentationml/2006/main">
-  <p:cSld>
-    <p:spTree>
-      <p:nvGrpSpPr>
-        <p:cNvPr id="1" name=""/>
-        <p:cNvGrpSpPr/>
-        <p:nvPr/>
-      </p:nvGrpSpPr>
-      <p:grpSpPr>
-        <a:xfrm>
-          <a:off x="0" y="0"/>
-          <a:ext cx="0" cy="0"/>
-          <a:chOff x="0" y="0"/>
-          <a:chExt cx="0" cy="0"/>
-        </a:xfrm>
-      </p:grpSpPr>
-      <p:sp>
-        <p:nvSpPr>
-          <p:cNvPr id="2" name="标题 1"/>
-          <p:cNvSpPr>
-            <a:spLocks noGrp="1"/>
-          </p:cNvSpPr>
-          <p:nvPr>
-            <p:ph type="title"/>
-          </p:nvPr>
-        </p:nvSpPr>
-        <p:spPr/>
-        <p:txBody>
-          <a:bodyPr>
-            <a:normAutofit/>
-          </a:bodyPr>
-          <a:lstStyle/>
-          <a:p>
-            <a:pPr lvl="0"/>
-            <a:r>
-              <a:rPr lang="en-US" altLang="zh-CN" dirty="0" err="1" smtClean="0"/>
-              <a:t>LevelDB</a:t>
-            </a:r>
-            <a:r>
-              <a:rPr lang="zh-CN" altLang="en-US" dirty="0" smtClean="0"/>
-              <a:t>写入流程</a:t>
-            </a:r>
-            <a:endParaRPr lang="zh-CN" altLang="zh-CN" dirty="0"/>
-          </a:p>
-        </p:txBody>
-      </p:sp>
-      <p:sp>
-        <p:nvSpPr>
-          <p:cNvPr id="3" name="内容占位符 2"/>
-          <p:cNvSpPr>
-            <a:spLocks noGrp="1"/>
-          </p:cNvSpPr>
-          <p:nvPr>
-            <p:ph idx="1"/>
-          </p:nvPr>
-        </p:nvSpPr>
-        <p:spPr/>
-        <p:txBody>
-          <a:bodyPr>
-            <a:normAutofit/>
-          </a:bodyPr>
-          <a:lstStyle/>
-          <a:p>
-            <a:pPr marL="342900" lvl="1" indent="-342900">
-              <a:buFont typeface="Arial" pitchFamily="34" charset="0"/>
-              <a:buChar char="•"/>
-            </a:pPr>
-            <a:r>
-              <a:rPr lang="zh-CN" altLang="en-US" dirty="0" smtClean="0"/>
-              <a:t>数据库写入分如下几个步骤：</a:t>
-            </a:r>
-            <a:endParaRPr lang="en-US" altLang="zh-CN" dirty="0" smtClean="0"/>
-          </a:p>
-          <a:p>
-            <a:pPr marL="742950" lvl="2" indent="-342900"/>
-            <a:r>
-              <a:rPr lang="zh-CN" altLang="en-US" dirty="0" smtClean="0"/>
-              <a:t>写入</a:t>
-            </a:r>
-            <a:r>
-              <a:rPr lang="en-US" altLang="zh-CN" dirty="0" err="1" smtClean="0"/>
-              <a:t>writebatch</a:t>
-            </a:r>
-            <a:endParaRPr lang="en-US" altLang="zh-CN" dirty="0" smtClean="0"/>
-          </a:p>
-          <a:p>
-            <a:pPr marL="742950" lvl="2" indent="-342900"/>
-            <a:r>
-              <a:rPr lang="zh-CN" altLang="en-US" dirty="0" smtClean="0"/>
-              <a:t>写入</a:t>
-            </a:r>
-            <a:r>
-              <a:rPr lang="en-US" altLang="zh-CN" dirty="0" smtClean="0"/>
-              <a:t>log</a:t>
-            </a:r>
-          </a:p>
-          <a:p>
-            <a:pPr marL="742950" lvl="2" indent="-342900"/>
-            <a:r>
-              <a:rPr lang="zh-CN" altLang="en-US" dirty="0" smtClean="0"/>
-              <a:t>写入</a:t>
-            </a:r>
-            <a:r>
-              <a:rPr lang="en-US" altLang="zh-CN" dirty="0" err="1" smtClean="0"/>
-              <a:t>memtable</a:t>
-            </a:r>
-            <a:endParaRPr lang="en-US" altLang="zh-CN" dirty="0" smtClean="0"/>
-          </a:p>
-          <a:p>
-            <a:pPr marL="742950" lvl="2" indent="-342900"/>
-            <a:r>
-              <a:rPr lang="zh-CN" altLang="en-US" dirty="0" smtClean="0"/>
-              <a:t>将</a:t>
-            </a:r>
-            <a:r>
-              <a:rPr lang="en-US" altLang="zh-CN" dirty="0" err="1" smtClean="0"/>
-              <a:t>memtable</a:t>
-            </a:r>
-            <a:r>
-              <a:rPr lang="zh-CN" altLang="en-US" dirty="0" smtClean="0"/>
-              <a:t>转换为</a:t>
-            </a:r>
-            <a:r>
-              <a:rPr lang="en-US" altLang="zh-CN" dirty="0" err="1" smtClean="0"/>
-              <a:t>immemtable</a:t>
-            </a:r>
-            <a:endParaRPr lang="en-US" altLang="zh-CN" dirty="0" smtClean="0"/>
-          </a:p>
-          <a:p>
-            <a:pPr marL="742950" lvl="2" indent="-342900"/>
-            <a:r>
-              <a:rPr lang="zh-CN" altLang="en-US" dirty="0" smtClean="0"/>
-              <a:t>将</a:t>
-            </a:r>
-            <a:r>
-              <a:rPr lang="en-US" altLang="zh-CN" dirty="0" err="1" smtClean="0"/>
-              <a:t>immemtable</a:t>
-            </a:r>
-            <a:r>
-              <a:rPr lang="zh-CN" altLang="en-US" dirty="0" smtClean="0"/>
-              <a:t>写入</a:t>
-            </a:r>
-            <a:r>
-              <a:rPr lang="en-US" altLang="zh-CN" dirty="0" smtClean="0"/>
-              <a:t>L0</a:t>
-            </a:r>
-          </a:p>
-          <a:p>
-            <a:pPr marL="742950" lvl="2" indent="-342900"/>
-            <a:r>
-              <a:rPr lang="zh-CN" altLang="en-US" dirty="0" smtClean="0"/>
-              <a:t>然后合并</a:t>
-            </a:r>
-            <a:r>
-              <a:rPr lang="en-US" altLang="zh-CN" dirty="0" smtClean="0"/>
-              <a:t>L0</a:t>
-            </a:r>
-            <a:r>
-              <a:rPr lang="zh-CN" altLang="en-US" dirty="0" smtClean="0"/>
-              <a:t>或者后续的。</a:t>
-            </a:r>
-            <a:endParaRPr lang="zh-CN" altLang="zh-CN" dirty="0" smtClean="0"/>
-          </a:p>
-        </p:txBody>
-      </p:sp>
-      <p:sp>
-        <p:nvSpPr>
-          <p:cNvPr id="5" name="内容占位符 2"/>
-          <p:cNvSpPr txBox="1">
-            <a:spLocks/>
-          </p:cNvSpPr>
-          <p:nvPr/>
-        </p:nvSpPr>
-        <p:spPr>
-          <a:xfrm>
-            <a:off x="609600" y="1752600"/>
-            <a:ext cx="8229600" cy="4525963"/>
-          </a:xfrm>
-          <a:prstGeom prst="rect">
-            <a:avLst/>
-          </a:prstGeom>
-        </p:spPr>
-        <p:txBody>
-          <a:bodyPr vert="horz" lIns="91440" tIns="45720" rIns="91440" bIns="45720" rtlCol="0">
-            <a:normAutofit/>
-          </a:bodyPr>
-          <a:lstStyle>
-            <a:lvl1pPr marL="342900" indent="-342900" algn="l" defTabSz="914400" rtl="0" eaLnBrk="1" latinLnBrk="0" hangingPunct="1">
-              <a:spcBef>
-                <a:spcPct val="20000"/>
-              </a:spcBef>
-              <a:buFont typeface="Arial" pitchFamily="34" charset="0"/>
-              <a:buChar char="•"/>
-              <a:defRPr sz="3200" kern="1200">
-                <a:solidFill>
-                  <a:schemeClr val="tx1"/>
-                </a:solidFill>
-                <a:latin typeface="+mn-lt"/>
-                <a:ea typeface="+mn-ea"/>
-                <a:cs typeface="+mn-cs"/>
-              </a:defRPr>
-            </a:lvl1pPr>
-            <a:lvl2pPr marL="742950" indent="-285750" algn="l" defTabSz="914400" rtl="0" eaLnBrk="1" latinLnBrk="0" hangingPunct="1">
-              <a:spcBef>
-                <a:spcPct val="20000"/>
-              </a:spcBef>
-              <a:buFont typeface="Arial" pitchFamily="34" charset="0"/>
-              <a:buChar char="–"/>
-              <a:defRPr sz="2800" kern="1200">
-                <a:solidFill>
-                  <a:schemeClr val="tx1"/>
-                </a:solidFill>
-                <a:latin typeface="+mn-lt"/>
-                <a:ea typeface="+mn-ea"/>
-                <a:cs typeface="+mn-cs"/>
-              </a:defRPr>
-            </a:lvl2pPr>
-            <a:lvl3pPr marL="1143000" indent="-228600" algn="l" defTabSz="914400" rtl="0" eaLnBrk="1" latinLnBrk="0" hangingPunct="1">
-              <a:spcBef>
-                <a:spcPct val="20000"/>
-              </a:spcBef>
-              <a:buFont typeface="Arial" pitchFamily="34" charset="0"/>
-              <a:buChar char="•"/>
-              <a:defRPr sz="2400" kern="1200">
-                <a:solidFill>
-                  <a:schemeClr val="tx1"/>
-                </a:solidFill>
-                <a:latin typeface="+mn-lt"/>
-                <a:ea typeface="+mn-ea"/>
-                <a:cs typeface="+mn-cs"/>
-              </a:defRPr>
-            </a:lvl3pPr>
-            <a:lvl4pPr marL="1600200" indent="-228600" algn="l" defTabSz="914400" rtl="0" eaLnBrk="1" latinLnBrk="0" hangingPunct="1">
-              <a:spcBef>
-                <a:spcPct val="20000"/>
-              </a:spcBef>
-              <a:buFont typeface="Arial" pitchFamily="34" charset="0"/>
-              <a:buChar char="–"/>
-              <a:defRPr sz="2000" kern="1200">
-                <a:solidFill>
-                  <a:schemeClr val="tx1"/>
-                </a:solidFill>
-                <a:latin typeface="+mn-lt"/>
-                <a:ea typeface="+mn-ea"/>
-                <a:cs typeface="+mn-cs"/>
-              </a:defRPr>
-            </a:lvl4pPr>
-            <a:lvl5pPr marL="2057400" indent="-228600" algn="l" defTabSz="914400" rtl="0" eaLnBrk="1" latinLnBrk="0" hangingPunct="1">
-              <a:spcBef>
-                <a:spcPct val="20000"/>
-              </a:spcBef>
-              <a:buFont typeface="Arial" pitchFamily="34" charset="0"/>
-              <a:buChar char="»"/>
-              <a:defRPr sz="2000" kern="1200">
-                <a:solidFill>
-                  <a:schemeClr val="tx1"/>
-                </a:solidFill>
-                <a:latin typeface="+mn-lt"/>
-                <a:ea typeface="+mn-ea"/>
-                <a:cs typeface="+mn-cs"/>
-              </a:defRPr>
-            </a:lvl5pPr>
-            <a:lvl6pPr marL="2514600" indent="-228600" algn="l" defTabSz="914400" rtl="0" eaLnBrk="1" latinLnBrk="0" hangingPunct="1">
-              <a:spcBef>
-                <a:spcPct val="20000"/>
-              </a:spcBef>
-              <a:buFont typeface="Arial" pitchFamily="34" charset="0"/>
-              <a:buChar char="•"/>
-              <a:defRPr sz="2000" kern="1200">
-                <a:solidFill>
-                  <a:schemeClr val="tx1"/>
-                </a:solidFill>
-                <a:latin typeface="+mn-lt"/>
-                <a:ea typeface="+mn-ea"/>
-                <a:cs typeface="+mn-cs"/>
-              </a:defRPr>
-            </a:lvl6pPr>
-            <a:lvl7pPr marL="2971800" indent="-228600" algn="l" defTabSz="914400" rtl="0" eaLnBrk="1" latinLnBrk="0" hangingPunct="1">
-              <a:spcBef>
-                <a:spcPct val="20000"/>
-              </a:spcBef>
-              <a:buFont typeface="Arial" pitchFamily="34" charset="0"/>
-              <a:buChar char="•"/>
-              <a:defRPr sz="2000" kern="1200">
-                <a:solidFill>
-                  <a:schemeClr val="tx1"/>
-                </a:solidFill>
-                <a:latin typeface="+mn-lt"/>
-                <a:ea typeface="+mn-ea"/>
-                <a:cs typeface="+mn-cs"/>
-              </a:defRPr>
-            </a:lvl7pPr>
-            <a:lvl8pPr marL="3429000" indent="-228600" algn="l" defTabSz="914400" rtl="0" eaLnBrk="1" latinLnBrk="0" hangingPunct="1">
-              <a:spcBef>
-                <a:spcPct val="20000"/>
-              </a:spcBef>
-              <a:buFont typeface="Arial" pitchFamily="34" charset="0"/>
-              <a:buChar char="•"/>
-              <a:defRPr sz="2000" kern="1200">
-                <a:solidFill>
-                  <a:schemeClr val="tx1"/>
-                </a:solidFill>
-                <a:latin typeface="+mn-lt"/>
-                <a:ea typeface="+mn-ea"/>
-                <a:cs typeface="+mn-cs"/>
-              </a:defRPr>
-            </a:lvl8pPr>
-            <a:lvl9pPr marL="3886200" indent="-228600" algn="l" defTabSz="914400" rtl="0" eaLnBrk="1" latinLnBrk="0" hangingPunct="1">
-              <a:spcBef>
-                <a:spcPct val="20000"/>
-              </a:spcBef>
-              <a:buFont typeface="Arial" pitchFamily="34" charset="0"/>
-              <a:buChar char="•"/>
-              <a:defRPr sz="2000" kern="1200">
-                <a:solidFill>
-                  <a:schemeClr val="tx1"/>
-                </a:solidFill>
-                <a:latin typeface="+mn-lt"/>
-                <a:ea typeface="+mn-ea"/>
-                <a:cs typeface="+mn-cs"/>
-              </a:defRPr>
-            </a:lvl9pPr>
-          </a:lstStyle>
-          <a:p>
-            <a:endParaRPr lang="zh-CN" altLang="zh-CN" dirty="0" smtClean="0"/>
-          </a:p>
-          <a:p>
-            <a:endParaRPr lang="en-US" altLang="zh-CN" dirty="0" smtClean="0"/>
-          </a:p>
-        </p:txBody>
-      </p:sp>
-    </p:spTree>
-    <p:extLst>
-      <p:ext uri="{BB962C8B-B14F-4D97-AF65-F5344CB8AC3E}">
-        <p14:creationId xmlns:p14="http://schemas.microsoft.com/office/powerpoint/2010/main" val="2507675134"/>
-      </p:ext>
-    </p:extLst>
-  </p:cSld>
-  <p:clrMapOvr>
-    <a:masterClrMapping/>
-  </p:clrMapOvr>
+  <p:timing>
+    <p:tnLst>
+      <p:par>
+        <p:cTn id="1" dur="indefinite" restart="never" nodeType="tmRoot"/>
+      </p:par>
+    </p:tnLst>
+  </p:timing>
 </p:sld>
 </file>
 
@@ -5427,6 +6054,13 @@
   <p:clrMapOvr>
     <a:masterClrMapping/>
   </p:clrMapOvr>
+  <p:timing>
+    <p:tnLst>
+      <p:par>
+        <p:cTn id="1" dur="indefinite" restart="never" nodeType="tmRoot"/>
+      </p:par>
+    </p:tnLst>
+  </p:timing>
 </p:sld>
 </file>
 
@@ -5737,6 +6371,13 @@
   <p:clrMapOvr>
     <a:masterClrMapping/>
   </p:clrMapOvr>
+  <p:timing>
+    <p:tnLst>
+      <p:par>
+        <p:cTn id="1" dur="indefinite" restart="never" nodeType="tmRoot"/>
+      </p:par>
+    </p:tnLst>
+  </p:timing>
 </p:sld>
 </file>
 
@@ -6076,6 +6717,13 @@
   <p:clrMapOvr>
     <a:masterClrMapping/>
   </p:clrMapOvr>
+  <p:timing>
+    <p:tnLst>
+      <p:par>
+        <p:cTn id="1" dur="indefinite" restart="never" nodeType="tmRoot"/>
+      </p:par>
+    </p:tnLst>
+  </p:timing>
 </p:sld>
 </file>
 
@@ -6218,11 +6866,11 @@
               <a:t> </a:t>
             </a:r>
             <a:r>
-              <a:rPr lang="zh-CN" altLang="en-US"/>
+              <a:rPr lang="zh-CN" altLang="en-US" dirty="0"/>
               <a:t>， </a:t>
             </a:r>
             <a:r>
-              <a:rPr lang="en-US" altLang="zh-CN" smtClean="0"/>
+              <a:rPr lang="en-US" altLang="zh-CN" dirty="0" err="1" smtClean="0"/>
               <a:t>levelDB</a:t>
             </a:r>
             <a:r>
@@ -6285,15 +6933,11 @@
             </a:r>
             <a:r>
               <a:rPr lang="zh-CN" altLang="en-US" dirty="0" smtClean="0"/>
-              <a:t>是单连接（激战</a:t>
-            </a:r>
-            <a:r>
-              <a:rPr lang="en-US" altLang="zh-CN" dirty="0" smtClean="0"/>
-              <a:t>2</a:t>
+              <a:t>是单</a:t>
             </a:r>
             <a:r>
               <a:rPr lang="zh-CN" altLang="en-US" dirty="0" smtClean="0"/>
-              <a:t>多连接）</a:t>
+              <a:t>连接</a:t>
             </a:r>
             <a:endParaRPr lang="en-US" altLang="zh-CN" dirty="0" smtClean="0"/>
           </a:p>
@@ -6589,6 +7233,13 @@
   <p:clrMapOvr>
     <a:masterClrMapping/>
   </p:clrMapOvr>
+  <p:timing>
+    <p:tnLst>
+      <p:par>
+        <p:cTn id="1" dur="indefinite" restart="never" nodeType="tmRoot"/>
+      </p:par>
+    </p:tnLst>
+  </p:timing>
 </p:sld>
 </file>
 
@@ -6982,6 +7633,13 @@
   <p:clrMapOvr>
     <a:masterClrMapping/>
   </p:clrMapOvr>
+  <p:timing>
+    <p:tnLst>
+      <p:par>
+        <p:cTn id="1" dur="indefinite" restart="never" nodeType="tmRoot"/>
+      </p:par>
+    </p:tnLst>
+  </p:timing>
 </p:sld>
 </file>
 
@@ -7245,6 +7903,13 @@
   <p:clrMapOvr>
     <a:masterClrMapping/>
   </p:clrMapOvr>
+  <p:timing>
+    <p:tnLst>
+      <p:par>
+        <p:cTn id="1" dur="indefinite" restart="never" nodeType="tmRoot"/>
+      </p:par>
+    </p:tnLst>
+  </p:timing>
 </p:sld>
 </file>
 
@@ -7505,7 +8170,7 @@
         </p:blipFill>
         <p:spPr bwMode="auto">
           <a:xfrm>
-            <a:off x="2087245" y="1196752"/>
+            <a:off x="2087245" y="1124744"/>
             <a:ext cx="5274310" cy="6952615"/>
           </a:xfrm>
           <a:prstGeom prst="rect">
@@ -7527,6 +8192,13 @@
   <p:clrMapOvr>
     <a:masterClrMapping/>
   </p:clrMapOvr>
+  <p:timing>
+    <p:tnLst>
+      <p:par>
+        <p:cTn id="1" dur="indefinite" restart="never" nodeType="tmRoot"/>
+      </p:par>
+    </p:tnLst>
+  </p:timing>
 </p:sld>
 </file>
 
@@ -7952,6 +8624,13 @@
   <p:clrMapOvr>
     <a:masterClrMapping/>
   </p:clrMapOvr>
+  <p:timing>
+    <p:tnLst>
+      <p:par>
+        <p:cTn id="1" dur="indefinite" restart="never" nodeType="tmRoot"/>
+      </p:par>
+    </p:tnLst>
+  </p:timing>
 </p:sld>
 </file>
 
@@ -8183,54 +8862,75 @@
           <a:p>
             <a:r>
               <a:rPr lang="en-US" altLang="zh-CN" dirty="0"/>
-              <a:t>command list: \n"</a:t>
-            </a:r>
-            <a:endParaRPr lang="zh-CN" altLang="zh-CN" dirty="0"/>
-          </a:p>
-          <a:p>
-            <a:r>
-              <a:rPr lang="en-US" altLang="zh-CN" dirty="0"/>
-              <a:t> </a:t>
-            </a:r>
-            <a:endParaRPr lang="zh-CN" altLang="zh-CN" dirty="0"/>
-          </a:p>
-          <a:p>
-            <a:r>
-              <a:rPr lang="en-US" altLang="zh-CN" dirty="0"/>
-              <a:t>				"\n"</a:t>
-            </a:r>
-            <a:endParaRPr lang="zh-CN" altLang="zh-CN" dirty="0"/>
-          </a:p>
-          <a:p>
-            <a:r>
-              <a:rPr lang="en-US" altLang="zh-CN" dirty="0"/>
-              <a:t>				"\</a:t>
-            </a:r>
-            <a:r>
-              <a:rPr lang="en-US" altLang="zh-CN" dirty="0" err="1"/>
-              <a:t>t""list</a:t>
+              <a:t>"command list: \n"</a:t>
+            </a:r>
+          </a:p>
+          <a:p>
+            <a:r>
+              <a:rPr lang="en-US" altLang="zh-CN" dirty="0"/>
+              <a:t>"</a:t>
+            </a:r>
+            <a:r>
+              <a:rPr lang="zh-CN" altLang="en-US" dirty="0"/>
+              <a:t>数据库相关操作</a:t>
+            </a:r>
+            <a:r>
+              <a:rPr lang="en-US" altLang="zh-CN" dirty="0"/>
+              <a:t>:"</a:t>
+            </a:r>
+            <a:r>
+              <a:rPr lang="zh-CN" altLang="en-US" dirty="0"/>
+              <a:t>                      </a:t>
+            </a:r>
+            <a:r>
+              <a:rPr lang="en-US" altLang="zh-CN" dirty="0"/>
+              <a:t>"\n" </a:t>
+            </a:r>
+          </a:p>
+          <a:p>
+            <a:r>
+              <a:rPr lang="en-US" altLang="zh-CN" dirty="0"/>
+              <a:t>"\t""</a:t>
+            </a:r>
+            <a:r>
+              <a:rPr lang="en-US" altLang="zh-CN" dirty="0" err="1"/>
+              <a:t>showdbs</a:t>
+            </a:r>
+            <a:r>
+              <a:rPr lang="en-US" altLang="zh-CN" dirty="0"/>
+              <a:t>"                      "\n" </a:t>
+            </a:r>
+          </a:p>
+          <a:p>
+            <a:r>
+              <a:rPr lang="en-US" altLang="zh-CN" dirty="0"/>
+              <a:t>"\t""</a:t>
+            </a:r>
+            <a:r>
+              <a:rPr lang="en-US" altLang="zh-CN" dirty="0" err="1"/>
+              <a:t>createdb</a:t>
+            </a:r>
+            <a:r>
+              <a:rPr lang="en-US" altLang="zh-CN" dirty="0"/>
+              <a:t> </a:t>
+            </a:r>
+            <a:r>
+              <a:rPr lang="en-US" altLang="zh-CN" dirty="0" err="1"/>
+              <a:t>dbname</a:t>
             </a:r>
             <a:r>
               <a:rPr lang="en-US" altLang="zh-CN" dirty="0"/>
               <a:t>"                      "\n"</a:t>
             </a:r>
-            <a:endParaRPr lang="zh-CN" altLang="zh-CN" dirty="0"/>
-          </a:p>
-          <a:p>
-            <a:r>
-              <a:rPr lang="en-US" altLang="zh-CN" dirty="0"/>
-              <a:t>               "\n"</a:t>
-            </a:r>
-            <a:endParaRPr lang="zh-CN" altLang="zh-CN" dirty="0"/>
-          </a:p>
-          <a:p>
-            <a:r>
-              <a:rPr lang="en-US" altLang="zh-CN" dirty="0"/>
-              <a:t>               "\</a:t>
-            </a:r>
-            <a:r>
-              <a:rPr lang="en-US" altLang="zh-CN" dirty="0" err="1"/>
-              <a:t>t""create</a:t>
+          </a:p>
+          <a:p>
+            <a:r>
+              <a:rPr lang="en-US" altLang="zh-CN" dirty="0"/>
+              <a:t>"\t""</a:t>
+            </a:r>
+            <a:r>
+              <a:rPr lang="en-US" altLang="zh-CN" dirty="0" err="1"/>
+              <a:t>selectdb</a:t>
             </a:r>
             <a:r>
               <a:rPr lang="en-US" altLang="zh-CN" dirty="0"/>
@@ -8244,16 +8944,15 @@
               <a:rPr lang="en-US" altLang="zh-CN" dirty="0"/>
               <a:t>"                      "\n"</a:t>
             </a:r>
-            <a:endParaRPr lang="zh-CN" altLang="zh-CN" dirty="0"/>
-          </a:p>
-          <a:p>
-            <a:r>
-              <a:rPr lang="en-US" altLang="zh-CN" dirty="0"/>
-              <a:t>               "\</a:t>
-            </a:r>
-            <a:r>
-              <a:rPr lang="en-US" altLang="zh-CN" dirty="0" err="1"/>
-              <a:t>t""select</a:t>
+          </a:p>
+          <a:p>
+            <a:r>
+              <a:rPr lang="en-US" altLang="zh-CN" dirty="0"/>
+              <a:t>"\t""</a:t>
+            </a:r>
+            <a:r>
+              <a:rPr lang="en-US" altLang="zh-CN" dirty="0" err="1"/>
+              <a:t>deletedb</a:t>
             </a:r>
             <a:r>
               <a:rPr lang="en-US" altLang="zh-CN" dirty="0"/>
@@ -8267,42 +8966,151 @@
               <a:rPr lang="en-US" altLang="zh-CN" dirty="0"/>
               <a:t>"                      "\n"</a:t>
             </a:r>
-            <a:endParaRPr lang="zh-CN" altLang="zh-CN" dirty="0"/>
-          </a:p>
-          <a:p>
-            <a:r>
-              <a:rPr lang="en-US" altLang="zh-CN" dirty="0"/>
-              <a:t>               "\</a:t>
-            </a:r>
-            <a:r>
-              <a:rPr lang="en-US" altLang="zh-CN" dirty="0" err="1"/>
-              <a:t>t""delete</a:t>
-            </a:r>
-            <a:r>
-              <a:rPr lang="en-US" altLang="zh-CN" dirty="0"/>
+          </a:p>
+          <a:p>
+            <a:r>
+              <a:rPr lang="en-US" altLang="zh-CN" dirty="0"/>
+              <a:t>"\n"</a:t>
+            </a:r>
+          </a:p>
+          <a:p>
+            <a:r>
+              <a:rPr lang="en-US" altLang="zh-CN" dirty="0"/>
+              <a:t>"</a:t>
+            </a:r>
+            <a:r>
+              <a:rPr lang="zh-CN" altLang="en-US" dirty="0"/>
+              <a:t>数据库用户相关操作</a:t>
+            </a:r>
+            <a:r>
+              <a:rPr lang="en-US" altLang="zh-CN" dirty="0"/>
+              <a:t>:"</a:t>
+            </a:r>
+            <a:r>
+              <a:rPr lang="zh-CN" altLang="en-US" dirty="0"/>
+              <a:t>                      </a:t>
+            </a:r>
+            <a:r>
+              <a:rPr lang="en-US" altLang="zh-CN" dirty="0"/>
+              <a:t>"\n"</a:t>
+            </a:r>
+            <a:r>
+              <a:rPr lang="zh-CN" altLang="en-US" dirty="0"/>
               <a:t> </a:t>
             </a:r>
-            <a:r>
-              <a:rPr lang="en-US" altLang="zh-CN" dirty="0" err="1"/>
-              <a:t>dbname</a:t>
+          </a:p>
+          <a:p>
+            <a:r>
+              <a:rPr lang="en-US" altLang="zh-CN" dirty="0"/>
+              <a:t>"\t""</a:t>
+            </a:r>
+            <a:r>
+              <a:rPr lang="en-US" altLang="zh-CN" dirty="0" err="1"/>
+              <a:t>showusers</a:t>
             </a:r>
             <a:r>
               <a:rPr lang="en-US" altLang="zh-CN" dirty="0"/>
               <a:t>"                      "\n"</a:t>
             </a:r>
-            <a:endParaRPr lang="zh-CN" altLang="zh-CN" dirty="0"/>
-          </a:p>
-          <a:p>
-            <a:r>
-              <a:rPr lang="en-US" altLang="zh-CN" dirty="0"/>
-              <a:t>               "\n"</a:t>
-            </a:r>
-            <a:endParaRPr lang="zh-CN" altLang="zh-CN" dirty="0"/>
-          </a:p>
-          <a:p>
-            <a:r>
-              <a:rPr lang="en-US" altLang="zh-CN" dirty="0"/>
-              <a:t>               "\t""</a:t>
+          </a:p>
+          <a:p>
+            <a:r>
+              <a:rPr lang="en-US" altLang="zh-CN" dirty="0"/>
+              <a:t>"\t""</a:t>
+            </a:r>
+            <a:r>
+              <a:rPr lang="en-US" altLang="zh-CN" dirty="0" err="1"/>
+              <a:t>createuser</a:t>
+            </a:r>
+            <a:r>
+              <a:rPr lang="en-US" altLang="zh-CN" dirty="0"/>
+              <a:t> name password </a:t>
+            </a:r>
+            <a:r>
+              <a:rPr lang="en-US" altLang="zh-CN" dirty="0" err="1"/>
+              <a:t>issys</a:t>
+            </a:r>
+            <a:r>
+              <a:rPr lang="en-US" altLang="zh-CN" dirty="0"/>
+              <a:t>"                      "\n" </a:t>
+            </a:r>
+          </a:p>
+          <a:p>
+            <a:r>
+              <a:rPr lang="en-US" altLang="zh-CN" dirty="0"/>
+              <a:t>"\t""</a:t>
+            </a:r>
+            <a:r>
+              <a:rPr lang="en-US" altLang="zh-CN" dirty="0" err="1"/>
+              <a:t>deleteuser</a:t>
+            </a:r>
+            <a:r>
+              <a:rPr lang="en-US" altLang="zh-CN" dirty="0"/>
+              <a:t> name"                      "\n"</a:t>
+            </a:r>
+          </a:p>
+          <a:p>
+            <a:r>
+              <a:rPr lang="en-US" altLang="zh-CN" dirty="0"/>
+              <a:t>"\t""</a:t>
+            </a:r>
+            <a:r>
+              <a:rPr lang="en-US" altLang="zh-CN" dirty="0" err="1"/>
+              <a:t>modifyuser</a:t>
+            </a:r>
+            <a:r>
+              <a:rPr lang="en-US" altLang="zh-CN" dirty="0"/>
+              <a:t> name password </a:t>
+            </a:r>
+            <a:r>
+              <a:rPr lang="en-US" altLang="zh-CN" dirty="0" err="1"/>
+              <a:t>issys</a:t>
+            </a:r>
+            <a:r>
+              <a:rPr lang="en-US" altLang="zh-CN" dirty="0"/>
+              <a:t>"                      "\n"</a:t>
+            </a:r>
+          </a:p>
+          <a:p>
+            <a:r>
+              <a:rPr lang="en-US" altLang="zh-CN" dirty="0"/>
+              <a:t>"\n"</a:t>
+            </a:r>
+          </a:p>
+          <a:p>
+            <a:r>
+              <a:rPr lang="en-US" altLang="zh-CN" dirty="0"/>
+              <a:t>"</a:t>
+            </a:r>
+            <a:r>
+              <a:rPr lang="zh-CN" altLang="en-US" dirty="0"/>
+              <a:t>数据库</a:t>
+            </a:r>
+            <a:r>
+              <a:rPr lang="en-US" altLang="zh-CN" dirty="0"/>
+              <a:t>hash</a:t>
+            </a:r>
+            <a:r>
+              <a:rPr lang="zh-CN" altLang="en-US" dirty="0"/>
+              <a:t>表相关操作</a:t>
+            </a:r>
+            <a:r>
+              <a:rPr lang="en-US" altLang="zh-CN" dirty="0"/>
+              <a:t>:"</a:t>
+            </a:r>
+            <a:r>
+              <a:rPr lang="zh-CN" altLang="en-US" dirty="0"/>
+              <a:t>                      </a:t>
+            </a:r>
+            <a:r>
+              <a:rPr lang="en-US" altLang="zh-CN" dirty="0"/>
+              <a:t>"\n" </a:t>
+            </a:r>
+          </a:p>
+          <a:p>
+            <a:r>
+              <a:rPr lang="en-US" altLang="zh-CN" dirty="0"/>
+              <a:t>"\t""</a:t>
             </a:r>
             <a:r>
               <a:rPr lang="en-US" altLang="zh-CN" dirty="0" err="1"/>
@@ -8310,14 +9118,13 @@
             </a:r>
             <a:r>
               <a:rPr lang="en-US" altLang="zh-CN" dirty="0"/>
-              <a:t> name key"                      "\n"</a:t>
-            </a:r>
-            <a:endParaRPr lang="zh-CN" altLang="zh-CN" dirty="0"/>
-          </a:p>
-          <a:p>
-            <a:r>
-              <a:rPr lang="en-US" altLang="zh-CN" dirty="0"/>
-              <a:t>               "\t""</a:t>
+              <a:t> table key"                      "\n"</a:t>
+            </a:r>
+          </a:p>
+          <a:p>
+            <a:r>
+              <a:rPr lang="en-US" altLang="zh-CN" dirty="0"/>
+              <a:t>"\t""</a:t>
             </a:r>
             <a:r>
               <a:rPr lang="en-US" altLang="zh-CN" dirty="0" err="1"/>
@@ -8325,14 +9132,13 @@
             </a:r>
             <a:r>
               <a:rPr lang="en-US" altLang="zh-CN" dirty="0"/>
-              <a:t> name key value"                "\n"</a:t>
-            </a:r>
-            <a:endParaRPr lang="zh-CN" altLang="zh-CN" dirty="0"/>
-          </a:p>
-          <a:p>
-            <a:r>
-              <a:rPr lang="en-US" altLang="zh-CN" dirty="0"/>
-              <a:t>               "\t""</a:t>
+              <a:t> table key value"                "\n"</a:t>
+            </a:r>
+          </a:p>
+          <a:p>
+            <a:r>
+              <a:rPr lang="en-US" altLang="zh-CN" dirty="0"/>
+              <a:t>"\t""</a:t>
             </a:r>
             <a:r>
               <a:rPr lang="en-US" altLang="zh-CN" dirty="0" err="1"/>
@@ -8340,14 +9146,13 @@
             </a:r>
             <a:r>
               <a:rPr lang="en-US" altLang="zh-CN" dirty="0"/>
-              <a:t> name key"                      "\n"</a:t>
-            </a:r>
-            <a:endParaRPr lang="zh-CN" altLang="zh-CN" dirty="0"/>
-          </a:p>
-          <a:p>
-            <a:r>
-              <a:rPr lang="en-US" altLang="zh-CN" dirty="0"/>
-              <a:t>               "\t""</a:t>
+              <a:t> table key"                      "\n"</a:t>
+            </a:r>
+          </a:p>
+          <a:p>
+            <a:r>
+              <a:rPr lang="en-US" altLang="zh-CN" dirty="0"/>
+              <a:t>"\t""</a:t>
             </a:r>
             <a:r>
               <a:rPr lang="en-US" altLang="zh-CN" dirty="0" err="1"/>
@@ -8355,14 +9160,59 @@
             </a:r>
             <a:r>
               <a:rPr lang="en-US" altLang="zh-CN" dirty="0"/>
-              <a:t> name key value"              "\n"</a:t>
-            </a:r>
-            <a:endParaRPr lang="zh-CN" altLang="zh-CN" dirty="0"/>
-          </a:p>
-          <a:p>
-            <a:r>
-              <a:rPr lang="en-US" altLang="zh-CN" dirty="0"/>
-              <a:t>               "\t""</a:t>
+              <a:t> table key value"              "\n"</a:t>
+            </a:r>
+          </a:p>
+          <a:p>
+            <a:r>
+              <a:rPr lang="en-US" altLang="zh-CN" dirty="0"/>
+              <a:t>"\t""</a:t>
+            </a:r>
+            <a:r>
+              <a:rPr lang="en-US" altLang="zh-CN" dirty="0" err="1"/>
+              <a:t>hmultiset</a:t>
+            </a:r>
+            <a:r>
+              <a:rPr lang="en-US" altLang="zh-CN" dirty="0"/>
+              <a:t> table </a:t>
+            </a:r>
+            <a:r>
+              <a:rPr lang="en-US" altLang="zh-CN" dirty="0" err="1"/>
+              <a:t>key1</a:t>
+            </a:r>
+            <a:r>
+              <a:rPr lang="en-US" altLang="zh-CN" dirty="0"/>
+              <a:t> </a:t>
+            </a:r>
+            <a:r>
+              <a:rPr lang="en-US" altLang="zh-CN" dirty="0" err="1"/>
+              <a:t>val1</a:t>
+            </a:r>
+            <a:r>
+              <a:rPr lang="en-US" altLang="zh-CN" dirty="0"/>
+              <a:t> </a:t>
+            </a:r>
+            <a:r>
+              <a:rPr lang="en-US" altLang="zh-CN" dirty="0" err="1"/>
+              <a:t>key2</a:t>
+            </a:r>
+            <a:r>
+              <a:rPr lang="en-US" altLang="zh-CN" dirty="0"/>
+              <a:t> </a:t>
+            </a:r>
+            <a:r>
+              <a:rPr lang="en-US" altLang="zh-CN" dirty="0" err="1"/>
+              <a:t>val2</a:t>
+            </a:r>
+            <a:r>
+              <a:rPr lang="en-US" altLang="zh-CN" dirty="0"/>
+              <a:t> ..." "\n"</a:t>
+            </a:r>
+          </a:p>
+          <a:p>
+            <a:r>
+              <a:rPr lang="en-US" altLang="zh-CN" dirty="0"/>
+              <a:t>"\t""</a:t>
             </a:r>
             <a:r>
               <a:rPr lang="en-US" altLang="zh-CN" dirty="0" err="1"/>
@@ -8370,29 +9220,29 @@
             </a:r>
             <a:r>
               <a:rPr lang="en-US" altLang="zh-CN" dirty="0"/>
-              <a:t> name key1 key2 ..."       "\n"</a:t>
-            </a:r>
-            <a:endParaRPr lang="zh-CN" altLang="zh-CN" dirty="0"/>
-          </a:p>
-          <a:p>
-            <a:r>
-              <a:rPr lang="en-US" altLang="zh-CN" dirty="0"/>
-              <a:t>               "\t""</a:t>
-            </a:r>
-            <a:r>
-              <a:rPr lang="en-US" altLang="zh-CN" dirty="0" err="1"/>
-              <a:t>hmultiset</a:t>
-            </a:r>
-            <a:r>
-              <a:rPr lang="en-US" altLang="zh-CN" dirty="0"/>
-              <a:t> name key1 val1 key2 val2 ..." "\n"</a:t>
-            </a:r>
-            <a:endParaRPr lang="zh-CN" altLang="zh-CN" dirty="0"/>
-          </a:p>
-          <a:p>
-            <a:r>
-              <a:rPr lang="en-US" altLang="zh-CN" dirty="0"/>
-              <a:t>               "\t""</a:t>
+              <a:t> table </a:t>
+            </a:r>
+            <a:r>
+              <a:rPr lang="en-US" altLang="zh-CN" dirty="0" err="1"/>
+              <a:t>key1</a:t>
+            </a:r>
+            <a:r>
+              <a:rPr lang="en-US" altLang="zh-CN" dirty="0"/>
+              <a:t> </a:t>
+            </a:r>
+            <a:r>
+              <a:rPr lang="en-US" altLang="zh-CN" dirty="0" err="1"/>
+              <a:t>key2</a:t>
+            </a:r>
+            <a:r>
+              <a:rPr lang="en-US" altLang="zh-CN" dirty="0"/>
+              <a:t> ..."       "\n"</a:t>
+            </a:r>
+          </a:p>
+          <a:p>
+            <a:r>
+              <a:rPr lang="en-US" altLang="zh-CN" dirty="0"/>
+              <a:t>"\t""</a:t>
             </a:r>
             <a:r>
               <a:rPr lang="en-US" altLang="zh-CN" dirty="0" err="1"/>
@@ -8400,37 +9250,59 @@
             </a:r>
             <a:r>
               <a:rPr lang="en-US" altLang="zh-CN" dirty="0"/>
-              <a:t> name key1 key2 ..."           "\n"</a:t>
-            </a:r>
-            <a:endParaRPr lang="zh-CN" altLang="zh-CN" dirty="0"/>
-          </a:p>
-          <a:p>
-            <a:r>
-              <a:rPr lang="en-US" altLang="zh-CN" dirty="0"/>
-              <a:t>               "\t""</a:t>
-            </a:r>
-            <a:r>
-              <a:rPr lang="en-US" altLang="zh-CN" dirty="0" err="1"/>
-              <a:t>hincrby</a:t>
-            </a:r>
-            <a:r>
-              <a:rPr lang="en-US" altLang="zh-CN" dirty="0"/>
-              <a:t> name key int64value"            "\n"</a:t>
-            </a:r>
-            <a:endParaRPr lang="zh-CN" altLang="zh-CN" dirty="0"/>
-          </a:p>
-          <a:p>
-            <a:r>
-              <a:rPr lang="en-US" altLang="zh-CN" dirty="0"/>
-              <a:t>               "\t""</a:t>
-            </a:r>
-            <a:r>
-              <a:rPr lang="en-US" altLang="zh-CN" dirty="0" err="1"/>
-              <a:t>hincrbyfloat</a:t>
-            </a:r>
-            <a:r>
-              <a:rPr lang="en-US" altLang="zh-CN" dirty="0"/>
-              <a:t> name key </a:t>
+              <a:t> table </a:t>
+            </a:r>
+            <a:r>
+              <a:rPr lang="en-US" altLang="zh-CN" dirty="0" err="1"/>
+              <a:t>key1</a:t>
+            </a:r>
+            <a:r>
+              <a:rPr lang="en-US" altLang="zh-CN" dirty="0"/>
+              <a:t> </a:t>
+            </a:r>
+            <a:r>
+              <a:rPr lang="en-US" altLang="zh-CN" dirty="0" err="1"/>
+              <a:t>key2</a:t>
+            </a:r>
+            <a:r>
+              <a:rPr lang="en-US" altLang="zh-CN" dirty="0"/>
+              <a:t> ..."           "\n"</a:t>
+            </a:r>
+          </a:p>
+          <a:p>
+            <a:r>
+              <a:rPr lang="en-US" altLang="zh-CN" dirty="0"/>
+              <a:t>"\t""</a:t>
+            </a:r>
+            <a:r>
+              <a:rPr lang="en-US" altLang="zh-CN" dirty="0" err="1"/>
+              <a:t>hsetincr</a:t>
+            </a:r>
+            <a:r>
+              <a:rPr lang="en-US" altLang="zh-CN" dirty="0"/>
+              <a:t> table key </a:t>
+            </a:r>
+            <a:r>
+              <a:rPr lang="en-US" altLang="zh-CN" dirty="0" err="1"/>
+              <a:t>int64value</a:t>
+            </a:r>
+            <a:r>
+              <a:rPr lang="en-US" altLang="zh-CN" dirty="0"/>
+              <a:t>"            "\n"</a:t>
+            </a:r>
+          </a:p>
+          <a:p>
+            <a:r>
+              <a:rPr lang="en-US" altLang="zh-CN" dirty="0"/>
+              <a:t>"\t""</a:t>
+            </a:r>
+            <a:r>
+              <a:rPr lang="en-US" altLang="zh-CN" dirty="0" err="1"/>
+              <a:t>hsetincrfloat</a:t>
+            </a:r>
+            <a:r>
+              <a:rPr lang="en-US" altLang="zh-CN" dirty="0"/>
+              <a:t> table key </a:t>
             </a:r>
             <a:r>
               <a:rPr lang="en-US" altLang="zh-CN" dirty="0" err="1"/>
@@ -8440,198 +9312,243 @@
               <a:rPr lang="en-US" altLang="zh-CN" dirty="0"/>
               <a:t>"      "\n"</a:t>
             </a:r>
-            <a:endParaRPr lang="zh-CN" altLang="zh-CN" dirty="0"/>
-          </a:p>
-          <a:p>
-            <a:r>
-              <a:rPr lang="en-US" altLang="zh-CN" dirty="0"/>
-              <a:t>               "\</a:t>
-            </a:r>
-            <a:r>
-              <a:rPr lang="en-US" altLang="zh-CN" dirty="0" err="1"/>
-              <a:t>t""hall</a:t>
-            </a:r>
-            <a:r>
-              <a:rPr lang="en-US" altLang="zh-CN" dirty="0"/>
-              <a:t> name"                              "\n"</a:t>
-            </a:r>
-            <a:endParaRPr lang="zh-CN" altLang="zh-CN" dirty="0"/>
-          </a:p>
-          <a:p>
-            <a:r>
-              <a:rPr lang="en-US" altLang="zh-CN" dirty="0"/>
-              <a:t>			   "\t""</a:t>
-            </a:r>
-            <a:r>
-              <a:rPr lang="en-US" altLang="zh-CN" dirty="0" err="1"/>
-              <a:t>hvals</a:t>
-            </a:r>
-            <a:r>
-              <a:rPr lang="en-US" altLang="zh-CN" dirty="0"/>
-              <a:t> name"                              "\n"</a:t>
-            </a:r>
-            <a:endParaRPr lang="zh-CN" altLang="zh-CN" dirty="0"/>
-          </a:p>
-          <a:p>
-            <a:r>
-              <a:rPr lang="en-US" altLang="zh-CN" dirty="0"/>
-              <a:t>               "\t""</a:t>
-            </a:r>
-            <a:r>
-              <a:rPr lang="en-US" altLang="zh-CN" dirty="0" err="1"/>
-              <a:t>hclear</a:t>
-            </a:r>
-            <a:r>
-              <a:rPr lang="en-US" altLang="zh-CN" dirty="0"/>
-              <a:t> name"                            "\n"</a:t>
-            </a:r>
-            <a:endParaRPr lang="zh-CN" altLang="zh-CN" dirty="0"/>
-          </a:p>
-          <a:p>
-            <a:r>
-              <a:rPr lang="en-US" altLang="zh-CN" dirty="0"/>
-              <a:t>			   "\t""</a:t>
-            </a:r>
-            <a:r>
-              <a:rPr lang="en-US" altLang="zh-CN" dirty="0" err="1"/>
-              <a:t>hsize</a:t>
-            </a:r>
-            <a:r>
-              <a:rPr lang="en-US" altLang="zh-CN" dirty="0"/>
-              <a:t> name"	</a:t>
-            </a:r>
-            <a:r>
-              <a:rPr lang="en-US" altLang="zh-CN" dirty="0" smtClean="0"/>
+          </a:p>
+          <a:p>
+            <a:r>
+              <a:rPr lang="en-US" altLang="zh-CN" dirty="0"/>
+              <a:t>"\t""</a:t>
+            </a:r>
+            <a:r>
+              <a:rPr lang="en-US" altLang="zh-CN" dirty="0" err="1"/>
+              <a:t>hgetkeysvals</a:t>
+            </a:r>
+            <a:r>
+              <a:rPr lang="en-US" altLang="zh-CN" dirty="0"/>
+              <a:t> table"                              "\n"</a:t>
+            </a:r>
+          </a:p>
+          <a:p>
+            <a:r>
+              <a:rPr lang="en-US" altLang="zh-CN" dirty="0"/>
+              <a:t>"\t""</a:t>
+            </a:r>
+            <a:r>
+              <a:rPr lang="en-US" altLang="zh-CN" dirty="0" err="1"/>
+              <a:t>hgetkeys</a:t>
+            </a:r>
+            <a:r>
+              <a:rPr lang="en-US" altLang="zh-CN" dirty="0"/>
+              <a:t> table"                              "\n"</a:t>
+            </a:r>
+          </a:p>
+          <a:p>
+            <a:r>
+              <a:rPr lang="en-US" altLang="zh-CN" dirty="0"/>
+              <a:t>"\t""</a:t>
+            </a:r>
+            <a:r>
+              <a:rPr lang="en-US" altLang="zh-CN" dirty="0" err="1"/>
+              <a:t>hgetvals</a:t>
+            </a:r>
+            <a:r>
+              <a:rPr lang="en-US" altLang="zh-CN" dirty="0"/>
+              <a:t> table"                              "\n"</a:t>
+            </a:r>
+          </a:p>
+          <a:p>
+            <a:r>
+              <a:rPr lang="en-US" altLang="zh-CN" dirty="0"/>
+              <a:t>"\t""</a:t>
+            </a:r>
+            <a:r>
+              <a:rPr lang="en-US" altLang="zh-CN" dirty="0" err="1"/>
+              <a:t>hdrop</a:t>
+            </a:r>
+            <a:r>
+              <a:rPr lang="en-US" altLang="zh-CN" dirty="0"/>
+              <a:t> table"                            "\n"</a:t>
+            </a:r>
+          </a:p>
+          <a:p>
+            <a:r>
+              <a:rPr lang="en-US" altLang="zh-CN" dirty="0"/>
+              <a:t>"\t""</a:t>
+            </a:r>
+            <a:r>
+              <a:rPr lang="en-US" altLang="zh-CN" dirty="0" err="1"/>
+              <a:t>hcount</a:t>
+            </a:r>
+            <a:r>
+              <a:rPr lang="en-US" altLang="zh-CN" dirty="0"/>
+              <a:t> table""\n"</a:t>
+            </a:r>
+          </a:p>
+          <a:p>
+            <a:r>
+              <a:rPr lang="en-US" altLang="zh-CN" dirty="0"/>
+              <a:t>"\t""</a:t>
+            </a:r>
+            <a:r>
+              <a:rPr lang="en-US" altLang="zh-CN" dirty="0" err="1"/>
+              <a:t>hlist</a:t>
+            </a:r>
+            <a:r>
+              <a:rPr lang="en-US" altLang="zh-CN" dirty="0"/>
+              <a:t>""\n"</a:t>
+            </a:r>
+          </a:p>
+          <a:p>
+            <a:r>
+              <a:rPr lang="en-US" altLang="zh-CN" dirty="0"/>
+              <a:t>"\n" </a:t>
+            </a:r>
+          </a:p>
+          <a:p>
+            <a:r>
+              <a:rPr lang="en-US" altLang="zh-CN" dirty="0"/>
+              <a:t>"</a:t>
+            </a:r>
+            <a:r>
+              <a:rPr lang="zh-CN" altLang="en-US" dirty="0"/>
+              <a:t>数据库有序集合相关操作</a:t>
+            </a:r>
+            <a:r>
+              <a:rPr lang="en-US" altLang="zh-CN" dirty="0"/>
+              <a:t>:"</a:t>
+            </a:r>
+            <a:r>
+              <a:rPr lang="zh-CN" altLang="en-US" dirty="0"/>
+              <a:t>                      </a:t>
+            </a:r>
+            <a:r>
+              <a:rPr lang="en-US" altLang="zh-CN" dirty="0"/>
+              <a:t>"\n" </a:t>
+            </a:r>
+          </a:p>
+          <a:p>
+            <a:r>
+              <a:rPr lang="en-US" altLang="zh-CN" dirty="0"/>
+              <a:t>"\t""</a:t>
+            </a:r>
+            <a:r>
+              <a:rPr lang="en-US" altLang="zh-CN" dirty="0" err="1"/>
+              <a:t>zget</a:t>
+            </a:r>
+            <a:r>
+              <a:rPr lang="en-US" altLang="zh-CN" dirty="0"/>
+              <a:t> table key"                          "\n"</a:t>
+            </a:r>
+          </a:p>
+          <a:p>
+            <a:r>
+              <a:rPr lang="en-US" altLang="zh-CN" dirty="0"/>
+              <a:t>"\t""</a:t>
+            </a:r>
+            <a:r>
+              <a:rPr lang="en-US" altLang="zh-CN" dirty="0" err="1"/>
+              <a:t>zset</a:t>
+            </a:r>
+            <a:r>
+              <a:rPr lang="en-US" altLang="zh-CN" dirty="0"/>
+              <a:t> table key score"                    "\n"</a:t>
+            </a:r>
+          </a:p>
+          <a:p>
+            <a:r>
+              <a:rPr lang="en-US" altLang="zh-CN" dirty="0"/>
+              <a:t>"\t""</a:t>
+            </a:r>
+            <a:r>
+              <a:rPr lang="en-US" altLang="zh-CN" dirty="0" err="1"/>
+              <a:t>zdel</a:t>
+            </a:r>
+            <a:r>
+              <a:rPr lang="en-US" altLang="zh-CN" dirty="0"/>
+              <a:t> table key"                          "\n"</a:t>
+            </a:r>
+          </a:p>
+          <a:p>
+            <a:r>
+              <a:rPr lang="en-US" altLang="zh-CN" dirty="0"/>
+              <a:t>"\t""</a:t>
+            </a:r>
+            <a:r>
+              <a:rPr lang="en-US" altLang="zh-CN" dirty="0" err="1"/>
+              <a:t>ztop</a:t>
+            </a:r>
+            <a:r>
+              <a:rPr lang="en-US" altLang="zh-CN" dirty="0"/>
+              <a:t> table min max(or limit)"                      "\n"</a:t>
+            </a:r>
+          </a:p>
+          <a:p>
+            <a:r>
+              <a:rPr lang="en-US" altLang="zh-CN" dirty="0"/>
+              <a:t>"\t""</a:t>
+            </a:r>
+            <a:r>
+              <a:rPr lang="en-US" altLang="zh-CN" dirty="0" err="1"/>
+              <a:t>zrtop</a:t>
+            </a:r>
+            <a:r>
+              <a:rPr lang="en-US" altLang="zh-CN" dirty="0"/>
+              <a:t> table min max(or limit)"                     "\n"</a:t>
+            </a:r>
+          </a:p>
+          <a:p>
+            <a:r>
+              <a:rPr lang="en-US" altLang="zh-CN" dirty="0"/>
+              <a:t>"\t""</a:t>
+            </a:r>
+            <a:r>
+              <a:rPr lang="en-US" altLang="zh-CN" dirty="0" err="1"/>
+              <a:t>zdrop</a:t>
+            </a:r>
+            <a:r>
+              <a:rPr lang="en-US" altLang="zh-CN" dirty="0"/>
+              <a:t> table"                            "\n"</a:t>
+            </a:r>
+          </a:p>
+          <a:p>
+            <a:r>
+              <a:rPr lang="en-US" altLang="zh-CN" dirty="0"/>
+              <a:t>"\t""</a:t>
+            </a:r>
+            <a:r>
+              <a:rPr lang="en-US" altLang="zh-CN" dirty="0" err="1"/>
+              <a:t>zcount</a:t>
+            </a:r>
+            <a:r>
+              <a:rPr lang="en-US" altLang="zh-CN" dirty="0"/>
+              <a:t> table"                            "\n"</a:t>
+            </a:r>
+          </a:p>
+          <a:p>
+            <a:r>
+              <a:rPr lang="en-US" altLang="zh-CN" dirty="0"/>
+              <a:t>"\t""</a:t>
+            </a:r>
+            <a:r>
+              <a:rPr lang="en-US" altLang="zh-CN" dirty="0" err="1"/>
+              <a:t>zlist</a:t>
+            </a:r>
+            <a:r>
+              <a:rPr lang="en-US" altLang="zh-CN" dirty="0"/>
+              <a:t> "                            "\n"</a:t>
+            </a:r>
+          </a:p>
+          <a:p>
+            <a:r>
+              <a:rPr lang="en-US" altLang="zh-CN" dirty="0"/>
+              <a:t>"\n"</a:t>
+            </a:r>
+          </a:p>
+          <a:p>
+            <a:r>
+              <a:rPr lang="en-US" altLang="zh-CN" dirty="0"/>
               <a:t>"\</a:t>
             </a:r>
             <a:r>
-              <a:rPr lang="en-US" altLang="zh-CN" dirty="0"/>
-              <a:t>n</a:t>
-            </a:r>
-            <a:r>
-              <a:rPr lang="en-US" altLang="zh-CN" dirty="0" smtClean="0"/>
-              <a:t>"</a:t>
-            </a:r>
-            <a:endParaRPr lang="zh-CN" altLang="zh-CN" dirty="0"/>
-          </a:p>
-          <a:p>
-            <a:r>
-              <a:rPr lang="en-US" altLang="zh-CN" dirty="0"/>
-              <a:t>               "\t""</a:t>
-            </a:r>
-            <a:r>
-              <a:rPr lang="en-US" altLang="zh-CN" dirty="0" err="1"/>
-              <a:t>zget</a:t>
-            </a:r>
-            <a:r>
-              <a:rPr lang="en-US" altLang="zh-CN" dirty="0"/>
-              <a:t> name key"                          "\n"</a:t>
-            </a:r>
-            <a:endParaRPr lang="zh-CN" altLang="zh-CN" dirty="0"/>
-          </a:p>
-          <a:p>
-            <a:r>
-              <a:rPr lang="en-US" altLang="zh-CN" dirty="0"/>
-              <a:t>               "\t""</a:t>
-            </a:r>
-            <a:r>
-              <a:rPr lang="en-US" altLang="zh-CN" dirty="0" err="1"/>
-              <a:t>zset</a:t>
-            </a:r>
-            <a:r>
-              <a:rPr lang="en-US" altLang="zh-CN" dirty="0"/>
-              <a:t> name key score"                    "\n"</a:t>
-            </a:r>
-            <a:endParaRPr lang="zh-CN" altLang="zh-CN" dirty="0"/>
-          </a:p>
-          <a:p>
-            <a:r>
-              <a:rPr lang="en-US" altLang="zh-CN" dirty="0"/>
-              <a:t>               "\t""</a:t>
-            </a:r>
-            <a:r>
-              <a:rPr lang="en-US" altLang="zh-CN" dirty="0" err="1"/>
-              <a:t>zdel</a:t>
-            </a:r>
-            <a:r>
-              <a:rPr lang="en-US" altLang="zh-CN" dirty="0"/>
-              <a:t> name key"                          "\n"</a:t>
-            </a:r>
-            <a:endParaRPr lang="zh-CN" altLang="zh-CN" dirty="0"/>
-          </a:p>
-          <a:p>
-            <a:r>
-              <a:rPr lang="en-US" altLang="zh-CN" dirty="0"/>
-              <a:t>               "\t""</a:t>
-            </a:r>
-            <a:r>
-              <a:rPr lang="en-US" altLang="zh-CN" dirty="0" err="1"/>
-              <a:t>ztop</a:t>
-            </a:r>
-            <a:r>
-              <a:rPr lang="en-US" altLang="zh-CN" dirty="0"/>
-              <a:t> name min max"                      "\n"</a:t>
-            </a:r>
-            <a:endParaRPr lang="zh-CN" altLang="zh-CN" dirty="0"/>
-          </a:p>
-          <a:p>
-            <a:r>
-              <a:rPr lang="en-US" altLang="zh-CN" dirty="0"/>
-              <a:t>               "\t""</a:t>
-            </a:r>
-            <a:r>
-              <a:rPr lang="en-US" altLang="zh-CN" dirty="0" err="1"/>
-              <a:t>zrtop</a:t>
-            </a:r>
-            <a:r>
-              <a:rPr lang="en-US" altLang="zh-CN" dirty="0"/>
-              <a:t> name min max"                     "\n"</a:t>
-            </a:r>
-            <a:endParaRPr lang="zh-CN" altLang="zh-CN" dirty="0"/>
-          </a:p>
-          <a:p>
-            <a:r>
-              <a:rPr lang="en-US" altLang="zh-CN" dirty="0"/>
-              <a:t>               "\t""</a:t>
-            </a:r>
-            <a:r>
-              <a:rPr lang="en-US" altLang="zh-CN" dirty="0" err="1"/>
-              <a:t>zclear</a:t>
-            </a:r>
-            <a:r>
-              <a:rPr lang="en-US" altLang="zh-CN" dirty="0"/>
-              <a:t> name"                            "\n"</a:t>
-            </a:r>
-            <a:endParaRPr lang="zh-CN" altLang="zh-CN" dirty="0"/>
-          </a:p>
-          <a:p>
-            <a:r>
-              <a:rPr lang="en-US" altLang="zh-CN" dirty="0"/>
-              <a:t>			   "\t""</a:t>
-            </a:r>
-            <a:r>
-              <a:rPr lang="en-US" altLang="zh-CN" dirty="0" err="1"/>
-              <a:t>zsize</a:t>
-            </a:r>
-            <a:r>
-              <a:rPr lang="en-US" altLang="zh-CN" dirty="0"/>
-              <a:t> name"                            "\n"</a:t>
-            </a:r>
-            <a:endParaRPr lang="zh-CN" altLang="zh-CN" dirty="0"/>
-          </a:p>
-          <a:p>
-            <a:r>
-              <a:rPr lang="en-US" altLang="zh-CN" dirty="0"/>
-              <a:t>               "\n"</a:t>
-            </a:r>
-            <a:endParaRPr lang="zh-CN" altLang="zh-CN" dirty="0"/>
-          </a:p>
-          <a:p>
-            <a:r>
-              <a:rPr lang="en-US" altLang="zh-CN" dirty="0"/>
-              <a:t>               "\</a:t>
-            </a:r>
-            <a:r>
               <a:rPr lang="en-US" altLang="zh-CN" dirty="0" err="1"/>
               <a:t>t""dump</a:t>
             </a:r>
@@ -8639,9 +9556,20 @@
               <a:rPr lang="en-US" altLang="zh-CN" dirty="0"/>
               <a:t>"                                   "\n"</a:t>
             </a:r>
-            <a:endParaRPr lang="zh-CN" altLang="zh-CN" dirty="0"/>
-          </a:p>
-          <a:p>
+          </a:p>
+          <a:p>
+            <a:r>
+              <a:rPr lang="en-US" altLang="zh-CN" dirty="0"/>
+              <a:t>"\</a:t>
+            </a:r>
+            <a:r>
+              <a:rPr lang="en-US" altLang="zh-CN" dirty="0" err="1"/>
+              <a:t>t""exit</a:t>
+            </a:r>
+            <a:r>
+              <a:rPr lang="en-US" altLang="zh-CN" dirty="0"/>
+              <a:t>"                                   "\n"</a:t>
+            </a:r>
             <a:endParaRPr lang="zh-CN" altLang="en-US" dirty="0"/>
           </a:p>
         </p:txBody>
@@ -8656,6 +9584,13 @@
   <p:clrMapOvr>
     <a:masterClrMapping/>
   </p:clrMapOvr>
+  <p:timing>
+    <p:tnLst>
+      <p:par>
+        <p:cTn id="1" dur="indefinite" restart="never" nodeType="tmRoot"/>
+      </p:par>
+    </p:tnLst>
+  </p:timing>
 </p:sld>
 </file>
 
@@ -9770,10 +10705,6 @@
               <a:rPr lang="zh-CN" altLang="zh-CN" dirty="0" smtClean="0"/>
               <a:t>网络层</a:t>
             </a:r>
-            <a:r>
-              <a:rPr lang="en-US" altLang="zh-CN" smtClean="0"/>
-              <a:t>(RPC)</a:t>
-            </a:r>
             <a:endParaRPr lang="zh-CN" altLang="zh-CN" dirty="0"/>
           </a:p>
         </p:txBody>
@@ -9974,15 +10905,15 @@
           <a:p>
             <a:pPr lvl="1"/>
             <a:r>
-              <a:rPr lang="zh-CN" altLang="zh-CN" dirty="0"/>
+              <a:rPr lang="zh-CN" altLang="zh-CN" sz="2400" dirty="0"/>
               <a:t>有一个基类</a:t>
             </a:r>
             <a:r>
-              <a:rPr lang="en-US" altLang="zh-CN" dirty="0"/>
+              <a:rPr lang="en-US" altLang="zh-CN" sz="2400" dirty="0"/>
               <a:t>reactor</a:t>
             </a:r>
             <a:r>
-              <a:rPr lang="zh-CN" altLang="zh-CN" dirty="0"/>
+              <a:rPr lang="zh-CN" altLang="zh-CN" sz="2400" dirty="0"/>
               <a:t>他的作用就是用来收集各种网络处理类。并将数据转交给具体的处理类负责来处理具体收到的消息。</a:t>
             </a:r>
           </a:p>
@@ -9991,70 +10922,84 @@
           </a:p>
         </p:txBody>
       </p:sp>
-      <p:pic>
-        <p:nvPicPr>
-          <p:cNvPr id="7170" name="Picture 2"/>
-          <p:cNvPicPr>
-            <a:picLocks noChangeAspect="1" noChangeArrowheads="1"/>
-          </p:cNvPicPr>
-          <p:nvPr/>
-        </p:nvPicPr>
-        <p:blipFill>
-          <a:blip r:embed="rId2">
-            <a:extLst>
-              <a:ext uri="{28A0092B-C50C-407E-A947-70E740481C1C}">
-                <a14:useLocalDpi xmlns:a14="http://schemas.microsoft.com/office/drawing/2010/main" val="0"/>
-              </a:ext>
-            </a:extLst>
-          </a:blip>
-          <a:srcRect/>
-          <a:stretch>
-            <a:fillRect/>
-          </a:stretch>
-        </p:blipFill>
-        <p:spPr bwMode="auto">
-          <a:xfrm>
-            <a:off x="179512" y="3789040"/>
-            <a:ext cx="8509839" cy="2723764"/>
-          </a:xfrm>
-          <a:prstGeom prst="rect">
-            <a:avLst/>
-          </a:prstGeom>
-          <a:noFill/>
-          <a:ln>
-            <a:noFill/>
-          </a:ln>
-          <a:effectLst/>
-          <a:extLst>
-            <a:ext uri="{909E8E84-426E-40DD-AFC4-6F175D3DCCD1}">
-              <a14:hiddenFill xmlns:a14="http://schemas.microsoft.com/office/drawing/2010/main">
-                <a:solidFill>
-                  <a:schemeClr val="accent1"/>
-                </a:solidFill>
-              </a14:hiddenFill>
-            </a:ext>
-            <a:ext uri="{91240B29-F687-4F45-9708-019B960494DF}">
-              <a14:hiddenLine xmlns:a14="http://schemas.microsoft.com/office/drawing/2010/main" w="9525">
-                <a:solidFill>
-                  <a:schemeClr val="tx1"/>
-                </a:solidFill>
-                <a:miter lim="800000"/>
-                <a:headEnd/>
-                <a:tailEnd/>
-              </a14:hiddenLine>
-            </a:ext>
-            <a:ext uri="{AF507438-7753-43E0-B8FC-AC1667EBCBE1}">
-              <a14:hiddenEffects xmlns:a14="http://schemas.microsoft.com/office/drawing/2010/main">
-                <a:effectLst>
-                  <a:outerShdw dist="35921" dir="2700000" algn="ctr" rotWithShape="0">
-                    <a:schemeClr val="bg2"/>
-                  </a:outerShdw>
-                </a:effectLst>
-              </a14:hiddenEffects>
-            </a:ext>
-          </a:extLst>
-        </p:spPr>
-      </p:pic>
+      <p:graphicFrame>
+        <p:nvGraphicFramePr>
+          <p:cNvPr id="4" name="对象 3"/>
+          <p:cNvGraphicFramePr>
+            <a:graphicFrameLocks noChangeAspect="1"/>
+          </p:cNvGraphicFramePr>
+          <p:nvPr>
+            <p:extLst>
+              <p:ext uri="{D42A27DB-BD31-4B8C-83A1-F6EECF244321}">
+                <p14:modId xmlns:p14="http://schemas.microsoft.com/office/powerpoint/2010/main" val="1198380227"/>
+              </p:ext>
+            </p:extLst>
+          </p:nvPr>
+        </p:nvGraphicFramePr>
+        <p:xfrm>
+          <a:off x="120895" y="3356992"/>
+          <a:ext cx="8741145" cy="3456384"/>
+        </p:xfrm>
+        <a:graphic>
+          <a:graphicData uri="http://schemas.openxmlformats.org/presentationml/2006/ole">
+            <mc:AlternateContent xmlns:mc="http://schemas.openxmlformats.org/markup-compatibility/2006">
+              <mc:Choice xmlns:v="urn:schemas-microsoft-com:vml" Requires="v">
+                <p:oleObj spid="_x0000_s2064" name="Visio" r:id="rId4" imgW="10430903" imgH="4016808" progId="Visio.Drawing.11">
+                  <p:embed/>
+                </p:oleObj>
+              </mc:Choice>
+              <mc:Fallback>
+                <p:oleObj name="Visio" r:id="rId4" imgW="10430903" imgH="4016808" progId="Visio.Drawing.11">
+                  <p:embed/>
+                  <p:pic>
+                    <p:nvPicPr>
+                      <p:cNvPr id="0" name="Object 2"/>
+                      <p:cNvPicPr>
+                        <a:picLocks noChangeAspect="1" noChangeArrowheads="1"/>
+                      </p:cNvPicPr>
+                      <p:nvPr/>
+                    </p:nvPicPr>
+                    <p:blipFill>
+                      <a:blip r:embed="rId5">
+                        <a:extLst>
+                          <a:ext uri="{28A0092B-C50C-407E-A947-70E740481C1C}">
+                            <a14:useLocalDpi xmlns:a14="http://schemas.microsoft.com/office/drawing/2010/main" val="0"/>
+                          </a:ext>
+                        </a:extLst>
+                      </a:blip>
+                      <a:srcRect/>
+                      <a:stretch>
+                        <a:fillRect/>
+                      </a:stretch>
+                    </p:blipFill>
+                    <p:spPr bwMode="auto">
+                      <a:xfrm>
+                        <a:off x="120895" y="3356992"/>
+                        <a:ext cx="8741145" cy="3456384"/>
+                      </a:xfrm>
+                      <a:prstGeom prst="rect">
+                        <a:avLst/>
+                      </a:prstGeom>
+                      <a:solidFill>
+                        <a:srgbClr val="FFFFFF"/>
+                      </a:solidFill>
+                      <a:ln w="9525">
+                        <a:solidFill>
+                          <a:srgbClr val="000000"/>
+                        </a:solidFill>
+                        <a:miter lim="800000"/>
+                        <a:headEnd/>
+                        <a:tailEnd/>
+                      </a:ln>
+                      <a:effectLst/>
+                    </p:spPr>
+                  </p:pic>
+                </p:oleObj>
+              </mc:Fallback>
+            </mc:AlternateContent>
+          </a:graphicData>
+        </a:graphic>
+      </p:graphicFrame>
     </p:spTree>
     <p:extLst>
       <p:ext uri="{BB962C8B-B14F-4D97-AF65-F5344CB8AC3E}">
@@ -10103,8 +11048,12 @@
           <a:lstStyle/>
           <a:p>
             <a:r>
+              <a:rPr lang="zh-CN" altLang="zh-CN" dirty="0" smtClean="0"/>
+              <a:t>网络层</a:t>
+            </a:r>
+            <a:r>
               <a:rPr lang="en-US" altLang="zh-CN" dirty="0" smtClean="0"/>
-              <a:t>ORM</a:t>
+              <a:t>(RPC)</a:t>
             </a:r>
             <a:endParaRPr lang="zh-CN" altLang="zh-CN" dirty="0"/>
           </a:p>
@@ -10286,7 +11235,12 @@
             <p:ph idx="1"/>
           </p:nvPr>
         </p:nvSpPr>
-        <p:spPr/>
+        <p:spPr>
+          <a:xfrm>
+            <a:off x="457200" y="1600200"/>
+            <a:ext cx="8229600" cy="5141168"/>
+          </a:xfrm>
+        </p:spPr>
         <p:txBody>
           <a:bodyPr>
             <a:normAutofit/>
@@ -10294,122 +11248,240 @@
           <a:lstStyle/>
           <a:p>
             <a:r>
-              <a:rPr lang="en-US" altLang="zh-CN" sz="2400" dirty="0"/>
-              <a:t>ORM</a:t>
-            </a:r>
-            <a:r>
-              <a:rPr lang="zh-CN" altLang="zh-CN" sz="2400" dirty="0"/>
-              <a:t>（</a:t>
-            </a:r>
-            <a:r>
-              <a:rPr lang="en-US" altLang="zh-CN" sz="2400" dirty="0"/>
-              <a:t>Object Relational Mapping</a:t>
-            </a:r>
-            <a:r>
-              <a:rPr lang="zh-CN" altLang="zh-CN" sz="2400" dirty="0"/>
-              <a:t>），是一种程序技术，用于实现面向对象编程语言里不同类型系统的数据之间的转换</a:t>
-            </a:r>
-            <a:r>
-              <a:rPr lang="en-US" altLang="zh-CN" sz="2400" dirty="0"/>
+              <a:rPr lang="en-US" altLang="zh-CN" dirty="0" smtClean="0"/>
+              <a:t>RPC</a:t>
+            </a:r>
+          </a:p>
+          <a:p>
+            <a:pPr lvl="1"/>
+            <a:r>
+              <a:rPr lang="zh-CN" altLang="en-US" sz="2000" dirty="0" smtClean="0"/>
+              <a:t>网络层的</a:t>
+            </a:r>
+            <a:r>
+              <a:rPr lang="en-US" altLang="zh-CN" sz="2000" dirty="0" err="1" smtClean="0"/>
+              <a:t>NetThread</a:t>
+            </a:r>
+            <a:r>
+              <a:rPr lang="zh-CN" altLang="en-US" sz="2000" dirty="0" smtClean="0"/>
+              <a:t>运行的最终结果会将对应的</a:t>
+            </a:r>
+            <a:r>
+              <a:rPr lang="en-US" altLang="zh-CN" sz="2000" dirty="0" smtClean="0"/>
+              <a:t>RPC</a:t>
+            </a:r>
+            <a:r>
+              <a:rPr lang="zh-CN" altLang="en-US" sz="2000" dirty="0" smtClean="0"/>
+              <a:t>包扔给</a:t>
+            </a:r>
+            <a:r>
+              <a:rPr lang="en-US" altLang="zh-CN" sz="2000" dirty="0" err="1" smtClean="0"/>
+              <a:t>RPCManager</a:t>
+            </a:r>
+            <a:r>
+              <a:rPr lang="en-US" altLang="zh-CN" sz="2000" dirty="0" smtClean="0"/>
+              <a:t>.</a:t>
+            </a:r>
+          </a:p>
+          <a:p>
+            <a:pPr lvl="1"/>
+            <a:r>
+              <a:rPr lang="en-US" altLang="zh-CN" sz="2000" dirty="0" err="1" smtClean="0"/>
+              <a:t>RPCManager</a:t>
+            </a:r>
+            <a:r>
+              <a:rPr lang="zh-CN" altLang="en-US" sz="2000" dirty="0" smtClean="0"/>
+              <a:t>会将这个包解析为一个</a:t>
+            </a:r>
+            <a:r>
+              <a:rPr lang="en-US" altLang="zh-CN" sz="2000" dirty="0" err="1" smtClean="0"/>
+              <a:t>RpcMsgCall</a:t>
+            </a:r>
+            <a:r>
+              <a:rPr lang="en-US" altLang="zh-CN" sz="2000" dirty="0" smtClean="0"/>
+              <a:t>.</a:t>
+            </a:r>
+          </a:p>
+          <a:p>
+            <a:pPr lvl="1"/>
+            <a:r>
+              <a:rPr lang="en-US" altLang="zh-CN" sz="2000" dirty="0" err="1" smtClean="0"/>
+              <a:t>RPCManager</a:t>
+            </a:r>
+            <a:r>
+              <a:rPr lang="zh-CN" altLang="en-US" sz="2000" dirty="0" smtClean="0"/>
+              <a:t>根据</a:t>
+            </a:r>
+            <a:r>
+              <a:rPr lang="en-US" altLang="zh-CN" sz="2000" dirty="0" err="1" smtClean="0"/>
+              <a:t>RpcMsgCall</a:t>
+            </a:r>
+            <a:r>
+              <a:rPr lang="zh-CN" altLang="en-US" sz="2000" dirty="0" smtClean="0"/>
+              <a:t>的</a:t>
+            </a:r>
+            <a:r>
+              <a:rPr lang="en-US" altLang="zh-CN" sz="2000" dirty="0" smtClean="0"/>
+              <a:t>name</a:t>
+            </a:r>
+            <a:r>
+              <a:rPr lang="zh-CN" altLang="en-US" sz="2000" dirty="0" smtClean="0"/>
+              <a:t>找到对应的</a:t>
+            </a:r>
+            <a:r>
+              <a:rPr lang="en-US" altLang="zh-CN" sz="2000" dirty="0" err="1" smtClean="0"/>
+              <a:t>RpcCall</a:t>
+            </a:r>
+            <a:r>
+              <a:rPr lang="zh-CN" altLang="en-US" sz="2000" dirty="0" smtClean="0"/>
+              <a:t>的调用函数</a:t>
+            </a:r>
+            <a:r>
+              <a:rPr lang="en-US" altLang="zh-CN" sz="2000" dirty="0" smtClean="0"/>
               <a:t>,</a:t>
             </a:r>
             <a:r>
-              <a:rPr lang="zh-CN" altLang="zh-CN" sz="2400" dirty="0"/>
-              <a:t>就是将数据转化为一种数据结构。</a:t>
+              <a:rPr lang="zh-CN" altLang="en-US" sz="2000" dirty="0" smtClean="0"/>
+              <a:t>然后将</a:t>
+            </a:r>
+            <a:r>
+              <a:rPr lang="en-US" altLang="zh-CN" sz="2000" dirty="0" err="1" smtClean="0"/>
+              <a:t>rpccall</a:t>
+            </a:r>
+            <a:r>
+              <a:rPr lang="zh-CN" altLang="en-US" sz="2000" dirty="0" smtClean="0"/>
+              <a:t>的参数传递给函数的参数</a:t>
+            </a:r>
+            <a:r>
+              <a:rPr lang="en-US" altLang="zh-CN" sz="2000" dirty="0" smtClean="0"/>
+              <a:t>.</a:t>
+            </a:r>
+          </a:p>
+          <a:p>
+            <a:r>
+              <a:rPr lang="zh-CN" altLang="en-US" dirty="0" smtClean="0"/>
+              <a:t>特色</a:t>
+            </a:r>
+            <a:r>
+              <a:rPr lang="en-US" altLang="zh-CN" dirty="0" smtClean="0"/>
+              <a:t>:</a:t>
             </a:r>
           </a:p>
           <a:p>
             <a:pPr lvl="1"/>
             <a:r>
-              <a:rPr lang="zh-CN" altLang="zh-CN" sz="2000" dirty="0" smtClean="0"/>
-              <a:t>说白了</a:t>
-            </a:r>
-            <a:r>
-              <a:rPr lang="zh-CN" altLang="zh-CN" sz="2000" dirty="0"/>
-              <a:t>，就是将面向对象的数据拼成数据库能识别的</a:t>
-            </a:r>
-            <a:r>
-              <a:rPr lang="en-US" altLang="zh-CN" sz="2000" dirty="0" err="1"/>
-              <a:t>sql</a:t>
-            </a:r>
-            <a:r>
-              <a:rPr lang="zh-CN" altLang="zh-CN" sz="2000" dirty="0"/>
-              <a:t>语句。</a:t>
-            </a:r>
-          </a:p>
-          <a:p>
+              <a:rPr lang="zh-CN" altLang="en-US" sz="2000" dirty="0" smtClean="0"/>
+              <a:t>工具生成</a:t>
+            </a:r>
+            <a:r>
+              <a:rPr lang="en-US" altLang="zh-CN" sz="2000" dirty="0" err="1" smtClean="0"/>
+              <a:t>server,client,timeout.proxyserver,client</a:t>
+            </a:r>
+            <a:r>
+              <a:rPr lang="en-US" altLang="zh-CN" sz="2000" dirty="0" smtClean="0"/>
+              <a:t>…</a:t>
+            </a:r>
+          </a:p>
+          <a:p>
+            <a:pPr lvl="1"/>
+            <a:r>
+              <a:rPr lang="zh-CN" altLang="en-US" sz="2000" dirty="0" smtClean="0"/>
+              <a:t>调用相当于函数调用</a:t>
+            </a:r>
+            <a:r>
+              <a:rPr lang="en-US" altLang="zh-CN" sz="2000" dirty="0" smtClean="0"/>
+              <a:t>.</a:t>
+            </a:r>
+            <a:r>
+              <a:rPr lang="zh-CN" altLang="en-US" sz="2000" dirty="0" smtClean="0"/>
+              <a:t>处理方也是函数处理</a:t>
+            </a:r>
+            <a:r>
+              <a:rPr lang="en-US" altLang="zh-CN" sz="2000" dirty="0" smtClean="0"/>
+              <a:t>.</a:t>
+            </a:r>
+            <a:r>
+              <a:rPr lang="zh-CN" altLang="en-US" sz="2000" dirty="0" smtClean="0"/>
+              <a:t>参数可以为任意类型</a:t>
+            </a:r>
+            <a:endParaRPr lang="en-US" altLang="zh-CN" sz="2000" dirty="0" smtClean="0"/>
+          </a:p>
+          <a:p>
+            <a:pPr lvl="1"/>
+            <a:r>
+              <a:rPr lang="zh-CN" altLang="en-US" sz="2000" dirty="0" smtClean="0"/>
+              <a:t>支持延迟处理</a:t>
+            </a:r>
+            <a:r>
+              <a:rPr lang="en-US" altLang="zh-CN" sz="2000" dirty="0" smtClean="0"/>
+              <a:t>,</a:t>
+            </a:r>
+            <a:r>
+              <a:rPr lang="zh-CN" altLang="en-US" sz="2000" dirty="0" smtClean="0"/>
+              <a:t>多个对象处理</a:t>
+            </a:r>
+            <a:r>
+              <a:rPr lang="en-US" altLang="zh-CN" sz="2000" dirty="0" smtClean="0"/>
+              <a:t>.</a:t>
+            </a:r>
+            <a:r>
+              <a:rPr lang="zh-CN" altLang="en-US" sz="2000" dirty="0" smtClean="0"/>
+              <a:t>多个</a:t>
+            </a:r>
+            <a:r>
+              <a:rPr lang="en-US" altLang="zh-CN" sz="2000" dirty="0" smtClean="0"/>
+              <a:t>session</a:t>
+            </a:r>
+            <a:r>
+              <a:rPr lang="zh-CN" altLang="en-US" sz="2000" dirty="0" smtClean="0"/>
+              <a:t>发送</a:t>
+            </a:r>
+            <a:r>
+              <a:rPr lang="en-US" altLang="zh-CN" sz="2000" dirty="0" smtClean="0"/>
+              <a:t>.</a:t>
+            </a:r>
+          </a:p>
+          <a:p>
+            <a:pPr lvl="1"/>
+            <a:r>
+              <a:rPr lang="zh-CN" altLang="en-US" sz="2000" dirty="0" smtClean="0"/>
+              <a:t>支持同步</a:t>
+            </a:r>
+            <a:r>
+              <a:rPr lang="en-US" altLang="zh-CN" sz="2000" dirty="0" smtClean="0"/>
+              <a:t>,</a:t>
+            </a:r>
+            <a:r>
+              <a:rPr lang="zh-CN" altLang="en-US" sz="2000" dirty="0" smtClean="0"/>
+              <a:t>异步操作</a:t>
+            </a:r>
+            <a:r>
+              <a:rPr lang="en-US" altLang="zh-CN" sz="2000" dirty="0" smtClean="0"/>
+              <a:t>.</a:t>
+            </a:r>
+          </a:p>
+          <a:p>
+            <a:pPr lvl="1"/>
+            <a:r>
+              <a:rPr lang="zh-CN" altLang="en-US" sz="2000" dirty="0" smtClean="0"/>
+              <a:t>支持回调函数</a:t>
+            </a:r>
+            <a:endParaRPr lang="en-US" altLang="zh-CN" sz="2000" dirty="0" smtClean="0"/>
+          </a:p>
+          <a:p>
+            <a:pPr lvl="1"/>
+            <a:endParaRPr lang="en-US" altLang="zh-CN" dirty="0" smtClean="0"/>
+          </a:p>
+          <a:p>
+            <a:pPr lvl="2"/>
             <a:endParaRPr lang="zh-CN" altLang="zh-CN" dirty="0"/>
           </a:p>
         </p:txBody>
       </p:sp>
-      <p:pic>
-        <p:nvPicPr>
-          <p:cNvPr id="8194" name="Picture 2"/>
-          <p:cNvPicPr>
-            <a:picLocks noChangeAspect="1" noChangeArrowheads="1"/>
-          </p:cNvPicPr>
-          <p:nvPr/>
-        </p:nvPicPr>
-        <p:blipFill>
-          <a:blip r:embed="rId2">
-            <a:extLst>
-              <a:ext uri="{28A0092B-C50C-407E-A947-70E740481C1C}">
-                <a14:useLocalDpi xmlns:a14="http://schemas.microsoft.com/office/drawing/2010/main" val="0"/>
-              </a:ext>
-            </a:extLst>
-          </a:blip>
-          <a:srcRect/>
-          <a:stretch>
-            <a:fillRect/>
-          </a:stretch>
-        </p:blipFill>
-        <p:spPr bwMode="auto">
-          <a:xfrm>
-            <a:off x="1428056" y="3284984"/>
-            <a:ext cx="5286375" cy="3248025"/>
-          </a:xfrm>
-          <a:prstGeom prst="rect">
-            <a:avLst/>
-          </a:prstGeom>
-          <a:noFill/>
-          <a:ln>
-            <a:noFill/>
-          </a:ln>
-          <a:effectLst/>
-          <a:extLst>
-            <a:ext uri="{909E8E84-426E-40DD-AFC4-6F175D3DCCD1}">
-              <a14:hiddenFill xmlns:a14="http://schemas.microsoft.com/office/drawing/2010/main">
-                <a:solidFill>
-                  <a:schemeClr val="accent1"/>
-                </a:solidFill>
-              </a14:hiddenFill>
-            </a:ext>
-            <a:ext uri="{91240B29-F687-4F45-9708-019B960494DF}">
-              <a14:hiddenLine xmlns:a14="http://schemas.microsoft.com/office/drawing/2010/main" w="9525">
-                <a:solidFill>
-                  <a:schemeClr val="tx1"/>
-                </a:solidFill>
-                <a:miter lim="800000"/>
-                <a:headEnd/>
-                <a:tailEnd/>
-              </a14:hiddenLine>
-            </a:ext>
-            <a:ext uri="{AF507438-7753-43E0-B8FC-AC1667EBCBE1}">
-              <a14:hiddenEffects xmlns:a14="http://schemas.microsoft.com/office/drawing/2010/main">
-                <a:effectLst>
-                  <a:outerShdw dist="35921" dir="2700000" algn="ctr" rotWithShape="0">
-                    <a:schemeClr val="bg2"/>
-                  </a:outerShdw>
-                </a:effectLst>
-              </a14:hiddenEffects>
-            </a:ext>
-          </a:extLst>
-        </p:spPr>
-      </p:pic>
     </p:spTree>
     <p:extLst>
       <p:ext uri="{BB962C8B-B14F-4D97-AF65-F5344CB8AC3E}">
-        <p14:creationId xmlns:p14="http://schemas.microsoft.com/office/powerpoint/2010/main" val="3323228232"/>
+        <p14:creationId xmlns:p14="http://schemas.microsoft.com/office/powerpoint/2010/main" val="2964732568"/>
       </p:ext>
     </p:extLst>
   </p:cSld>
@@ -10557,8 +11629,8 @@
           <a:lstStyle/>
           <a:p>
             <a:r>
-              <a:rPr lang="zh-CN" altLang="en-US" dirty="0" smtClean="0"/>
-              <a:t>主从备份</a:t>
+              <a:rPr lang="en-US" altLang="zh-CN" dirty="0" smtClean="0"/>
+              <a:t>ORM</a:t>
             </a:r>
             <a:endParaRPr lang="zh-CN" altLang="zh-CN" dirty="0"/>
           </a:p>
@@ -10748,17 +11820,136 @@
           <a:lstStyle/>
           <a:p>
             <a:r>
-              <a:rPr lang="zh-CN" altLang="zh-CN" sz="2400" dirty="0"/>
-              <a:t>从数据库的作用是作为备份。也就是当主数据库在写数据的时候，顺便也需要向从数据库发送一份。所以实现方式为，从数据库在启动的时候从主数据库拷贝一份数据库的内容，然后再写入数据库的时候也让从数据库执行一遍写操作。（因为是单线程的，所以不用考虑备份的时候又在写的问题。但是必须注意是需要主从都启动成功后，才算成功。）</a:t>
-            </a:r>
+              <a:rPr lang="en-US" altLang="zh-CN" sz="2000" dirty="0"/>
+              <a:t>ORM</a:t>
+            </a:r>
+            <a:r>
+              <a:rPr lang="zh-CN" altLang="zh-CN" sz="2000" dirty="0"/>
+              <a:t>（</a:t>
+            </a:r>
+            <a:r>
+              <a:rPr lang="en-US" altLang="zh-CN" sz="2000" dirty="0"/>
+              <a:t>Object Relational Mapping</a:t>
+            </a:r>
+            <a:r>
+              <a:rPr lang="zh-CN" altLang="zh-CN" sz="2000" dirty="0"/>
+              <a:t>），是一种程序技术，用于实现面向对象编程语言里不同类型系统的数据之间的转换</a:t>
+            </a:r>
+            <a:r>
+              <a:rPr lang="en-US" altLang="zh-CN" sz="2000" dirty="0"/>
+              <a:t>,</a:t>
+            </a:r>
+            <a:r>
+              <a:rPr lang="zh-CN" altLang="zh-CN" sz="2000" dirty="0"/>
+              <a:t>就是将数据转化为一种数据结构。</a:t>
+            </a:r>
+          </a:p>
+          <a:p>
+            <a:pPr lvl="1"/>
+            <a:r>
+              <a:rPr lang="zh-CN" altLang="zh-CN" sz="1800" dirty="0" smtClean="0"/>
+              <a:t>说白了</a:t>
+            </a:r>
+            <a:r>
+              <a:rPr lang="zh-CN" altLang="zh-CN" sz="1800" dirty="0"/>
+              <a:t>，就是将面向对象的数据拼成数据库能识别的</a:t>
+            </a:r>
+            <a:r>
+              <a:rPr lang="en-US" altLang="zh-CN" sz="1800" dirty="0" err="1"/>
+              <a:t>sql</a:t>
+            </a:r>
+            <a:r>
+              <a:rPr lang="zh-CN" altLang="zh-CN" sz="1800" dirty="0"/>
+              <a:t>语句。</a:t>
+            </a:r>
+          </a:p>
+          <a:p>
             <a:endParaRPr lang="zh-CN" altLang="zh-CN" dirty="0"/>
           </a:p>
         </p:txBody>
       </p:sp>
+      <p:graphicFrame>
+        <p:nvGraphicFramePr>
+          <p:cNvPr id="4" name="对象 3"/>
+          <p:cNvGraphicFramePr>
+            <a:graphicFrameLocks noChangeAspect="1"/>
+          </p:cNvGraphicFramePr>
+          <p:nvPr>
+            <p:extLst>
+              <p:ext uri="{D42A27DB-BD31-4B8C-83A1-F6EECF244321}">
+                <p14:modId xmlns:p14="http://schemas.microsoft.com/office/powerpoint/2010/main" val="6329283"/>
+              </p:ext>
+            </p:extLst>
+          </p:nvPr>
+        </p:nvGraphicFramePr>
+        <p:xfrm>
+          <a:off x="1619672" y="2982912"/>
+          <a:ext cx="6048672" cy="3861329"/>
+        </p:xfrm>
+        <a:graphic>
+          <a:graphicData uri="http://schemas.openxmlformats.org/presentationml/2006/ole">
+            <mc:AlternateContent xmlns:mc="http://schemas.openxmlformats.org/markup-compatibility/2006">
+              <mc:Choice xmlns:v="urn:schemas-microsoft-com:vml" Requires="v">
+                <p:oleObj spid="_x0000_s3086" name="Visio" r:id="rId3" imgW="5617761" imgH="3582354" progId="Visio.Drawing.11">
+                  <p:embed/>
+                </p:oleObj>
+              </mc:Choice>
+              <mc:Fallback>
+                <p:oleObj name="Visio" r:id="rId3" imgW="5617761" imgH="3582354" progId="Visio.Drawing.11">
+                  <p:embed/>
+                  <p:pic>
+                    <p:nvPicPr>
+                      <p:cNvPr id="0" name="Object 2"/>
+                      <p:cNvPicPr>
+                        <a:picLocks noChangeAspect="1" noChangeArrowheads="1"/>
+                      </p:cNvPicPr>
+                      <p:nvPr/>
+                    </p:nvPicPr>
+                    <p:blipFill>
+                      <a:blip r:embed="rId4">
+                        <a:extLst>
+                          <a:ext uri="{28A0092B-C50C-407E-A947-70E740481C1C}">
+                            <a14:useLocalDpi xmlns:a14="http://schemas.microsoft.com/office/drawing/2010/main" val="0"/>
+                          </a:ext>
+                        </a:extLst>
+                      </a:blip>
+                      <a:srcRect/>
+                      <a:stretch>
+                        <a:fillRect/>
+                      </a:stretch>
+                    </p:blipFill>
+                    <p:spPr bwMode="auto">
+                      <a:xfrm>
+                        <a:off x="1619672" y="2982912"/>
+                        <a:ext cx="6048672" cy="3861329"/>
+                      </a:xfrm>
+                      <a:prstGeom prst="rect">
+                        <a:avLst/>
+                      </a:prstGeom>
+                      <a:solidFill>
+                        <a:srgbClr val="FFFFFF"/>
+                      </a:solidFill>
+                      <a:ln w="9525">
+                        <a:solidFill>
+                          <a:srgbClr val="000000"/>
+                        </a:solidFill>
+                        <a:miter lim="800000"/>
+                        <a:headEnd/>
+                        <a:tailEnd/>
+                      </a:ln>
+                      <a:effectLst/>
+                    </p:spPr>
+                  </p:pic>
+                </p:oleObj>
+              </mc:Fallback>
+            </mc:AlternateContent>
+          </a:graphicData>
+        </a:graphic>
+      </p:graphicFrame>
     </p:spTree>
     <p:extLst>
       <p:ext uri="{BB962C8B-B14F-4D97-AF65-F5344CB8AC3E}">
-        <p14:creationId xmlns:p14="http://schemas.microsoft.com/office/powerpoint/2010/main" val="1840667241"/>
+        <p14:creationId xmlns:p14="http://schemas.microsoft.com/office/powerpoint/2010/main" val="3323228232"/>
       </p:ext>
     </p:extLst>
   </p:cSld>
@@ -10803,8 +11994,12 @@
           <a:lstStyle/>
           <a:p>
             <a:r>
+              <a:rPr lang="en-US" altLang="zh-CN" dirty="0" err="1" smtClean="0"/>
+              <a:t>ORM</a:t>
+            </a:r>
+            <a:r>
               <a:rPr lang="zh-CN" altLang="en-US" dirty="0" smtClean="0"/>
-              <a:t>主从备份</a:t>
+              <a:t>使用</a:t>
             </a:r>
             <a:endParaRPr lang="zh-CN" altLang="zh-CN" dirty="0"/>
           </a:p>
@@ -10976,16 +12171,1869 @@
           </a:p>
         </p:txBody>
       </p:sp>
+      <p:sp>
+        <p:nvSpPr>
+          <p:cNvPr id="3" name="内容占位符 2"/>
+          <p:cNvSpPr>
+            <a:spLocks noGrp="1"/>
+          </p:cNvSpPr>
+          <p:nvPr>
+            <p:ph idx="1"/>
+          </p:nvPr>
+        </p:nvSpPr>
+        <p:spPr/>
+        <p:txBody>
+          <a:bodyPr>
+            <a:normAutofit fontScale="85000" lnSpcReduction="20000"/>
+          </a:bodyPr>
+          <a:lstStyle/>
+          <a:p>
+            <a:endParaRPr lang="zh-CN" altLang="en-US" dirty="0"/>
+          </a:p>
+          <a:p>
+            <a:r>
+              <a:rPr lang="en-US" altLang="zh-CN" dirty="0" err="1"/>
+              <a:t>std</a:t>
+            </a:r>
+            <a:r>
+              <a:rPr lang="en-US" altLang="zh-CN" dirty="0"/>
+              <a:t>::string </a:t>
+            </a:r>
+            <a:r>
+              <a:rPr lang="en-US" altLang="zh-CN" dirty="0" err="1"/>
+              <a:t>strName</a:t>
+            </a:r>
+            <a:r>
+              <a:rPr lang="en-US" altLang="zh-CN" dirty="0"/>
+              <a:t> = </a:t>
+            </a:r>
+            <a:r>
+              <a:rPr lang="en-US" altLang="zh-CN" dirty="0" err="1"/>
+              <a:t>objParams</a:t>
+            </a:r>
+            <a:r>
+              <a:rPr lang="en-US" altLang="zh-CN" dirty="0"/>
+              <a:t>[1];</a:t>
+            </a:r>
+          </a:p>
+          <a:p>
+            <a:r>
+              <a:rPr lang="en-US" altLang="zh-CN" dirty="0" err="1"/>
+              <a:t>std</a:t>
+            </a:r>
+            <a:r>
+              <a:rPr lang="en-US" altLang="zh-CN" dirty="0"/>
+              <a:t>::string </a:t>
+            </a:r>
+            <a:r>
+              <a:rPr lang="en-US" altLang="zh-CN" dirty="0" err="1"/>
+              <a:t>strPwd</a:t>
+            </a:r>
+            <a:r>
+              <a:rPr lang="en-US" altLang="zh-CN" dirty="0"/>
+              <a:t> = </a:t>
+            </a:r>
+            <a:r>
+              <a:rPr lang="en-US" altLang="zh-CN" dirty="0" err="1"/>
+              <a:t>objParams</a:t>
+            </a:r>
+            <a:r>
+              <a:rPr lang="en-US" altLang="zh-CN" dirty="0"/>
+              <a:t>[2];</a:t>
+            </a:r>
+          </a:p>
+          <a:p>
+            <a:endParaRPr lang="zh-CN" altLang="en-US" dirty="0"/>
+          </a:p>
+          <a:p>
+            <a:r>
+              <a:rPr lang="en-US" altLang="zh-CN" dirty="0" err="1"/>
+              <a:t>GameDB</a:t>
+            </a:r>
+            <a:r>
+              <a:rPr lang="en-US" altLang="zh-CN" dirty="0"/>
+              <a:t>::User user;</a:t>
+            </a:r>
+          </a:p>
+          <a:p>
+            <a:r>
+              <a:rPr lang="en-US" altLang="zh-CN" dirty="0" err="1"/>
+              <a:t>user.set_name</a:t>
+            </a:r>
+            <a:r>
+              <a:rPr lang="en-US" altLang="zh-CN" dirty="0"/>
+              <a:t>(</a:t>
+            </a:r>
+            <a:r>
+              <a:rPr lang="en-US" altLang="zh-CN" dirty="0" err="1"/>
+              <a:t>strName.</a:t>
+            </a:r>
+            <a:r>
+              <a:rPr lang="en-US" altLang="zh-CN" i="1" dirty="0" err="1"/>
+              <a:t>c_str</a:t>
+            </a:r>
+            <a:r>
+              <a:rPr lang="en-US" altLang="zh-CN" dirty="0"/>
+              <a:t>());</a:t>
+            </a:r>
+          </a:p>
+          <a:p>
+            <a:r>
+              <a:rPr lang="en-US" altLang="zh-CN" dirty="0" err="1"/>
+              <a:t>user.set_pswd</a:t>
+            </a:r>
+            <a:r>
+              <a:rPr lang="en-US" altLang="zh-CN" dirty="0"/>
+              <a:t>(</a:t>
+            </a:r>
+            <a:r>
+              <a:rPr lang="en-US" altLang="zh-CN" dirty="0" err="1"/>
+              <a:t>strPwd.</a:t>
+            </a:r>
+            <a:r>
+              <a:rPr lang="en-US" altLang="zh-CN" i="1" dirty="0" err="1"/>
+              <a:t>c_str</a:t>
+            </a:r>
+            <a:r>
+              <a:rPr lang="en-US" altLang="zh-CN" dirty="0"/>
+              <a:t>());</a:t>
+            </a:r>
+          </a:p>
+          <a:p>
+            <a:r>
+              <a:rPr lang="en-US" altLang="zh-CN" dirty="0" err="1"/>
+              <a:t>user.set_sysuser</a:t>
+            </a:r>
+            <a:r>
+              <a:rPr lang="en-US" altLang="zh-CN" dirty="0"/>
+              <a:t>(true);</a:t>
+            </a:r>
+          </a:p>
+          <a:p>
+            <a:endParaRPr lang="zh-CN" altLang="en-US" dirty="0"/>
+          </a:p>
+          <a:p>
+            <a:r>
+              <a:rPr lang="en-US" altLang="zh-CN" dirty="0" err="1"/>
+              <a:t>GameDB</a:t>
+            </a:r>
+            <a:r>
+              <a:rPr lang="en-US" altLang="zh-CN" dirty="0"/>
+              <a:t>::</a:t>
+            </a:r>
+            <a:r>
+              <a:rPr lang="en-US" altLang="zh-CN" dirty="0" err="1"/>
+              <a:t>OrmHelper</a:t>
+            </a:r>
+            <a:r>
+              <a:rPr lang="en-US" altLang="zh-CN" dirty="0"/>
+              <a:t>::</a:t>
+            </a:r>
+            <a:r>
+              <a:rPr lang="en-US" altLang="zh-CN" dirty="0" err="1"/>
+              <a:t>OrmInsert</a:t>
+            </a:r>
+            <a:r>
+              <a:rPr lang="en-US" altLang="zh-CN" dirty="0"/>
+              <a:t>(&amp;user);</a:t>
+            </a:r>
+            <a:endParaRPr lang="zh-CN" altLang="zh-CN" dirty="0"/>
+          </a:p>
+        </p:txBody>
+      </p:sp>
+    </p:spTree>
+    <p:extLst>
+      <p:ext uri="{BB962C8B-B14F-4D97-AF65-F5344CB8AC3E}">
+        <p14:creationId xmlns:p14="http://schemas.microsoft.com/office/powerpoint/2010/main" val="3148715128"/>
+      </p:ext>
+    </p:extLst>
+  </p:cSld>
+  <p:clrMapOvr>
+    <a:masterClrMapping/>
+  </p:clrMapOvr>
+</p:sld>
+</file>
+
+<file path=ppt/slides/slide32.xml><?xml version="1.0" encoding="utf-8"?>
+<p:sld xmlns:a="http://schemas.openxmlformats.org/drawingml/2006/main" xmlns:r="http://schemas.openxmlformats.org/officeDocument/2006/relationships" xmlns:p="http://schemas.openxmlformats.org/presentationml/2006/main">
+  <p:cSld>
+    <p:spTree>
+      <p:nvGrpSpPr>
+        <p:cNvPr id="1" name=""/>
+        <p:cNvGrpSpPr/>
+        <p:nvPr/>
+      </p:nvGrpSpPr>
+      <p:grpSpPr>
+        <a:xfrm>
+          <a:off x="0" y="0"/>
+          <a:ext cx="0" cy="0"/>
+          <a:chOff x="0" y="0"/>
+          <a:chExt cx="0" cy="0"/>
+        </a:xfrm>
+      </p:grpSpPr>
+      <p:sp>
+        <p:nvSpPr>
+          <p:cNvPr id="2" name="标题 1"/>
+          <p:cNvSpPr>
+            <a:spLocks noGrp="1"/>
+          </p:cNvSpPr>
+          <p:nvPr>
+            <p:ph type="title"/>
+          </p:nvPr>
+        </p:nvSpPr>
+        <p:spPr/>
+        <p:txBody>
+          <a:bodyPr>
+            <a:normAutofit/>
+          </a:bodyPr>
+          <a:lstStyle/>
+          <a:p>
+            <a:r>
+              <a:rPr lang="en-US" altLang="zh-CN" dirty="0" err="1" smtClean="0"/>
+              <a:t>ORM</a:t>
+            </a:r>
+            <a:r>
+              <a:rPr lang="zh-CN" altLang="en-US" dirty="0" smtClean="0"/>
+              <a:t>使用</a:t>
+            </a:r>
+            <a:endParaRPr lang="zh-CN" altLang="zh-CN" dirty="0"/>
+          </a:p>
+        </p:txBody>
+      </p:sp>
+      <p:sp>
+        <p:nvSpPr>
+          <p:cNvPr id="5" name="内容占位符 2"/>
+          <p:cNvSpPr txBox="1">
+            <a:spLocks/>
+          </p:cNvSpPr>
+          <p:nvPr/>
+        </p:nvSpPr>
+        <p:spPr>
+          <a:xfrm>
+            <a:off x="609600" y="1752600"/>
+            <a:ext cx="8229600" cy="4525963"/>
+          </a:xfrm>
+          <a:prstGeom prst="rect">
+            <a:avLst/>
+          </a:prstGeom>
+        </p:spPr>
+        <p:txBody>
+          <a:bodyPr vert="horz" lIns="91440" tIns="45720" rIns="91440" bIns="45720" rtlCol="0">
+            <a:normAutofit/>
+          </a:bodyPr>
+          <a:lstStyle>
+            <a:lvl1pPr marL="342900" indent="-342900" algn="l" defTabSz="914400" rtl="0" eaLnBrk="1" latinLnBrk="0" hangingPunct="1">
+              <a:spcBef>
+                <a:spcPct val="20000"/>
+              </a:spcBef>
+              <a:buFont typeface="Arial" pitchFamily="34" charset="0"/>
+              <a:buChar char="•"/>
+              <a:defRPr sz="3200" kern="1200">
+                <a:solidFill>
+                  <a:schemeClr val="tx1"/>
+                </a:solidFill>
+                <a:latin typeface="+mn-lt"/>
+                <a:ea typeface="+mn-ea"/>
+                <a:cs typeface="+mn-cs"/>
+              </a:defRPr>
+            </a:lvl1pPr>
+            <a:lvl2pPr marL="742950" indent="-285750" algn="l" defTabSz="914400" rtl="0" eaLnBrk="1" latinLnBrk="0" hangingPunct="1">
+              <a:spcBef>
+                <a:spcPct val="20000"/>
+              </a:spcBef>
+              <a:buFont typeface="Arial" pitchFamily="34" charset="0"/>
+              <a:buChar char="–"/>
+              <a:defRPr sz="2800" kern="1200">
+                <a:solidFill>
+                  <a:schemeClr val="tx1"/>
+                </a:solidFill>
+                <a:latin typeface="+mn-lt"/>
+                <a:ea typeface="+mn-ea"/>
+                <a:cs typeface="+mn-cs"/>
+              </a:defRPr>
+            </a:lvl2pPr>
+            <a:lvl3pPr marL="1143000" indent="-228600" algn="l" defTabSz="914400" rtl="0" eaLnBrk="1" latinLnBrk="0" hangingPunct="1">
+              <a:spcBef>
+                <a:spcPct val="20000"/>
+              </a:spcBef>
+              <a:buFont typeface="Arial" pitchFamily="34" charset="0"/>
+              <a:buChar char="•"/>
+              <a:defRPr sz="2400" kern="1200">
+                <a:solidFill>
+                  <a:schemeClr val="tx1"/>
+                </a:solidFill>
+                <a:latin typeface="+mn-lt"/>
+                <a:ea typeface="+mn-ea"/>
+                <a:cs typeface="+mn-cs"/>
+              </a:defRPr>
+            </a:lvl3pPr>
+            <a:lvl4pPr marL="1600200" indent="-228600" algn="l" defTabSz="914400" rtl="0" eaLnBrk="1" latinLnBrk="0" hangingPunct="1">
+              <a:spcBef>
+                <a:spcPct val="20000"/>
+              </a:spcBef>
+              <a:buFont typeface="Arial" pitchFamily="34" charset="0"/>
+              <a:buChar char="–"/>
+              <a:defRPr sz="2000" kern="1200">
+                <a:solidFill>
+                  <a:schemeClr val="tx1"/>
+                </a:solidFill>
+                <a:latin typeface="+mn-lt"/>
+                <a:ea typeface="+mn-ea"/>
+                <a:cs typeface="+mn-cs"/>
+              </a:defRPr>
+            </a:lvl4pPr>
+            <a:lvl5pPr marL="2057400" indent="-228600" algn="l" defTabSz="914400" rtl="0" eaLnBrk="1" latinLnBrk="0" hangingPunct="1">
+              <a:spcBef>
+                <a:spcPct val="20000"/>
+              </a:spcBef>
+              <a:buFont typeface="Arial" pitchFamily="34" charset="0"/>
+              <a:buChar char="»"/>
+              <a:defRPr sz="2000" kern="1200">
+                <a:solidFill>
+                  <a:schemeClr val="tx1"/>
+                </a:solidFill>
+                <a:latin typeface="+mn-lt"/>
+                <a:ea typeface="+mn-ea"/>
+                <a:cs typeface="+mn-cs"/>
+              </a:defRPr>
+            </a:lvl5pPr>
+            <a:lvl6pPr marL="2514600" indent="-228600" algn="l" defTabSz="914400" rtl="0" eaLnBrk="1" latinLnBrk="0" hangingPunct="1">
+              <a:spcBef>
+                <a:spcPct val="20000"/>
+              </a:spcBef>
+              <a:buFont typeface="Arial" pitchFamily="34" charset="0"/>
+              <a:buChar char="•"/>
+              <a:defRPr sz="2000" kern="1200">
+                <a:solidFill>
+                  <a:schemeClr val="tx1"/>
+                </a:solidFill>
+                <a:latin typeface="+mn-lt"/>
+                <a:ea typeface="+mn-ea"/>
+                <a:cs typeface="+mn-cs"/>
+              </a:defRPr>
+            </a:lvl6pPr>
+            <a:lvl7pPr marL="2971800" indent="-228600" algn="l" defTabSz="914400" rtl="0" eaLnBrk="1" latinLnBrk="0" hangingPunct="1">
+              <a:spcBef>
+                <a:spcPct val="20000"/>
+              </a:spcBef>
+              <a:buFont typeface="Arial" pitchFamily="34" charset="0"/>
+              <a:buChar char="•"/>
+              <a:defRPr sz="2000" kern="1200">
+                <a:solidFill>
+                  <a:schemeClr val="tx1"/>
+                </a:solidFill>
+                <a:latin typeface="+mn-lt"/>
+                <a:ea typeface="+mn-ea"/>
+                <a:cs typeface="+mn-cs"/>
+              </a:defRPr>
+            </a:lvl7pPr>
+            <a:lvl8pPr marL="3429000" indent="-228600" algn="l" defTabSz="914400" rtl="0" eaLnBrk="1" latinLnBrk="0" hangingPunct="1">
+              <a:spcBef>
+                <a:spcPct val="20000"/>
+              </a:spcBef>
+              <a:buFont typeface="Arial" pitchFamily="34" charset="0"/>
+              <a:buChar char="•"/>
+              <a:defRPr sz="2000" kern="1200">
+                <a:solidFill>
+                  <a:schemeClr val="tx1"/>
+                </a:solidFill>
+                <a:latin typeface="+mn-lt"/>
+                <a:ea typeface="+mn-ea"/>
+                <a:cs typeface="+mn-cs"/>
+              </a:defRPr>
+            </a:lvl8pPr>
+            <a:lvl9pPr marL="3886200" indent="-228600" algn="l" defTabSz="914400" rtl="0" eaLnBrk="1" latinLnBrk="0" hangingPunct="1">
+              <a:spcBef>
+                <a:spcPct val="20000"/>
+              </a:spcBef>
+              <a:buFont typeface="Arial" pitchFamily="34" charset="0"/>
+              <a:buChar char="•"/>
+              <a:defRPr sz="2000" kern="1200">
+                <a:solidFill>
+                  <a:schemeClr val="tx1"/>
+                </a:solidFill>
+                <a:latin typeface="+mn-lt"/>
+                <a:ea typeface="+mn-ea"/>
+                <a:cs typeface="+mn-cs"/>
+              </a:defRPr>
+            </a:lvl9pPr>
+          </a:lstStyle>
+          <a:p>
+            <a:endParaRPr lang="zh-CN" altLang="zh-CN" dirty="0" smtClean="0"/>
+          </a:p>
+          <a:p>
+            <a:endParaRPr lang="en-US" altLang="zh-CN" dirty="0" smtClean="0"/>
+          </a:p>
+        </p:txBody>
+      </p:sp>
+      <p:sp>
+        <p:nvSpPr>
+          <p:cNvPr id="3" name="内容占位符 2"/>
+          <p:cNvSpPr>
+            <a:spLocks noGrp="1"/>
+          </p:cNvSpPr>
+          <p:nvPr>
+            <p:ph idx="1"/>
+          </p:nvPr>
+        </p:nvSpPr>
+        <p:spPr>
+          <a:xfrm>
+            <a:off x="457200" y="1124744"/>
+            <a:ext cx="8382000" cy="5616624"/>
+          </a:xfrm>
+        </p:spPr>
+        <p:txBody>
+          <a:bodyPr>
+            <a:normAutofit fontScale="47500" lnSpcReduction="20000"/>
+          </a:bodyPr>
+          <a:lstStyle/>
+          <a:p>
+            <a:endParaRPr lang="zh-CN" altLang="en-US" dirty="0"/>
+          </a:p>
+          <a:p>
+            <a:r>
+              <a:rPr lang="en-US" altLang="zh-CN" dirty="0" err="1"/>
+              <a:t>Orm</a:t>
+            </a:r>
+            <a:r>
+              <a:rPr lang="en-US" altLang="zh-CN" dirty="0"/>
+              <a:t>::</a:t>
+            </a:r>
+            <a:r>
+              <a:rPr lang="en-US" altLang="zh-CN" dirty="0" err="1"/>
+              <a:t>RoleCollection</a:t>
+            </a:r>
+            <a:r>
+              <a:rPr lang="en-US" altLang="zh-CN" dirty="0"/>
+              <a:t> * </a:t>
+            </a:r>
+            <a:r>
+              <a:rPr lang="en-US" altLang="zh-CN" dirty="0" err="1"/>
+              <a:t>pRoleCollection</a:t>
+            </a:r>
+            <a:r>
+              <a:rPr lang="en-US" altLang="zh-CN" dirty="0"/>
+              <a:t> = new </a:t>
+            </a:r>
+            <a:r>
+              <a:rPr lang="en-US" altLang="zh-CN" dirty="0" err="1"/>
+              <a:t>Orm</a:t>
+            </a:r>
+            <a:r>
+              <a:rPr lang="en-US" altLang="zh-CN" dirty="0"/>
+              <a:t>::</a:t>
+            </a:r>
+            <a:r>
+              <a:rPr lang="en-US" altLang="zh-CN" dirty="0" err="1"/>
+              <a:t>RoleCollection</a:t>
+            </a:r>
+            <a:r>
+              <a:rPr lang="en-US" altLang="zh-CN" dirty="0"/>
+              <a:t>; </a:t>
+            </a:r>
+          </a:p>
+          <a:p>
+            <a:r>
+              <a:rPr lang="en-US" altLang="zh-CN" dirty="0" err="1"/>
+              <a:t>pRoleCollection</a:t>
+            </a:r>
+            <a:r>
+              <a:rPr lang="en-US" altLang="zh-CN" dirty="0"/>
+              <a:t>-&gt;</a:t>
+            </a:r>
+            <a:r>
+              <a:rPr lang="en-US" altLang="zh-CN" dirty="0" err="1"/>
+              <a:t>SetMasterID</a:t>
+            </a:r>
+            <a:r>
+              <a:rPr lang="en-US" altLang="zh-CN" dirty="0"/>
+              <a:t>(1);</a:t>
+            </a:r>
+          </a:p>
+          <a:p>
+            <a:endParaRPr lang="zh-CN" altLang="en-US" dirty="0"/>
+          </a:p>
+          <a:p>
+            <a:r>
+              <a:rPr lang="en-US" altLang="zh-CN" dirty="0" err="1"/>
+              <a:t>Orm</a:t>
+            </a:r>
+            <a:r>
+              <a:rPr lang="en-US" altLang="zh-CN" dirty="0"/>
+              <a:t>::Role * </a:t>
+            </a:r>
+            <a:r>
+              <a:rPr lang="en-US" altLang="zh-CN" dirty="0" err="1"/>
+              <a:t>pRole</a:t>
+            </a:r>
+            <a:r>
+              <a:rPr lang="en-US" altLang="zh-CN" dirty="0"/>
+              <a:t> = </a:t>
+            </a:r>
+            <a:r>
+              <a:rPr lang="en-US" altLang="zh-CN" dirty="0" err="1"/>
+              <a:t>pRoleCollection</a:t>
+            </a:r>
+            <a:r>
+              <a:rPr lang="en-US" altLang="zh-CN" dirty="0"/>
+              <a:t>-&gt;</a:t>
+            </a:r>
+            <a:r>
+              <a:rPr lang="en-US" altLang="zh-CN" dirty="0" err="1"/>
+              <a:t>GetRole</a:t>
+            </a:r>
+            <a:r>
+              <a:rPr lang="en-US" altLang="zh-CN" dirty="0"/>
+              <a:t>();</a:t>
+            </a:r>
+          </a:p>
+          <a:p>
+            <a:r>
+              <a:rPr lang="en-US" altLang="zh-CN" dirty="0"/>
+              <a:t>if (</a:t>
+            </a:r>
+            <a:r>
+              <a:rPr lang="en-US" altLang="zh-CN" dirty="0" err="1"/>
+              <a:t>pRole</a:t>
+            </a:r>
+            <a:r>
+              <a:rPr lang="en-US" altLang="zh-CN" dirty="0"/>
+              <a:t>)</a:t>
+            </a:r>
+          </a:p>
+          <a:p>
+            <a:r>
+              <a:rPr lang="en-US" altLang="zh-CN" dirty="0"/>
+              <a:t>{</a:t>
+            </a:r>
+          </a:p>
+          <a:p>
+            <a:r>
+              <a:rPr lang="en-US" altLang="zh-CN" dirty="0" err="1"/>
+              <a:t>pRole</a:t>
+            </a:r>
+            <a:r>
+              <a:rPr lang="en-US" altLang="zh-CN" dirty="0"/>
+              <a:t>-&gt;</a:t>
+            </a:r>
+            <a:r>
+              <a:rPr lang="en-US" altLang="zh-CN" dirty="0" err="1"/>
+              <a:t>set_name</a:t>
+            </a:r>
+            <a:r>
+              <a:rPr lang="en-US" altLang="zh-CN" dirty="0"/>
+              <a:t>("role");</a:t>
+            </a:r>
+          </a:p>
+          <a:p>
+            <a:r>
+              <a:rPr lang="en-US" altLang="zh-CN" dirty="0" err="1"/>
+              <a:t>pRole</a:t>
+            </a:r>
+            <a:r>
+              <a:rPr lang="en-US" altLang="zh-CN" dirty="0"/>
+              <a:t>-&gt;</a:t>
+            </a:r>
+            <a:r>
+              <a:rPr lang="en-US" altLang="zh-CN" dirty="0" err="1"/>
+              <a:t>set_name</a:t>
+            </a:r>
+            <a:r>
+              <a:rPr lang="en-US" altLang="zh-CN" dirty="0"/>
+              <a:t>("role </a:t>
+            </a:r>
+            <a:r>
+              <a:rPr lang="en-US" altLang="zh-CN" dirty="0" err="1"/>
+              <a:t>pwd</a:t>
+            </a:r>
+            <a:r>
+              <a:rPr lang="en-US" altLang="zh-CN" dirty="0"/>
+              <a:t>");</a:t>
+            </a:r>
+          </a:p>
+          <a:p>
+            <a:r>
+              <a:rPr lang="en-US" altLang="zh-CN" dirty="0"/>
+              <a:t>}</a:t>
+            </a:r>
+          </a:p>
+          <a:p>
+            <a:r>
+              <a:rPr lang="en-US" altLang="zh-CN" dirty="0" err="1"/>
+              <a:t>GameDB</a:t>
+            </a:r>
+            <a:r>
+              <a:rPr lang="en-US" altLang="zh-CN" dirty="0"/>
+              <a:t>::</a:t>
+            </a:r>
+            <a:r>
+              <a:rPr lang="en-US" altLang="zh-CN" dirty="0" err="1"/>
+              <a:t>OrmHelper</a:t>
+            </a:r>
+            <a:r>
+              <a:rPr lang="en-US" altLang="zh-CN" dirty="0"/>
+              <a:t>::</a:t>
+            </a:r>
+            <a:r>
+              <a:rPr lang="en-US" altLang="zh-CN" dirty="0" err="1"/>
+              <a:t>OrmUpdate</a:t>
+            </a:r>
+            <a:r>
+              <a:rPr lang="en-US" altLang="zh-CN" dirty="0"/>
+              <a:t>(</a:t>
+            </a:r>
+            <a:r>
+              <a:rPr lang="en-US" altLang="zh-CN" dirty="0" err="1"/>
+              <a:t>pRole</a:t>
+            </a:r>
+            <a:r>
+              <a:rPr lang="en-US" altLang="zh-CN" dirty="0"/>
+              <a:t>);</a:t>
+            </a:r>
+          </a:p>
+          <a:p>
+            <a:endParaRPr lang="zh-CN" altLang="en-US" dirty="0"/>
+          </a:p>
+          <a:p>
+            <a:r>
+              <a:rPr lang="en-US" altLang="zh-CN" dirty="0" err="1"/>
+              <a:t>Orm</a:t>
+            </a:r>
+            <a:r>
+              <a:rPr lang="en-US" altLang="zh-CN" dirty="0"/>
+              <a:t>::</a:t>
+            </a:r>
+            <a:r>
+              <a:rPr lang="en-US" altLang="zh-CN" dirty="0" err="1"/>
+              <a:t>RoleItems</a:t>
+            </a:r>
+            <a:r>
+              <a:rPr lang="en-US" altLang="zh-CN" dirty="0"/>
+              <a:t> * </a:t>
+            </a:r>
+            <a:r>
+              <a:rPr lang="en-US" altLang="zh-CN" dirty="0" err="1"/>
+              <a:t>pRoleItems</a:t>
+            </a:r>
+            <a:r>
+              <a:rPr lang="en-US" altLang="zh-CN" dirty="0"/>
+              <a:t> = </a:t>
+            </a:r>
+            <a:r>
+              <a:rPr lang="en-US" altLang="zh-CN" dirty="0" err="1"/>
+              <a:t>pRoleCollection</a:t>
+            </a:r>
+            <a:r>
+              <a:rPr lang="en-US" altLang="zh-CN" dirty="0"/>
+              <a:t>-&gt;</a:t>
+            </a:r>
+            <a:r>
+              <a:rPr lang="en-US" altLang="zh-CN" dirty="0" err="1"/>
+              <a:t>NewRoleItems</a:t>
+            </a:r>
+            <a:r>
+              <a:rPr lang="en-US" altLang="zh-CN" dirty="0"/>
+              <a:t>();</a:t>
+            </a:r>
+          </a:p>
+          <a:p>
+            <a:r>
+              <a:rPr lang="en-US" altLang="zh-CN" dirty="0" err="1"/>
+              <a:t>pRoleItems</a:t>
+            </a:r>
+            <a:r>
+              <a:rPr lang="en-US" altLang="zh-CN" dirty="0"/>
+              <a:t>-&gt;</a:t>
+            </a:r>
+            <a:r>
+              <a:rPr lang="en-US" altLang="zh-CN" dirty="0" err="1"/>
+              <a:t>set_name</a:t>
+            </a:r>
+            <a:r>
+              <a:rPr lang="en-US" altLang="zh-CN" dirty="0"/>
+              <a:t>("</a:t>
+            </a:r>
+            <a:r>
+              <a:rPr lang="en-US" altLang="zh-CN" dirty="0" err="1"/>
+              <a:t>roleitems</a:t>
+            </a:r>
+            <a:r>
+              <a:rPr lang="en-US" altLang="zh-CN" dirty="0"/>
+              <a:t>");</a:t>
+            </a:r>
+          </a:p>
+          <a:p>
+            <a:r>
+              <a:rPr lang="en-US" altLang="zh-CN" dirty="0" err="1"/>
+              <a:t>pRoleItems</a:t>
+            </a:r>
+            <a:r>
+              <a:rPr lang="en-US" altLang="zh-CN" dirty="0"/>
+              <a:t>-&gt;</a:t>
+            </a:r>
+            <a:r>
+              <a:rPr lang="en-US" altLang="zh-CN" dirty="0" err="1"/>
+              <a:t>set_name</a:t>
+            </a:r>
+            <a:r>
+              <a:rPr lang="en-US" altLang="zh-CN" dirty="0"/>
+              <a:t>("</a:t>
+            </a:r>
+            <a:r>
+              <a:rPr lang="en-US" altLang="zh-CN" dirty="0" err="1"/>
+              <a:t>roleitems</a:t>
+            </a:r>
+            <a:r>
+              <a:rPr lang="en-US" altLang="zh-CN" dirty="0"/>
+              <a:t> </a:t>
+            </a:r>
+            <a:r>
+              <a:rPr lang="en-US" altLang="zh-CN" dirty="0" err="1"/>
+              <a:t>pwd</a:t>
+            </a:r>
+            <a:r>
+              <a:rPr lang="en-US" altLang="zh-CN" dirty="0"/>
+              <a:t>");</a:t>
+            </a:r>
+          </a:p>
+          <a:p>
+            <a:endParaRPr lang="zh-CN" altLang="en-US" dirty="0"/>
+          </a:p>
+          <a:p>
+            <a:r>
+              <a:rPr lang="en-US" altLang="zh-CN" dirty="0" err="1"/>
+              <a:t>GameDB</a:t>
+            </a:r>
+            <a:r>
+              <a:rPr lang="en-US" altLang="zh-CN" dirty="0"/>
+              <a:t>::</a:t>
+            </a:r>
+            <a:r>
+              <a:rPr lang="en-US" altLang="zh-CN" dirty="0" err="1"/>
+              <a:t>OrmVectorEx</a:t>
+            </a:r>
+            <a:r>
+              <a:rPr lang="en-US" altLang="zh-CN" dirty="0"/>
+              <a:t>&lt;</a:t>
+            </a:r>
+            <a:r>
+              <a:rPr lang="en-US" altLang="zh-CN" dirty="0" err="1"/>
+              <a:t>Orm</a:t>
+            </a:r>
+            <a:r>
+              <a:rPr lang="en-US" altLang="zh-CN" dirty="0"/>
+              <a:t>::</a:t>
+            </a:r>
+            <a:r>
+              <a:rPr lang="en-US" altLang="zh-CN" dirty="0" err="1"/>
+              <a:t>RoleItems</a:t>
+            </a:r>
+            <a:r>
+              <a:rPr lang="en-US" altLang="zh-CN" dirty="0"/>
+              <a:t> *&gt; &amp; </a:t>
+            </a:r>
+            <a:r>
+              <a:rPr lang="en-US" altLang="zh-CN" dirty="0" err="1"/>
+              <a:t>objRoleItems</a:t>
+            </a:r>
+            <a:r>
+              <a:rPr lang="en-US" altLang="zh-CN" dirty="0"/>
+              <a:t> = </a:t>
+            </a:r>
+            <a:r>
+              <a:rPr lang="en-US" altLang="zh-CN" dirty="0" err="1"/>
+              <a:t>pRoleCollection</a:t>
+            </a:r>
+            <a:r>
+              <a:rPr lang="en-US" altLang="zh-CN" dirty="0"/>
+              <a:t>-&gt;</a:t>
+            </a:r>
+            <a:r>
+              <a:rPr lang="en-US" altLang="zh-CN" dirty="0" err="1"/>
+              <a:t>GetRoleItems</a:t>
+            </a:r>
+            <a:r>
+              <a:rPr lang="en-US" altLang="zh-CN" dirty="0"/>
+              <a:t>(); </a:t>
+            </a:r>
+          </a:p>
+          <a:p>
+            <a:r>
+              <a:rPr lang="en-US" altLang="zh-CN" dirty="0"/>
+              <a:t>for (</a:t>
+            </a:r>
+            <a:r>
+              <a:rPr lang="en-US" altLang="zh-CN" dirty="0" err="1"/>
+              <a:t>int</a:t>
+            </a:r>
+            <a:r>
+              <a:rPr lang="en-US" altLang="zh-CN" dirty="0"/>
+              <a:t> </a:t>
+            </a:r>
+            <a:r>
+              <a:rPr lang="en-US" altLang="zh-CN" dirty="0" err="1"/>
+              <a:t>i</a:t>
+            </a:r>
+            <a:r>
+              <a:rPr lang="en-US" altLang="zh-CN" dirty="0"/>
+              <a:t> = </a:t>
+            </a:r>
+            <a:r>
+              <a:rPr lang="en-US" altLang="zh-CN" dirty="0" err="1"/>
+              <a:t>0;i</a:t>
+            </a:r>
+            <a:r>
+              <a:rPr lang="en-US" altLang="zh-CN" dirty="0"/>
+              <a:t> &lt; </a:t>
+            </a:r>
+            <a:r>
+              <a:rPr lang="en-US" altLang="zh-CN" dirty="0" err="1"/>
+              <a:t>objRoleItems.</a:t>
+            </a:r>
+            <a:r>
+              <a:rPr lang="en-US" altLang="zh-CN" i="1" dirty="0" err="1"/>
+              <a:t>size</a:t>
+            </a:r>
+            <a:r>
+              <a:rPr lang="en-US" altLang="zh-CN" dirty="0"/>
+              <a:t>();++</a:t>
+            </a:r>
+            <a:r>
+              <a:rPr lang="en-US" altLang="zh-CN" dirty="0" err="1"/>
+              <a:t>i</a:t>
+            </a:r>
+            <a:r>
+              <a:rPr lang="en-US" altLang="zh-CN" dirty="0"/>
+              <a:t>)</a:t>
+            </a:r>
+          </a:p>
+          <a:p>
+            <a:r>
+              <a:rPr lang="en-US" altLang="zh-CN" dirty="0"/>
+              <a:t>{</a:t>
+            </a:r>
+          </a:p>
+          <a:p>
+            <a:r>
+              <a:rPr lang="en-US" altLang="zh-CN" dirty="0" err="1"/>
+              <a:t>GameDB</a:t>
+            </a:r>
+            <a:r>
+              <a:rPr lang="en-US" altLang="zh-CN" dirty="0"/>
+              <a:t>::</a:t>
+            </a:r>
+            <a:r>
+              <a:rPr lang="en-US" altLang="zh-CN" dirty="0" err="1"/>
+              <a:t>OrmHelper</a:t>
+            </a:r>
+            <a:r>
+              <a:rPr lang="en-US" altLang="zh-CN" dirty="0"/>
+              <a:t>::</a:t>
+            </a:r>
+            <a:r>
+              <a:rPr lang="en-US" altLang="zh-CN" dirty="0" err="1"/>
+              <a:t>OrmInsert</a:t>
+            </a:r>
+            <a:r>
+              <a:rPr lang="en-US" altLang="zh-CN" dirty="0"/>
+              <a:t>(</a:t>
+            </a:r>
+            <a:r>
+              <a:rPr lang="en-US" altLang="zh-CN" dirty="0" err="1"/>
+              <a:t>objRoleItems</a:t>
+            </a:r>
+            <a:r>
+              <a:rPr lang="en-US" altLang="zh-CN" dirty="0"/>
+              <a:t>[</a:t>
+            </a:r>
+            <a:r>
+              <a:rPr lang="en-US" altLang="zh-CN" dirty="0" err="1"/>
+              <a:t>i</a:t>
+            </a:r>
+            <a:r>
+              <a:rPr lang="en-US" altLang="zh-CN" dirty="0"/>
+              <a:t>]);</a:t>
+            </a:r>
+          </a:p>
+          <a:p>
+            <a:r>
+              <a:rPr lang="en-US" altLang="zh-CN" dirty="0"/>
+              <a:t>}</a:t>
+            </a:r>
+            <a:endParaRPr lang="zh-CN" altLang="zh-CN" dirty="0"/>
+          </a:p>
+        </p:txBody>
+      </p:sp>
+    </p:spTree>
+    <p:extLst>
+      <p:ext uri="{BB962C8B-B14F-4D97-AF65-F5344CB8AC3E}">
+        <p14:creationId xmlns:p14="http://schemas.microsoft.com/office/powerpoint/2010/main" val="3441507087"/>
+      </p:ext>
+    </p:extLst>
+  </p:cSld>
+  <p:clrMapOvr>
+    <a:masterClrMapping/>
+  </p:clrMapOvr>
+</p:sld>
+</file>
+
+<file path=ppt/slides/slide33.xml><?xml version="1.0" encoding="utf-8"?>
+<p:sld xmlns:a="http://schemas.openxmlformats.org/drawingml/2006/main" xmlns:r="http://schemas.openxmlformats.org/officeDocument/2006/relationships" xmlns:p="http://schemas.openxmlformats.org/presentationml/2006/main">
+  <p:cSld>
+    <p:spTree>
+      <p:nvGrpSpPr>
+        <p:cNvPr id="1" name=""/>
+        <p:cNvGrpSpPr/>
+        <p:nvPr/>
+      </p:nvGrpSpPr>
+      <p:grpSpPr>
+        <a:xfrm>
+          <a:off x="0" y="0"/>
+          <a:ext cx="0" cy="0"/>
+          <a:chOff x="0" y="0"/>
+          <a:chExt cx="0" cy="0"/>
+        </a:xfrm>
+      </p:grpSpPr>
+      <p:sp>
+        <p:nvSpPr>
+          <p:cNvPr id="2" name="标题 1"/>
+          <p:cNvSpPr>
+            <a:spLocks noGrp="1"/>
+          </p:cNvSpPr>
+          <p:nvPr>
+            <p:ph type="title"/>
+          </p:nvPr>
+        </p:nvSpPr>
+        <p:spPr/>
+        <p:txBody>
+          <a:bodyPr>
+            <a:normAutofit/>
+          </a:bodyPr>
+          <a:lstStyle/>
+          <a:p>
+            <a:r>
+              <a:rPr lang="en-US" altLang="zh-CN" dirty="0" smtClean="0"/>
+              <a:t>Table</a:t>
+            </a:r>
+            <a:r>
+              <a:rPr lang="zh-CN" altLang="en-US" dirty="0" smtClean="0"/>
+              <a:t>表的配置</a:t>
+            </a:r>
+            <a:endParaRPr lang="zh-CN" altLang="zh-CN" dirty="0"/>
+          </a:p>
+        </p:txBody>
+      </p:sp>
+      <p:sp>
+        <p:nvSpPr>
+          <p:cNvPr id="5" name="内容占位符 2"/>
+          <p:cNvSpPr txBox="1">
+            <a:spLocks/>
+          </p:cNvSpPr>
+          <p:nvPr/>
+        </p:nvSpPr>
+        <p:spPr>
+          <a:xfrm>
+            <a:off x="609600" y="1752600"/>
+            <a:ext cx="8229600" cy="4525963"/>
+          </a:xfrm>
+          <a:prstGeom prst="rect">
+            <a:avLst/>
+          </a:prstGeom>
+        </p:spPr>
+        <p:txBody>
+          <a:bodyPr vert="horz" lIns="91440" tIns="45720" rIns="91440" bIns="45720" rtlCol="0">
+            <a:normAutofit/>
+          </a:bodyPr>
+          <a:lstStyle>
+            <a:lvl1pPr marL="342900" indent="-342900" algn="l" defTabSz="914400" rtl="0" eaLnBrk="1" latinLnBrk="0" hangingPunct="1">
+              <a:spcBef>
+                <a:spcPct val="20000"/>
+              </a:spcBef>
+              <a:buFont typeface="Arial" pitchFamily="34" charset="0"/>
+              <a:buChar char="•"/>
+              <a:defRPr sz="3200" kern="1200">
+                <a:solidFill>
+                  <a:schemeClr val="tx1"/>
+                </a:solidFill>
+                <a:latin typeface="+mn-lt"/>
+                <a:ea typeface="+mn-ea"/>
+                <a:cs typeface="+mn-cs"/>
+              </a:defRPr>
+            </a:lvl1pPr>
+            <a:lvl2pPr marL="742950" indent="-285750" algn="l" defTabSz="914400" rtl="0" eaLnBrk="1" latinLnBrk="0" hangingPunct="1">
+              <a:spcBef>
+                <a:spcPct val="20000"/>
+              </a:spcBef>
+              <a:buFont typeface="Arial" pitchFamily="34" charset="0"/>
+              <a:buChar char="–"/>
+              <a:defRPr sz="2800" kern="1200">
+                <a:solidFill>
+                  <a:schemeClr val="tx1"/>
+                </a:solidFill>
+                <a:latin typeface="+mn-lt"/>
+                <a:ea typeface="+mn-ea"/>
+                <a:cs typeface="+mn-cs"/>
+              </a:defRPr>
+            </a:lvl2pPr>
+            <a:lvl3pPr marL="1143000" indent="-228600" algn="l" defTabSz="914400" rtl="0" eaLnBrk="1" latinLnBrk="0" hangingPunct="1">
+              <a:spcBef>
+                <a:spcPct val="20000"/>
+              </a:spcBef>
+              <a:buFont typeface="Arial" pitchFamily="34" charset="0"/>
+              <a:buChar char="•"/>
+              <a:defRPr sz="2400" kern="1200">
+                <a:solidFill>
+                  <a:schemeClr val="tx1"/>
+                </a:solidFill>
+                <a:latin typeface="+mn-lt"/>
+                <a:ea typeface="+mn-ea"/>
+                <a:cs typeface="+mn-cs"/>
+              </a:defRPr>
+            </a:lvl3pPr>
+            <a:lvl4pPr marL="1600200" indent="-228600" algn="l" defTabSz="914400" rtl="0" eaLnBrk="1" latinLnBrk="0" hangingPunct="1">
+              <a:spcBef>
+                <a:spcPct val="20000"/>
+              </a:spcBef>
+              <a:buFont typeface="Arial" pitchFamily="34" charset="0"/>
+              <a:buChar char="–"/>
+              <a:defRPr sz="2000" kern="1200">
+                <a:solidFill>
+                  <a:schemeClr val="tx1"/>
+                </a:solidFill>
+                <a:latin typeface="+mn-lt"/>
+                <a:ea typeface="+mn-ea"/>
+                <a:cs typeface="+mn-cs"/>
+              </a:defRPr>
+            </a:lvl4pPr>
+            <a:lvl5pPr marL="2057400" indent="-228600" algn="l" defTabSz="914400" rtl="0" eaLnBrk="1" latinLnBrk="0" hangingPunct="1">
+              <a:spcBef>
+                <a:spcPct val="20000"/>
+              </a:spcBef>
+              <a:buFont typeface="Arial" pitchFamily="34" charset="0"/>
+              <a:buChar char="»"/>
+              <a:defRPr sz="2000" kern="1200">
+                <a:solidFill>
+                  <a:schemeClr val="tx1"/>
+                </a:solidFill>
+                <a:latin typeface="+mn-lt"/>
+                <a:ea typeface="+mn-ea"/>
+                <a:cs typeface="+mn-cs"/>
+              </a:defRPr>
+            </a:lvl5pPr>
+            <a:lvl6pPr marL="2514600" indent="-228600" algn="l" defTabSz="914400" rtl="0" eaLnBrk="1" latinLnBrk="0" hangingPunct="1">
+              <a:spcBef>
+                <a:spcPct val="20000"/>
+              </a:spcBef>
+              <a:buFont typeface="Arial" pitchFamily="34" charset="0"/>
+              <a:buChar char="•"/>
+              <a:defRPr sz="2000" kern="1200">
+                <a:solidFill>
+                  <a:schemeClr val="tx1"/>
+                </a:solidFill>
+                <a:latin typeface="+mn-lt"/>
+                <a:ea typeface="+mn-ea"/>
+                <a:cs typeface="+mn-cs"/>
+              </a:defRPr>
+            </a:lvl6pPr>
+            <a:lvl7pPr marL="2971800" indent="-228600" algn="l" defTabSz="914400" rtl="0" eaLnBrk="1" latinLnBrk="0" hangingPunct="1">
+              <a:spcBef>
+                <a:spcPct val="20000"/>
+              </a:spcBef>
+              <a:buFont typeface="Arial" pitchFamily="34" charset="0"/>
+              <a:buChar char="•"/>
+              <a:defRPr sz="2000" kern="1200">
+                <a:solidFill>
+                  <a:schemeClr val="tx1"/>
+                </a:solidFill>
+                <a:latin typeface="+mn-lt"/>
+                <a:ea typeface="+mn-ea"/>
+                <a:cs typeface="+mn-cs"/>
+              </a:defRPr>
+            </a:lvl7pPr>
+            <a:lvl8pPr marL="3429000" indent="-228600" algn="l" defTabSz="914400" rtl="0" eaLnBrk="1" latinLnBrk="0" hangingPunct="1">
+              <a:spcBef>
+                <a:spcPct val="20000"/>
+              </a:spcBef>
+              <a:buFont typeface="Arial" pitchFamily="34" charset="0"/>
+              <a:buChar char="•"/>
+              <a:defRPr sz="2000" kern="1200">
+                <a:solidFill>
+                  <a:schemeClr val="tx1"/>
+                </a:solidFill>
+                <a:latin typeface="+mn-lt"/>
+                <a:ea typeface="+mn-ea"/>
+                <a:cs typeface="+mn-cs"/>
+              </a:defRPr>
+            </a:lvl8pPr>
+            <a:lvl9pPr marL="3886200" indent="-228600" algn="l" defTabSz="914400" rtl="0" eaLnBrk="1" latinLnBrk="0" hangingPunct="1">
+              <a:spcBef>
+                <a:spcPct val="20000"/>
+              </a:spcBef>
+              <a:buFont typeface="Arial" pitchFamily="34" charset="0"/>
+              <a:buChar char="•"/>
+              <a:defRPr sz="2000" kern="1200">
+                <a:solidFill>
+                  <a:schemeClr val="tx1"/>
+                </a:solidFill>
+                <a:latin typeface="+mn-lt"/>
+                <a:ea typeface="+mn-ea"/>
+                <a:cs typeface="+mn-cs"/>
+              </a:defRPr>
+            </a:lvl9pPr>
+          </a:lstStyle>
+          <a:p>
+            <a:endParaRPr lang="zh-CN" altLang="zh-CN" dirty="0" smtClean="0"/>
+          </a:p>
+          <a:p>
+            <a:endParaRPr lang="en-US" altLang="zh-CN" dirty="0" smtClean="0"/>
+          </a:p>
+        </p:txBody>
+      </p:sp>
+      <p:sp>
+        <p:nvSpPr>
+          <p:cNvPr id="3" name="内容占位符 2"/>
+          <p:cNvSpPr>
+            <a:spLocks noGrp="1"/>
+          </p:cNvSpPr>
+          <p:nvPr>
+            <p:ph idx="1"/>
+          </p:nvPr>
+        </p:nvSpPr>
+        <p:spPr>
+          <a:xfrm>
+            <a:off x="457200" y="1124744"/>
+            <a:ext cx="8382000" cy="5616624"/>
+          </a:xfrm>
+        </p:spPr>
+        <p:txBody>
+          <a:bodyPr>
+            <a:normAutofit lnSpcReduction="10000"/>
+          </a:bodyPr>
+          <a:lstStyle/>
+          <a:p>
+            <a:r>
+              <a:rPr lang="en-US" altLang="zh-CN" dirty="0" err="1" smtClean="0"/>
+              <a:t>DefaultParams</a:t>
+            </a:r>
+            <a:r>
+              <a:rPr lang="en-US" altLang="zh-CN" dirty="0" smtClean="0"/>
+              <a:t>:</a:t>
+            </a:r>
+          </a:p>
+          <a:p>
+            <a:pPr lvl="1"/>
+            <a:r>
+              <a:rPr lang="zh-CN" altLang="en-US" dirty="0" smtClean="0"/>
+              <a:t>支持的类型</a:t>
+            </a:r>
+            <a:endParaRPr lang="en-US" altLang="zh-CN" dirty="0" smtClean="0"/>
+          </a:p>
+          <a:p>
+            <a:r>
+              <a:rPr lang="en-US" altLang="zh-CN" dirty="0" err="1" smtClean="0"/>
+              <a:t>Config</a:t>
+            </a:r>
+            <a:endParaRPr lang="en-US" altLang="zh-CN" dirty="0" smtClean="0"/>
+          </a:p>
+          <a:p>
+            <a:pPr lvl="1"/>
+            <a:r>
+              <a:rPr lang="en-US" altLang="zh-CN" dirty="0" err="1" smtClean="0"/>
+              <a:t>outputPath</a:t>
+            </a:r>
+            <a:r>
+              <a:rPr lang="en-US" altLang="zh-CN" dirty="0" smtClean="0"/>
+              <a:t>:</a:t>
+            </a:r>
+            <a:r>
+              <a:rPr lang="zh-CN" altLang="en-US" dirty="0" smtClean="0"/>
+              <a:t>输入</a:t>
+            </a:r>
+            <a:r>
+              <a:rPr lang="en-US" altLang="zh-CN" dirty="0" err="1" smtClean="0"/>
+              <a:t>ORM</a:t>
+            </a:r>
+            <a:r>
+              <a:rPr lang="zh-CN" altLang="en-US" dirty="0" smtClean="0"/>
+              <a:t>生成路径</a:t>
+            </a:r>
+            <a:endParaRPr lang="en-US" altLang="zh-CN" dirty="0" smtClean="0"/>
+          </a:p>
+          <a:p>
+            <a:r>
+              <a:rPr lang="en-US" altLang="zh-CN" dirty="0" smtClean="0"/>
+              <a:t>Tables</a:t>
+            </a:r>
+          </a:p>
+          <a:p>
+            <a:pPr lvl="1"/>
+            <a:r>
+              <a:rPr lang="zh-CN" altLang="en-US" dirty="0" smtClean="0"/>
+              <a:t>支持从表</a:t>
+            </a:r>
+            <a:r>
+              <a:rPr lang="en-US" altLang="zh-CN" dirty="0" smtClean="0"/>
+              <a:t>(</a:t>
+            </a:r>
+            <a:r>
+              <a:rPr lang="en-US" altLang="zh-CN" dirty="0" err="1" smtClean="0"/>
+              <a:t>SlaveFrom,slaveTable</a:t>
+            </a:r>
+            <a:r>
+              <a:rPr lang="en-US" altLang="zh-CN" dirty="0" smtClean="0"/>
+              <a:t>)</a:t>
+            </a:r>
+          </a:p>
+          <a:p>
+            <a:pPr lvl="1"/>
+            <a:r>
+              <a:rPr lang="en-US" altLang="zh-CN" dirty="0" err="1" smtClean="0"/>
+              <a:t>ignore_collection</a:t>
+            </a:r>
+            <a:r>
+              <a:rPr lang="en-US" altLang="zh-CN" dirty="0" smtClean="0"/>
+              <a:t>.</a:t>
+            </a:r>
+          </a:p>
+          <a:p>
+            <a:pPr lvl="1"/>
+            <a:r>
+              <a:rPr lang="en-US" altLang="zh-CN" dirty="0" err="1" smtClean="0"/>
+              <a:t>Struct</a:t>
+            </a:r>
+            <a:r>
+              <a:rPr lang="en-US" altLang="zh-CN" dirty="0" smtClean="0"/>
+              <a:t>:</a:t>
+            </a:r>
+            <a:r>
+              <a:rPr lang="zh-CN" altLang="en-US" dirty="0" smtClean="0"/>
+              <a:t>支持的数据结构体</a:t>
+            </a:r>
+            <a:endParaRPr lang="en-US" altLang="zh-CN" dirty="0" smtClean="0"/>
+          </a:p>
+          <a:p>
+            <a:pPr lvl="1"/>
+            <a:r>
+              <a:rPr lang="en-US" altLang="zh-CN" dirty="0" smtClean="0"/>
+              <a:t>Table:</a:t>
+            </a:r>
+            <a:r>
+              <a:rPr lang="zh-CN" altLang="en-US" dirty="0" smtClean="0"/>
+              <a:t>每一个表的内容</a:t>
+            </a:r>
+            <a:endParaRPr lang="en-US" altLang="zh-CN" dirty="0" smtClean="0"/>
+          </a:p>
+          <a:p>
+            <a:pPr lvl="2"/>
+            <a:r>
+              <a:rPr lang="en-US" altLang="zh-CN" dirty="0" smtClean="0"/>
+              <a:t>Field:</a:t>
+            </a:r>
+            <a:r>
+              <a:rPr lang="zh-CN" altLang="en-US" dirty="0" smtClean="0"/>
+              <a:t>每张表中的字段</a:t>
+            </a:r>
+            <a:endParaRPr lang="en-US" altLang="zh-CN" dirty="0" smtClean="0"/>
+          </a:p>
+          <a:p>
+            <a:pPr lvl="3"/>
+            <a:r>
+              <a:rPr lang="zh-CN" altLang="en-US" dirty="0" smtClean="0"/>
+              <a:t>字段的属性包括</a:t>
+            </a:r>
+            <a:endParaRPr lang="en-US" altLang="zh-CN" dirty="0" smtClean="0"/>
+          </a:p>
+          <a:p>
+            <a:pPr lvl="1"/>
+            <a:endParaRPr lang="en-US" altLang="zh-CN" dirty="0" smtClean="0"/>
+          </a:p>
+          <a:p>
+            <a:endParaRPr lang="zh-CN" altLang="zh-CN" dirty="0"/>
+          </a:p>
+        </p:txBody>
+      </p:sp>
+    </p:spTree>
+    <p:extLst>
+      <p:ext uri="{BB962C8B-B14F-4D97-AF65-F5344CB8AC3E}">
+        <p14:creationId xmlns:p14="http://schemas.microsoft.com/office/powerpoint/2010/main" val="2358987776"/>
+      </p:ext>
+    </p:extLst>
+  </p:cSld>
+  <p:clrMapOvr>
+    <a:masterClrMapping/>
+  </p:clrMapOvr>
+</p:sld>
+</file>
+
+<file path=ppt/slides/slide34.xml><?xml version="1.0" encoding="utf-8"?>
+<p:sld xmlns:a="http://schemas.openxmlformats.org/drawingml/2006/main" xmlns:r="http://schemas.openxmlformats.org/officeDocument/2006/relationships" xmlns:p="http://schemas.openxmlformats.org/presentationml/2006/main">
+  <p:cSld>
+    <p:spTree>
+      <p:nvGrpSpPr>
+        <p:cNvPr id="1" name=""/>
+        <p:cNvGrpSpPr/>
+        <p:nvPr/>
+      </p:nvGrpSpPr>
+      <p:grpSpPr>
+        <a:xfrm>
+          <a:off x="0" y="0"/>
+          <a:ext cx="0" cy="0"/>
+          <a:chOff x="0" y="0"/>
+          <a:chExt cx="0" cy="0"/>
+        </a:xfrm>
+      </p:grpSpPr>
+      <p:sp>
+        <p:nvSpPr>
+          <p:cNvPr id="2" name="标题 1"/>
+          <p:cNvSpPr>
+            <a:spLocks noGrp="1"/>
+          </p:cNvSpPr>
+          <p:nvPr>
+            <p:ph type="title"/>
+          </p:nvPr>
+        </p:nvSpPr>
+        <p:spPr/>
+        <p:txBody>
+          <a:bodyPr>
+            <a:normAutofit/>
+          </a:bodyPr>
+          <a:lstStyle/>
+          <a:p>
+            <a:r>
+              <a:rPr lang="zh-CN" altLang="en-US" dirty="0"/>
+              <a:t>主从</a:t>
+            </a:r>
+            <a:r>
+              <a:rPr lang="en-US" altLang="zh-CN" dirty="0"/>
+              <a:t>,</a:t>
+            </a:r>
+            <a:r>
+              <a:rPr lang="zh-CN" altLang="en-US" dirty="0"/>
+              <a:t>增量备份</a:t>
+            </a:r>
+            <a:endParaRPr lang="zh-CN" altLang="zh-CN" dirty="0"/>
+          </a:p>
+        </p:txBody>
+      </p:sp>
+      <p:sp>
+        <p:nvSpPr>
+          <p:cNvPr id="5" name="内容占位符 2"/>
+          <p:cNvSpPr txBox="1">
+            <a:spLocks/>
+          </p:cNvSpPr>
+          <p:nvPr/>
+        </p:nvSpPr>
+        <p:spPr>
+          <a:xfrm>
+            <a:off x="609600" y="1752600"/>
+            <a:ext cx="8229600" cy="4525963"/>
+          </a:xfrm>
+          <a:prstGeom prst="rect">
+            <a:avLst/>
+          </a:prstGeom>
+        </p:spPr>
+        <p:txBody>
+          <a:bodyPr vert="horz" lIns="91440" tIns="45720" rIns="91440" bIns="45720" rtlCol="0">
+            <a:normAutofit/>
+          </a:bodyPr>
+          <a:lstStyle>
+            <a:lvl1pPr marL="342900" indent="-342900" algn="l" defTabSz="914400" rtl="0" eaLnBrk="1" latinLnBrk="0" hangingPunct="1">
+              <a:spcBef>
+                <a:spcPct val="20000"/>
+              </a:spcBef>
+              <a:buFont typeface="Arial" pitchFamily="34" charset="0"/>
+              <a:buChar char="•"/>
+              <a:defRPr sz="3200" kern="1200">
+                <a:solidFill>
+                  <a:schemeClr val="tx1"/>
+                </a:solidFill>
+                <a:latin typeface="+mn-lt"/>
+                <a:ea typeface="+mn-ea"/>
+                <a:cs typeface="+mn-cs"/>
+              </a:defRPr>
+            </a:lvl1pPr>
+            <a:lvl2pPr marL="742950" indent="-285750" algn="l" defTabSz="914400" rtl="0" eaLnBrk="1" latinLnBrk="0" hangingPunct="1">
+              <a:spcBef>
+                <a:spcPct val="20000"/>
+              </a:spcBef>
+              <a:buFont typeface="Arial" pitchFamily="34" charset="0"/>
+              <a:buChar char="–"/>
+              <a:defRPr sz="2800" kern="1200">
+                <a:solidFill>
+                  <a:schemeClr val="tx1"/>
+                </a:solidFill>
+                <a:latin typeface="+mn-lt"/>
+                <a:ea typeface="+mn-ea"/>
+                <a:cs typeface="+mn-cs"/>
+              </a:defRPr>
+            </a:lvl2pPr>
+            <a:lvl3pPr marL="1143000" indent="-228600" algn="l" defTabSz="914400" rtl="0" eaLnBrk="1" latinLnBrk="0" hangingPunct="1">
+              <a:spcBef>
+                <a:spcPct val="20000"/>
+              </a:spcBef>
+              <a:buFont typeface="Arial" pitchFamily="34" charset="0"/>
+              <a:buChar char="•"/>
+              <a:defRPr sz="2400" kern="1200">
+                <a:solidFill>
+                  <a:schemeClr val="tx1"/>
+                </a:solidFill>
+                <a:latin typeface="+mn-lt"/>
+                <a:ea typeface="+mn-ea"/>
+                <a:cs typeface="+mn-cs"/>
+              </a:defRPr>
+            </a:lvl3pPr>
+            <a:lvl4pPr marL="1600200" indent="-228600" algn="l" defTabSz="914400" rtl="0" eaLnBrk="1" latinLnBrk="0" hangingPunct="1">
+              <a:spcBef>
+                <a:spcPct val="20000"/>
+              </a:spcBef>
+              <a:buFont typeface="Arial" pitchFamily="34" charset="0"/>
+              <a:buChar char="–"/>
+              <a:defRPr sz="2000" kern="1200">
+                <a:solidFill>
+                  <a:schemeClr val="tx1"/>
+                </a:solidFill>
+                <a:latin typeface="+mn-lt"/>
+                <a:ea typeface="+mn-ea"/>
+                <a:cs typeface="+mn-cs"/>
+              </a:defRPr>
+            </a:lvl4pPr>
+            <a:lvl5pPr marL="2057400" indent="-228600" algn="l" defTabSz="914400" rtl="0" eaLnBrk="1" latinLnBrk="0" hangingPunct="1">
+              <a:spcBef>
+                <a:spcPct val="20000"/>
+              </a:spcBef>
+              <a:buFont typeface="Arial" pitchFamily="34" charset="0"/>
+              <a:buChar char="»"/>
+              <a:defRPr sz="2000" kern="1200">
+                <a:solidFill>
+                  <a:schemeClr val="tx1"/>
+                </a:solidFill>
+                <a:latin typeface="+mn-lt"/>
+                <a:ea typeface="+mn-ea"/>
+                <a:cs typeface="+mn-cs"/>
+              </a:defRPr>
+            </a:lvl5pPr>
+            <a:lvl6pPr marL="2514600" indent="-228600" algn="l" defTabSz="914400" rtl="0" eaLnBrk="1" latinLnBrk="0" hangingPunct="1">
+              <a:spcBef>
+                <a:spcPct val="20000"/>
+              </a:spcBef>
+              <a:buFont typeface="Arial" pitchFamily="34" charset="0"/>
+              <a:buChar char="•"/>
+              <a:defRPr sz="2000" kern="1200">
+                <a:solidFill>
+                  <a:schemeClr val="tx1"/>
+                </a:solidFill>
+                <a:latin typeface="+mn-lt"/>
+                <a:ea typeface="+mn-ea"/>
+                <a:cs typeface="+mn-cs"/>
+              </a:defRPr>
+            </a:lvl6pPr>
+            <a:lvl7pPr marL="2971800" indent="-228600" algn="l" defTabSz="914400" rtl="0" eaLnBrk="1" latinLnBrk="0" hangingPunct="1">
+              <a:spcBef>
+                <a:spcPct val="20000"/>
+              </a:spcBef>
+              <a:buFont typeface="Arial" pitchFamily="34" charset="0"/>
+              <a:buChar char="•"/>
+              <a:defRPr sz="2000" kern="1200">
+                <a:solidFill>
+                  <a:schemeClr val="tx1"/>
+                </a:solidFill>
+                <a:latin typeface="+mn-lt"/>
+                <a:ea typeface="+mn-ea"/>
+                <a:cs typeface="+mn-cs"/>
+              </a:defRPr>
+            </a:lvl7pPr>
+            <a:lvl8pPr marL="3429000" indent="-228600" algn="l" defTabSz="914400" rtl="0" eaLnBrk="1" latinLnBrk="0" hangingPunct="1">
+              <a:spcBef>
+                <a:spcPct val="20000"/>
+              </a:spcBef>
+              <a:buFont typeface="Arial" pitchFamily="34" charset="0"/>
+              <a:buChar char="•"/>
+              <a:defRPr sz="2000" kern="1200">
+                <a:solidFill>
+                  <a:schemeClr val="tx1"/>
+                </a:solidFill>
+                <a:latin typeface="+mn-lt"/>
+                <a:ea typeface="+mn-ea"/>
+                <a:cs typeface="+mn-cs"/>
+              </a:defRPr>
+            </a:lvl8pPr>
+            <a:lvl9pPr marL="3886200" indent="-228600" algn="l" defTabSz="914400" rtl="0" eaLnBrk="1" latinLnBrk="0" hangingPunct="1">
+              <a:spcBef>
+                <a:spcPct val="20000"/>
+              </a:spcBef>
+              <a:buFont typeface="Arial" pitchFamily="34" charset="0"/>
+              <a:buChar char="•"/>
+              <a:defRPr sz="2000" kern="1200">
+                <a:solidFill>
+                  <a:schemeClr val="tx1"/>
+                </a:solidFill>
+                <a:latin typeface="+mn-lt"/>
+                <a:ea typeface="+mn-ea"/>
+                <a:cs typeface="+mn-cs"/>
+              </a:defRPr>
+            </a:lvl9pPr>
+          </a:lstStyle>
+          <a:p>
+            <a:endParaRPr lang="zh-CN" altLang="zh-CN" dirty="0" smtClean="0"/>
+          </a:p>
+          <a:p>
+            <a:endParaRPr lang="en-US" altLang="zh-CN" dirty="0" smtClean="0"/>
+          </a:p>
+        </p:txBody>
+      </p:sp>
+      <p:sp>
+        <p:nvSpPr>
+          <p:cNvPr id="3" name="内容占位符 2"/>
+          <p:cNvSpPr>
+            <a:spLocks noGrp="1"/>
+          </p:cNvSpPr>
+          <p:nvPr>
+            <p:ph idx="1"/>
+          </p:nvPr>
+        </p:nvSpPr>
+        <p:spPr/>
+        <p:txBody>
+          <a:bodyPr>
+            <a:normAutofit/>
+          </a:bodyPr>
+          <a:lstStyle/>
+          <a:p>
+            <a:r>
+              <a:rPr lang="zh-CN" altLang="zh-CN" sz="2400" dirty="0"/>
+              <a:t>从数据库的作用是作为备份。也就是当主数据库在写数据的时候，顺便也需要向从数据库发送一份。所以实现方式为，从数据库在启动的时候从主数据库拷贝一份数据库的内容，然后再写入数据库的时候也让从数据库执行一遍写操作。（因为是单线程的，所以不用考虑备份的时候又在写的问题。但是必须注意是需要主从都启动成功后，才算成功。）</a:t>
+            </a:r>
+            <a:endParaRPr lang="zh-CN" altLang="zh-CN" dirty="0"/>
+          </a:p>
+        </p:txBody>
+      </p:sp>
+    </p:spTree>
+    <p:extLst>
+      <p:ext uri="{BB962C8B-B14F-4D97-AF65-F5344CB8AC3E}">
+        <p14:creationId xmlns:p14="http://schemas.microsoft.com/office/powerpoint/2010/main" val="1840667241"/>
+      </p:ext>
+    </p:extLst>
+  </p:cSld>
+  <p:clrMapOvr>
+    <a:masterClrMapping/>
+  </p:clrMapOvr>
+</p:sld>
+</file>
+
+<file path=ppt/slides/slide35.xml><?xml version="1.0" encoding="utf-8"?>
+<p:sld xmlns:a="http://schemas.openxmlformats.org/drawingml/2006/main" xmlns:r="http://schemas.openxmlformats.org/officeDocument/2006/relationships" xmlns:p="http://schemas.openxmlformats.org/presentationml/2006/main">
+  <p:cSld>
+    <p:spTree>
+      <p:nvGrpSpPr>
+        <p:cNvPr id="1" name=""/>
+        <p:cNvGrpSpPr/>
+        <p:nvPr/>
+      </p:nvGrpSpPr>
+      <p:grpSpPr>
+        <a:xfrm>
+          <a:off x="0" y="0"/>
+          <a:ext cx="0" cy="0"/>
+          <a:chOff x="0" y="0"/>
+          <a:chExt cx="0" cy="0"/>
+        </a:xfrm>
+      </p:grpSpPr>
+      <p:sp>
+        <p:nvSpPr>
+          <p:cNvPr id="2" name="标题 1"/>
+          <p:cNvSpPr>
+            <a:spLocks noGrp="1"/>
+          </p:cNvSpPr>
+          <p:nvPr>
+            <p:ph type="title"/>
+          </p:nvPr>
+        </p:nvSpPr>
+        <p:spPr/>
+        <p:txBody>
+          <a:bodyPr>
+            <a:normAutofit/>
+          </a:bodyPr>
+          <a:lstStyle/>
+          <a:p>
+            <a:r>
+              <a:rPr lang="zh-CN" altLang="en-US" dirty="0" smtClean="0"/>
+              <a:t>主从</a:t>
+            </a:r>
+            <a:r>
+              <a:rPr lang="en-US" altLang="zh-CN" dirty="0" smtClean="0"/>
+              <a:t>,</a:t>
+            </a:r>
+            <a:r>
+              <a:rPr lang="zh-CN" altLang="en-US" dirty="0" smtClean="0"/>
+              <a:t>增量备份</a:t>
+            </a:r>
+            <a:endParaRPr lang="zh-CN" altLang="zh-CN" dirty="0"/>
+          </a:p>
+        </p:txBody>
+      </p:sp>
+      <p:sp>
+        <p:nvSpPr>
+          <p:cNvPr id="5" name="内容占位符 2"/>
+          <p:cNvSpPr txBox="1">
+            <a:spLocks/>
+          </p:cNvSpPr>
+          <p:nvPr/>
+        </p:nvSpPr>
+        <p:spPr>
+          <a:xfrm>
+            <a:off x="609600" y="1752600"/>
+            <a:ext cx="8229600" cy="4525963"/>
+          </a:xfrm>
+          <a:prstGeom prst="rect">
+            <a:avLst/>
+          </a:prstGeom>
+        </p:spPr>
+        <p:txBody>
+          <a:bodyPr vert="horz" lIns="91440" tIns="45720" rIns="91440" bIns="45720" rtlCol="0">
+            <a:normAutofit/>
+          </a:bodyPr>
+          <a:lstStyle>
+            <a:lvl1pPr marL="342900" indent="-342900" algn="l" defTabSz="914400" rtl="0" eaLnBrk="1" latinLnBrk="0" hangingPunct="1">
+              <a:spcBef>
+                <a:spcPct val="20000"/>
+              </a:spcBef>
+              <a:buFont typeface="Arial" pitchFamily="34" charset="0"/>
+              <a:buChar char="•"/>
+              <a:defRPr sz="3200" kern="1200">
+                <a:solidFill>
+                  <a:schemeClr val="tx1"/>
+                </a:solidFill>
+                <a:latin typeface="+mn-lt"/>
+                <a:ea typeface="+mn-ea"/>
+                <a:cs typeface="+mn-cs"/>
+              </a:defRPr>
+            </a:lvl1pPr>
+            <a:lvl2pPr marL="742950" indent="-285750" algn="l" defTabSz="914400" rtl="0" eaLnBrk="1" latinLnBrk="0" hangingPunct="1">
+              <a:spcBef>
+                <a:spcPct val="20000"/>
+              </a:spcBef>
+              <a:buFont typeface="Arial" pitchFamily="34" charset="0"/>
+              <a:buChar char="–"/>
+              <a:defRPr sz="2800" kern="1200">
+                <a:solidFill>
+                  <a:schemeClr val="tx1"/>
+                </a:solidFill>
+                <a:latin typeface="+mn-lt"/>
+                <a:ea typeface="+mn-ea"/>
+                <a:cs typeface="+mn-cs"/>
+              </a:defRPr>
+            </a:lvl2pPr>
+            <a:lvl3pPr marL="1143000" indent="-228600" algn="l" defTabSz="914400" rtl="0" eaLnBrk="1" latinLnBrk="0" hangingPunct="1">
+              <a:spcBef>
+                <a:spcPct val="20000"/>
+              </a:spcBef>
+              <a:buFont typeface="Arial" pitchFamily="34" charset="0"/>
+              <a:buChar char="•"/>
+              <a:defRPr sz="2400" kern="1200">
+                <a:solidFill>
+                  <a:schemeClr val="tx1"/>
+                </a:solidFill>
+                <a:latin typeface="+mn-lt"/>
+                <a:ea typeface="+mn-ea"/>
+                <a:cs typeface="+mn-cs"/>
+              </a:defRPr>
+            </a:lvl3pPr>
+            <a:lvl4pPr marL="1600200" indent="-228600" algn="l" defTabSz="914400" rtl="0" eaLnBrk="1" latinLnBrk="0" hangingPunct="1">
+              <a:spcBef>
+                <a:spcPct val="20000"/>
+              </a:spcBef>
+              <a:buFont typeface="Arial" pitchFamily="34" charset="0"/>
+              <a:buChar char="–"/>
+              <a:defRPr sz="2000" kern="1200">
+                <a:solidFill>
+                  <a:schemeClr val="tx1"/>
+                </a:solidFill>
+                <a:latin typeface="+mn-lt"/>
+                <a:ea typeface="+mn-ea"/>
+                <a:cs typeface="+mn-cs"/>
+              </a:defRPr>
+            </a:lvl4pPr>
+            <a:lvl5pPr marL="2057400" indent="-228600" algn="l" defTabSz="914400" rtl="0" eaLnBrk="1" latinLnBrk="0" hangingPunct="1">
+              <a:spcBef>
+                <a:spcPct val="20000"/>
+              </a:spcBef>
+              <a:buFont typeface="Arial" pitchFamily="34" charset="0"/>
+              <a:buChar char="»"/>
+              <a:defRPr sz="2000" kern="1200">
+                <a:solidFill>
+                  <a:schemeClr val="tx1"/>
+                </a:solidFill>
+                <a:latin typeface="+mn-lt"/>
+                <a:ea typeface="+mn-ea"/>
+                <a:cs typeface="+mn-cs"/>
+              </a:defRPr>
+            </a:lvl5pPr>
+            <a:lvl6pPr marL="2514600" indent="-228600" algn="l" defTabSz="914400" rtl="0" eaLnBrk="1" latinLnBrk="0" hangingPunct="1">
+              <a:spcBef>
+                <a:spcPct val="20000"/>
+              </a:spcBef>
+              <a:buFont typeface="Arial" pitchFamily="34" charset="0"/>
+              <a:buChar char="•"/>
+              <a:defRPr sz="2000" kern="1200">
+                <a:solidFill>
+                  <a:schemeClr val="tx1"/>
+                </a:solidFill>
+                <a:latin typeface="+mn-lt"/>
+                <a:ea typeface="+mn-ea"/>
+                <a:cs typeface="+mn-cs"/>
+              </a:defRPr>
+            </a:lvl6pPr>
+            <a:lvl7pPr marL="2971800" indent="-228600" algn="l" defTabSz="914400" rtl="0" eaLnBrk="1" latinLnBrk="0" hangingPunct="1">
+              <a:spcBef>
+                <a:spcPct val="20000"/>
+              </a:spcBef>
+              <a:buFont typeface="Arial" pitchFamily="34" charset="0"/>
+              <a:buChar char="•"/>
+              <a:defRPr sz="2000" kern="1200">
+                <a:solidFill>
+                  <a:schemeClr val="tx1"/>
+                </a:solidFill>
+                <a:latin typeface="+mn-lt"/>
+                <a:ea typeface="+mn-ea"/>
+                <a:cs typeface="+mn-cs"/>
+              </a:defRPr>
+            </a:lvl7pPr>
+            <a:lvl8pPr marL="3429000" indent="-228600" algn="l" defTabSz="914400" rtl="0" eaLnBrk="1" latinLnBrk="0" hangingPunct="1">
+              <a:spcBef>
+                <a:spcPct val="20000"/>
+              </a:spcBef>
+              <a:buFont typeface="Arial" pitchFamily="34" charset="0"/>
+              <a:buChar char="•"/>
+              <a:defRPr sz="2000" kern="1200">
+                <a:solidFill>
+                  <a:schemeClr val="tx1"/>
+                </a:solidFill>
+                <a:latin typeface="+mn-lt"/>
+                <a:ea typeface="+mn-ea"/>
+                <a:cs typeface="+mn-cs"/>
+              </a:defRPr>
+            </a:lvl8pPr>
+            <a:lvl9pPr marL="3886200" indent="-228600" algn="l" defTabSz="914400" rtl="0" eaLnBrk="1" latinLnBrk="0" hangingPunct="1">
+              <a:spcBef>
+                <a:spcPct val="20000"/>
+              </a:spcBef>
+              <a:buFont typeface="Arial" pitchFamily="34" charset="0"/>
+              <a:buChar char="•"/>
+              <a:defRPr sz="2000" kern="1200">
+                <a:solidFill>
+                  <a:schemeClr val="tx1"/>
+                </a:solidFill>
+                <a:latin typeface="+mn-lt"/>
+                <a:ea typeface="+mn-ea"/>
+                <a:cs typeface="+mn-cs"/>
+              </a:defRPr>
+            </a:lvl9pPr>
+          </a:lstStyle>
+          <a:p>
+            <a:endParaRPr lang="zh-CN" altLang="zh-CN" dirty="0" smtClean="0"/>
+          </a:p>
+          <a:p>
+            <a:endParaRPr lang="en-US" altLang="zh-CN" dirty="0" smtClean="0"/>
+          </a:p>
+        </p:txBody>
+      </p:sp>
+      <p:graphicFrame>
+        <p:nvGraphicFramePr>
+          <p:cNvPr id="3" name="对象 2"/>
+          <p:cNvGraphicFramePr>
+            <a:graphicFrameLocks noChangeAspect="1"/>
+          </p:cNvGraphicFramePr>
+          <p:nvPr>
+            <p:extLst>
+              <p:ext uri="{D42A27DB-BD31-4B8C-83A1-F6EECF244321}">
+                <p14:modId xmlns:p14="http://schemas.microsoft.com/office/powerpoint/2010/main" val="1920626775"/>
+              </p:ext>
+            </p:extLst>
+          </p:nvPr>
+        </p:nvGraphicFramePr>
+        <p:xfrm>
+          <a:off x="29344" y="10989840"/>
+          <a:ext cx="9305925" cy="10077450"/>
+        </p:xfrm>
+        <a:graphic>
+          <a:graphicData uri="http://schemas.openxmlformats.org/presentationml/2006/ole">
+            <mc:AlternateContent xmlns:mc="http://schemas.openxmlformats.org/markup-compatibility/2006">
+              <mc:Choice xmlns:v="urn:schemas-microsoft-com:vml" Requires="v">
+                <p:oleObj spid="_x0000_s4111" name="Visio" r:id="rId3" imgW="9528911" imgH="11743497" progId="Visio.Drawing.11">
+                  <p:embed/>
+                </p:oleObj>
+              </mc:Choice>
+              <mc:Fallback>
+                <p:oleObj name="Visio" r:id="rId3" imgW="9528911" imgH="11743497" progId="Visio.Drawing.11">
+                  <p:embed/>
+                  <p:pic>
+                    <p:nvPicPr>
+                      <p:cNvPr id="0" name="Object 2"/>
+                      <p:cNvPicPr>
+                        <a:picLocks noChangeAspect="1" noChangeArrowheads="1"/>
+                      </p:cNvPicPr>
+                      <p:nvPr/>
+                    </p:nvPicPr>
+                    <p:blipFill>
+                      <a:blip r:embed="rId4">
+                        <a:extLst>
+                          <a:ext uri="{28A0092B-C50C-407E-A947-70E740481C1C}">
+                            <a14:useLocalDpi xmlns:a14="http://schemas.microsoft.com/office/drawing/2010/main" val="0"/>
+                          </a:ext>
+                        </a:extLst>
+                      </a:blip>
+                      <a:srcRect/>
+                      <a:stretch>
+                        <a:fillRect/>
+                      </a:stretch>
+                    </p:blipFill>
+                    <p:spPr bwMode="auto">
+                      <a:xfrm>
+                        <a:off x="29344" y="10989840"/>
+                        <a:ext cx="9305925" cy="10077450"/>
+                      </a:xfrm>
+                      <a:prstGeom prst="rect">
+                        <a:avLst/>
+                      </a:prstGeom>
+                      <a:solidFill>
+                        <a:srgbClr val="FFFFFF"/>
+                      </a:solidFill>
+                      <a:ln w="9525">
+                        <a:solidFill>
+                          <a:srgbClr val="000000"/>
+                        </a:solidFill>
+                        <a:miter lim="800000"/>
+                        <a:headEnd/>
+                        <a:tailEnd/>
+                      </a:ln>
+                      <a:effectLst/>
+                      <a:extLst>
+                        <a:ext uri="{AF507438-7753-43E0-B8FC-AC1667EBCBE1}">
+                          <a14:hiddenEffects xmlns:a14="http://schemas.microsoft.com/office/drawing/2010/main">
+                            <a:effectLst>
+                              <a:outerShdw dist="35921" dir="2700000" algn="ctr" rotWithShape="0">
+                                <a:srgbClr val="808080"/>
+                              </a:outerShdw>
+                            </a:effectLst>
+                          </a14:hiddenEffects>
+                        </a:ext>
+                      </a:extLst>
+                    </p:spPr>
+                  </p:pic>
+                </p:oleObj>
+              </mc:Fallback>
+            </mc:AlternateContent>
+          </a:graphicData>
+        </a:graphic>
+      </p:graphicFrame>
       <p:pic>
         <p:nvPicPr>
-          <p:cNvPr id="9218" name="Picture 2"/>
+          <p:cNvPr id="4099" name="Picture 3"/>
           <p:cNvPicPr>
             <a:picLocks noChangeAspect="1" noChangeArrowheads="1"/>
           </p:cNvPicPr>
           <p:nvPr/>
         </p:nvPicPr>
         <p:blipFill>
-          <a:blip r:embed="rId2">
+          <a:blip r:embed="rId5">
             <a:extLst>
               <a:ext uri="{28A0092B-C50C-407E-A947-70E740481C1C}">
                 <a14:useLocalDpi xmlns:a14="http://schemas.microsoft.com/office/drawing/2010/main" val="0"/>
@@ -10999,8 +14047,8 @@
         </p:blipFill>
         <p:spPr bwMode="auto">
           <a:xfrm>
-            <a:off x="8756" y="971472"/>
-            <a:ext cx="7803604" cy="6088217"/>
+            <a:off x="-125398" y="1247800"/>
+            <a:ext cx="9277350" cy="7029450"/>
           </a:xfrm>
           <a:prstGeom prst="rect">
             <a:avLst/>
@@ -11053,7 +14101,7 @@
 </p:sld>
 </file>
 
-<file path=ppt/slides/slide32.xml><?xml version="1.0" encoding="utf-8"?>
+<file path=ppt/slides/slide36.xml><?xml version="1.0" encoding="utf-8"?>
 <p:sld xmlns:a="http://schemas.openxmlformats.org/drawingml/2006/main" xmlns:r="http://schemas.openxmlformats.org/officeDocument/2006/relationships" xmlns:p="http://schemas.openxmlformats.org/presentationml/2006/main">
   <p:cSld>
     <p:spTree>
@@ -11279,7 +14327,7 @@
 </p:sld>
 </file>
 
-<file path=ppt/slides/slide33.xml><?xml version="1.0" encoding="utf-8"?>
+<file path=ppt/slides/slide37.xml><?xml version="1.0" encoding="utf-8"?>
 <p:sld xmlns:a="http://schemas.openxmlformats.org/drawingml/2006/main" xmlns:r="http://schemas.openxmlformats.org/officeDocument/2006/relationships" xmlns:p="http://schemas.openxmlformats.org/presentationml/2006/main">
   <p:cSld>
     <p:spTree>
@@ -11313,12 +14361,14 @@
           </a:xfrm>
         </p:spPr>
         <p:txBody>
-          <a:bodyPr/>
+          <a:bodyPr>
+            <a:normAutofit/>
+          </a:bodyPr>
           <a:lstStyle/>
           <a:p>
             <a:r>
-              <a:rPr lang="en-US" altLang="zh-CN" smtClean="0"/>
-              <a:t>A</a:t>
+              <a:rPr lang="zh-CN" altLang="en-US" dirty="0" smtClean="0"/>
+              <a:t>优化内容</a:t>
             </a:r>
             <a:endParaRPr lang="zh-CN" altLang="en-US" dirty="0"/>
           </a:p>
@@ -12381,6 +15431,13 @@
   <p:clrMapOvr>
     <a:masterClrMapping/>
   </p:clrMapOvr>
+  <p:timing>
+    <p:tnLst>
+      <p:par>
+        <p:cTn id="1" dur="indefinite" restart="never" nodeType="tmRoot"/>
+      </p:par>
+    </p:tnLst>
+  </p:timing>
 </p:sld>
 </file>
 
@@ -12743,6 +15800,13 @@
   <p:clrMapOvr>
     <a:masterClrMapping/>
   </p:clrMapOvr>
+  <p:timing>
+    <p:tnLst>
+      <p:par>
+        <p:cTn id="1" dur="indefinite" restart="never" nodeType="tmRoot"/>
+      </p:par>
+    </p:tnLst>
+  </p:timing>
 </p:sld>
 </file>
 
@@ -12873,6 +15937,13 @@
   <p:clrMapOvr>
     <a:masterClrMapping/>
   </p:clrMapOvr>
+  <p:timing>
+    <p:tnLst>
+      <p:par>
+        <p:cTn id="1" dur="indefinite" restart="never" nodeType="tmRoot"/>
+      </p:par>
+    </p:tnLst>
+  </p:timing>
 </p:sld>
 </file>
 
@@ -13159,4 +16230,289 @@
   <a:objectDefaults/>
   <a:extraClrSchemeLst/>
 </a:theme>
+</file>
+
+<file path=ppt/theme/theme2.xml><?xml version="1.0" encoding="utf-8"?>
+<a:theme xmlns:a="http://schemas.openxmlformats.org/drawingml/2006/main" name="Office 主题​​">
+  <a:themeElements>
+    <a:clrScheme name="Office">
+      <a:dk1>
+        <a:sysClr val="windowText" lastClr="000000"/>
+      </a:dk1>
+      <a:lt1>
+        <a:sysClr val="window" lastClr="FFFFFF"/>
+      </a:lt1>
+      <a:dk2>
+        <a:srgbClr val="1F497D"/>
+      </a:dk2>
+      <a:lt2>
+        <a:srgbClr val="EEECE1"/>
+      </a:lt2>
+      <a:accent1>
+        <a:srgbClr val="4F81BD"/>
+      </a:accent1>
+      <a:accent2>
+        <a:srgbClr val="C0504D"/>
+      </a:accent2>
+      <a:accent3>
+        <a:srgbClr val="9BBB59"/>
+      </a:accent3>
+      <a:accent4>
+        <a:srgbClr val="8064A2"/>
+      </a:accent4>
+      <a:accent5>
+        <a:srgbClr val="4BACC6"/>
+      </a:accent5>
+      <a:accent6>
+        <a:srgbClr val="F79646"/>
+      </a:accent6>
+      <a:hlink>
+        <a:srgbClr val="0000FF"/>
+      </a:hlink>
+      <a:folHlink>
+        <a:srgbClr val="800080"/>
+      </a:folHlink>
+    </a:clrScheme>
+    <a:fontScheme name="Office">
+      <a:majorFont>
+        <a:latin typeface="Calibri"/>
+        <a:ea typeface=""/>
+        <a:cs typeface=""/>
+        <a:font script="Jpan" typeface="ＭＳ Ｐゴシック"/>
+        <a:font script="Hang" typeface="맑은 고딕"/>
+        <a:font script="Hans" typeface="宋体"/>
+        <a:font script="Hant" typeface="新細明體"/>
+        <a:font script="Arab" typeface="Times New Roman"/>
+        <a:font script="Hebr" typeface="Times New Roman"/>
+        <a:font script="Thai" typeface="Angsana New"/>
+        <a:font script="Ethi" typeface="Nyala"/>
+        <a:font script="Beng" typeface="Vrinda"/>
+        <a:font script="Gujr" typeface="Shruti"/>
+        <a:font script="Khmr" typeface="MoolBoran"/>
+        <a:font script="Knda" typeface="Tunga"/>
+        <a:font script="Guru" typeface="Raavi"/>
+        <a:font script="Cans" typeface="Euphemia"/>
+        <a:font script="Cher" typeface="Plantagenet Cherokee"/>
+        <a:font script="Yiii" typeface="Microsoft Yi Baiti"/>
+        <a:font script="Tibt" typeface="Microsoft Himalaya"/>
+        <a:font script="Thaa" typeface="MV Boli"/>
+        <a:font script="Deva" typeface="Mangal"/>
+        <a:font script="Telu" typeface="Gautami"/>
+        <a:font script="Taml" typeface="Latha"/>
+        <a:font script="Syrc" typeface="Estrangelo Edessa"/>
+        <a:font script="Orya" typeface="Kalinga"/>
+        <a:font script="Mlym" typeface="Kartika"/>
+        <a:font script="Laoo" typeface="DokChampa"/>
+        <a:font script="Sinh" typeface="Iskoola Pota"/>
+        <a:font script="Mong" typeface="Mongolian Baiti"/>
+        <a:font script="Viet" typeface="Times New Roman"/>
+        <a:font script="Uigh" typeface="Microsoft Uighur"/>
+        <a:font script="Geor" typeface="Sylfaen"/>
+      </a:majorFont>
+      <a:minorFont>
+        <a:latin typeface="Calibri"/>
+        <a:ea typeface=""/>
+        <a:cs typeface=""/>
+        <a:font script="Jpan" typeface="ＭＳ Ｐゴシック"/>
+        <a:font script="Hang" typeface="맑은 고딕"/>
+        <a:font script="Hans" typeface="宋体"/>
+        <a:font script="Hant" typeface="新細明體"/>
+        <a:font script="Arab" typeface="Arial"/>
+        <a:font script="Hebr" typeface="Arial"/>
+        <a:font script="Thai" typeface="Cordia New"/>
+        <a:font script="Ethi" typeface="Nyala"/>
+        <a:font script="Beng" typeface="Vrinda"/>
+        <a:font script="Gujr" typeface="Shruti"/>
+        <a:font script="Khmr" typeface="DaunPenh"/>
+        <a:font script="Knda" typeface="Tunga"/>
+        <a:font script="Guru" typeface="Raavi"/>
+        <a:font script="Cans" typeface="Euphemia"/>
+        <a:font script="Cher" typeface="Plantagenet Cherokee"/>
+        <a:font script="Yiii" typeface="Microsoft Yi Baiti"/>
+        <a:font script="Tibt" typeface="Microsoft Himalaya"/>
+        <a:font script="Thaa" typeface="MV Boli"/>
+        <a:font script="Deva" typeface="Mangal"/>
+        <a:font script="Telu" typeface="Gautami"/>
+        <a:font script="Taml" typeface="Latha"/>
+        <a:font script="Syrc" typeface="Estrangelo Edessa"/>
+        <a:font script="Orya" typeface="Kalinga"/>
+        <a:font script="Mlym" typeface="Kartika"/>
+        <a:font script="Laoo" typeface="DokChampa"/>
+        <a:font script="Sinh" typeface="Iskoola Pota"/>
+        <a:font script="Mong" typeface="Mongolian Baiti"/>
+        <a:font script="Viet" typeface="Arial"/>
+        <a:font script="Uigh" typeface="Microsoft Uighur"/>
+        <a:font script="Geor" typeface="Sylfaen"/>
+      </a:minorFont>
+    </a:fontScheme>
+    <a:fmtScheme name="Office">
+      <a:fillStyleLst>
+        <a:solidFill>
+          <a:schemeClr val="phClr"/>
+        </a:solidFill>
+        <a:gradFill rotWithShape="1">
+          <a:gsLst>
+            <a:gs pos="0">
+              <a:schemeClr val="phClr">
+                <a:tint val="50000"/>
+                <a:satMod val="300000"/>
+              </a:schemeClr>
+            </a:gs>
+            <a:gs pos="35000">
+              <a:schemeClr val="phClr">
+                <a:tint val="37000"/>
+                <a:satMod val="300000"/>
+              </a:schemeClr>
+            </a:gs>
+            <a:gs pos="100000">
+              <a:schemeClr val="phClr">
+                <a:tint val="15000"/>
+                <a:satMod val="350000"/>
+              </a:schemeClr>
+            </a:gs>
+          </a:gsLst>
+          <a:lin ang="16200000" scaled="1"/>
+        </a:gradFill>
+        <a:gradFill rotWithShape="1">
+          <a:gsLst>
+            <a:gs pos="0">
+              <a:schemeClr val="phClr">
+                <a:shade val="51000"/>
+                <a:satMod val="130000"/>
+              </a:schemeClr>
+            </a:gs>
+            <a:gs pos="80000">
+              <a:schemeClr val="phClr">
+                <a:shade val="93000"/>
+                <a:satMod val="130000"/>
+              </a:schemeClr>
+            </a:gs>
+            <a:gs pos="100000">
+              <a:schemeClr val="phClr">
+                <a:shade val="94000"/>
+                <a:satMod val="135000"/>
+              </a:schemeClr>
+            </a:gs>
+          </a:gsLst>
+          <a:lin ang="16200000" scaled="0"/>
+        </a:gradFill>
+      </a:fillStyleLst>
+      <a:lnStyleLst>
+        <a:ln w="9525" cap="flat" cmpd="sng" algn="ctr">
+          <a:solidFill>
+            <a:schemeClr val="phClr">
+              <a:shade val="95000"/>
+              <a:satMod val="105000"/>
+            </a:schemeClr>
+          </a:solidFill>
+          <a:prstDash val="solid"/>
+        </a:ln>
+        <a:ln w="25400" cap="flat" cmpd="sng" algn="ctr">
+          <a:solidFill>
+            <a:schemeClr val="phClr"/>
+          </a:solidFill>
+          <a:prstDash val="solid"/>
+        </a:ln>
+        <a:ln w="38100" cap="flat" cmpd="sng" algn="ctr">
+          <a:solidFill>
+            <a:schemeClr val="phClr"/>
+          </a:solidFill>
+          <a:prstDash val="solid"/>
+        </a:ln>
+      </a:lnStyleLst>
+      <a:effectStyleLst>
+        <a:effectStyle>
+          <a:effectLst>
+            <a:outerShdw blurRad="40000" dist="20000" dir="5400000" rotWithShape="0">
+              <a:srgbClr val="000000">
+                <a:alpha val="38000"/>
+              </a:srgbClr>
+            </a:outerShdw>
+          </a:effectLst>
+        </a:effectStyle>
+        <a:effectStyle>
+          <a:effectLst>
+            <a:outerShdw blurRad="40000" dist="23000" dir="5400000" rotWithShape="0">
+              <a:srgbClr val="000000">
+                <a:alpha val="35000"/>
+              </a:srgbClr>
+            </a:outerShdw>
+          </a:effectLst>
+        </a:effectStyle>
+        <a:effectStyle>
+          <a:effectLst>
+            <a:outerShdw blurRad="40000" dist="23000" dir="5400000" rotWithShape="0">
+              <a:srgbClr val="000000">
+                <a:alpha val="35000"/>
+              </a:srgbClr>
+            </a:outerShdw>
+          </a:effectLst>
+          <a:scene3d>
+            <a:camera prst="orthographicFront">
+              <a:rot lat="0" lon="0" rev="0"/>
+            </a:camera>
+            <a:lightRig rig="threePt" dir="t">
+              <a:rot lat="0" lon="0" rev="1200000"/>
+            </a:lightRig>
+          </a:scene3d>
+          <a:sp3d>
+            <a:bevelT w="63500" h="25400"/>
+          </a:sp3d>
+        </a:effectStyle>
+      </a:effectStyleLst>
+      <a:bgFillStyleLst>
+        <a:solidFill>
+          <a:schemeClr val="phClr"/>
+        </a:solidFill>
+        <a:gradFill rotWithShape="1">
+          <a:gsLst>
+            <a:gs pos="0">
+              <a:schemeClr val="phClr">
+                <a:tint val="40000"/>
+                <a:satMod val="350000"/>
+              </a:schemeClr>
+            </a:gs>
+            <a:gs pos="40000">
+              <a:schemeClr val="phClr">
+                <a:tint val="45000"/>
+                <a:shade val="99000"/>
+                <a:satMod val="350000"/>
+              </a:schemeClr>
+            </a:gs>
+            <a:gs pos="100000">
+              <a:schemeClr val="phClr">
+                <a:shade val="20000"/>
+                <a:satMod val="255000"/>
+              </a:schemeClr>
+            </a:gs>
+          </a:gsLst>
+          <a:path path="circle">
+            <a:fillToRect l="50000" t="-80000" r="50000" b="180000"/>
+          </a:path>
+        </a:gradFill>
+        <a:gradFill rotWithShape="1">
+          <a:gsLst>
+            <a:gs pos="0">
+              <a:schemeClr val="phClr">
+                <a:tint val="80000"/>
+                <a:satMod val="300000"/>
+              </a:schemeClr>
+            </a:gs>
+            <a:gs pos="100000">
+              <a:schemeClr val="phClr">
+                <a:shade val="30000"/>
+                <a:satMod val="200000"/>
+              </a:schemeClr>
+            </a:gs>
+          </a:gsLst>
+          <a:path path="circle">
+            <a:fillToRect l="50000" t="50000" r="50000" b="50000"/>
+          </a:path>
+        </a:gradFill>
+      </a:bgFillStyleLst>
+    </a:fmtScheme>
+  </a:themeElements>
+  <a:objectDefaults/>
+  <a:extraClrSchemeLst/>
+</a:theme>
 </file>